--- a/Presentatie.pptx
+++ b/Presentatie.pptx
@@ -5,10 +5,10 @@
     <p:sldMasterId id="2147484668" r:id="rId1"/>
   </p:sldMasterIdLst>
   <p:notesMasterIdLst>
-    <p:notesMasterId r:id="rId25"/>
+    <p:notesMasterId r:id="rId27"/>
   </p:notesMasterIdLst>
   <p:handoutMasterIdLst>
-    <p:handoutMasterId r:id="rId26"/>
+    <p:handoutMasterId r:id="rId28"/>
   </p:handoutMasterIdLst>
   <p:sldIdLst>
     <p:sldId id="258" r:id="rId2"/>
@@ -25,15 +25,17 @@
     <p:sldId id="279" r:id="rId13"/>
     <p:sldId id="280" r:id="rId14"/>
     <p:sldId id="281" r:id="rId15"/>
-    <p:sldId id="261" r:id="rId16"/>
-    <p:sldId id="262" r:id="rId17"/>
-    <p:sldId id="263" r:id="rId18"/>
-    <p:sldId id="264" r:id="rId19"/>
-    <p:sldId id="265" r:id="rId20"/>
-    <p:sldId id="266" r:id="rId21"/>
-    <p:sldId id="267" r:id="rId22"/>
-    <p:sldId id="268" r:id="rId23"/>
-    <p:sldId id="269" r:id="rId24"/>
+    <p:sldId id="282" r:id="rId16"/>
+    <p:sldId id="283" r:id="rId17"/>
+    <p:sldId id="284" r:id="rId18"/>
+    <p:sldId id="285" r:id="rId19"/>
+    <p:sldId id="286" r:id="rId20"/>
+    <p:sldId id="287" r:id="rId21"/>
+    <p:sldId id="288" r:id="rId22"/>
+    <p:sldId id="289" r:id="rId23"/>
+    <p:sldId id="290" r:id="rId24"/>
+    <p:sldId id="291" r:id="rId25"/>
+    <p:sldId id="292" r:id="rId26"/>
   </p:sldIdLst>
   <p:sldSz cx="12192000" cy="6858000"/>
   <p:notesSz cx="6858000" cy="9144000"/>
@@ -141,4274 +143,6 @@
     </p:ext>
   </p:extLst>
 </p:presentation>
-</file>
-
-<file path=ppt/charts/chart1.xml><?xml version="1.0" encoding="utf-8"?>
-<c:chartSpace xmlns:c="http://schemas.openxmlformats.org/drawingml/2006/chart" xmlns:a="http://schemas.openxmlformats.org/drawingml/2006/main" xmlns:r="http://schemas.openxmlformats.org/officeDocument/2006/relationships" xmlns:c16r2="http://schemas.microsoft.com/office/drawing/2015/06/chart">
-  <c:date1904 val="0"/>
-  <c:lang val="nl-NL"/>
-  <c:roundedCorners val="0"/>
-  <mc:AlternateContent xmlns:mc="http://schemas.openxmlformats.org/markup-compatibility/2006">
-    <mc:Choice xmlns:c14="http://schemas.microsoft.com/office/drawing/2007/8/2/chart" Requires="c14">
-      <c14:style val="102"/>
-    </mc:Choice>
-    <mc:Fallback>
-      <c:style val="2"/>
-    </mc:Fallback>
-  </mc:AlternateContent>
-  <c:chart>
-    <c:title>
-      <c:overlay val="0"/>
-      <c:spPr>
-        <a:noFill/>
-        <a:ln>
-          <a:noFill/>
-        </a:ln>
-        <a:effectLst/>
-      </c:spPr>
-      <c:txPr>
-        <a:bodyPr rot="0" spcFirstLastPara="1" vertOverflow="ellipsis" vert="horz" wrap="square" anchor="ctr" anchorCtr="1"/>
-        <a:lstStyle/>
-        <a:p>
-          <a:pPr>
-            <a:defRPr sz="2128" b="1" i="0" u="none" strike="noStrike" kern="1200" baseline="0">
-              <a:solidFill>
-                <a:schemeClr val="tx2"/>
-              </a:solidFill>
-              <a:latin typeface="+mn-lt"/>
-              <a:ea typeface="+mn-ea"/>
-              <a:cs typeface="+mn-cs"/>
-            </a:defRPr>
-          </a:pPr>
-          <a:endParaRPr lang="nl-NL"/>
-        </a:p>
-      </c:txPr>
-    </c:title>
-    <c:autoTitleDeleted val="0"/>
-    <c:plotArea>
-      <c:layout/>
-      <c:barChart>
-        <c:barDir val="col"/>
-        <c:grouping val="clustered"/>
-        <c:varyColors val="0"/>
-        <c:ser>
-          <c:idx val="0"/>
-          <c:order val="0"/>
-          <c:tx>
-            <c:strRef>
-              <c:f>Sheet1!$B$1</c:f>
-              <c:strCache>
-                <c:ptCount val="1"/>
-                <c:pt idx="0">
-                  <c:v>Reeks 1</c:v>
-                </c:pt>
-              </c:strCache>
-            </c:strRef>
-          </c:tx>
-          <c:spPr>
-            <a:gradFill rotWithShape="1">
-              <a:gsLst>
-                <a:gs pos="0">
-                  <a:schemeClr val="accent1">
-                    <a:tint val="96000"/>
-                    <a:lumMod val="100000"/>
-                  </a:schemeClr>
-                </a:gs>
-                <a:gs pos="78000">
-                  <a:schemeClr val="accent1">
-                    <a:shade val="94000"/>
-                    <a:lumMod val="94000"/>
-                  </a:schemeClr>
-                </a:gs>
-              </a:gsLst>
-              <a:lin ang="5400000" scaled="0"/>
-            </a:gradFill>
-            <a:ln>
-              <a:noFill/>
-            </a:ln>
-            <a:effectLst>
-              <a:outerShdw blurRad="38100" dist="25400" dir="5400000" rotWithShape="0">
-                <a:srgbClr val="000000">
-                  <a:alpha val="35000"/>
-                </a:srgbClr>
-              </a:outerShdw>
-            </a:effectLst>
-          </c:spPr>
-          <c:invertIfNegative val="0"/>
-          <c:cat>
-            <c:strRef>
-              <c:f>Sheet1!$A$2:$A$5</c:f>
-              <c:strCache>
-                <c:ptCount val="4"/>
-                <c:pt idx="0">
-                  <c:v>Categorie 1</c:v>
-                </c:pt>
-                <c:pt idx="1">
-                  <c:v>Categorie 2</c:v>
-                </c:pt>
-                <c:pt idx="2">
-                  <c:v>Categorie 3</c:v>
-                </c:pt>
-                <c:pt idx="3">
-                  <c:v>Categorie 4</c:v>
-                </c:pt>
-              </c:strCache>
-            </c:strRef>
-          </c:cat>
-          <c:val>
-            <c:numRef>
-              <c:f>Sheet1!$B$2:$B$5</c:f>
-              <c:numCache>
-                <c:formatCode>General</c:formatCode>
-                <c:ptCount val="4"/>
-                <c:pt idx="0">
-                  <c:v>4.3</c:v>
-                </c:pt>
-                <c:pt idx="1">
-                  <c:v>2.5</c:v>
-                </c:pt>
-                <c:pt idx="2">
-                  <c:v>3.5</c:v>
-                </c:pt>
-                <c:pt idx="3">
-                  <c:v>4.5</c:v>
-                </c:pt>
-              </c:numCache>
-            </c:numRef>
-          </c:val>
-          <c:extLst>
-            <c:ext xmlns:c16="http://schemas.microsoft.com/office/drawing/2014/chart" uri="{C3380CC4-5D6E-409C-BE32-E72D297353CC}">
-              <c16:uniqueId val="{00000000-9240-45BB-82C1-E2BD88AF7838}"/>
-            </c:ext>
-          </c:extLst>
-        </c:ser>
-        <c:ser>
-          <c:idx val="1"/>
-          <c:order val="1"/>
-          <c:tx>
-            <c:strRef>
-              <c:f>Sheet1!$C$1</c:f>
-              <c:strCache>
-                <c:ptCount val="1"/>
-                <c:pt idx="0">
-                  <c:v>Reeks 2</c:v>
-                </c:pt>
-              </c:strCache>
-            </c:strRef>
-          </c:tx>
-          <c:spPr>
-            <a:gradFill rotWithShape="1">
-              <a:gsLst>
-                <a:gs pos="0">
-                  <a:schemeClr val="accent2">
-                    <a:tint val="96000"/>
-                    <a:lumMod val="100000"/>
-                  </a:schemeClr>
-                </a:gs>
-                <a:gs pos="78000">
-                  <a:schemeClr val="accent2">
-                    <a:shade val="94000"/>
-                    <a:lumMod val="94000"/>
-                  </a:schemeClr>
-                </a:gs>
-              </a:gsLst>
-              <a:lin ang="5400000" scaled="0"/>
-            </a:gradFill>
-            <a:ln>
-              <a:noFill/>
-            </a:ln>
-            <a:effectLst>
-              <a:outerShdw blurRad="38100" dist="25400" dir="5400000" rotWithShape="0">
-                <a:srgbClr val="000000">
-                  <a:alpha val="35000"/>
-                </a:srgbClr>
-              </a:outerShdw>
-            </a:effectLst>
-          </c:spPr>
-          <c:invertIfNegative val="0"/>
-          <c:cat>
-            <c:strRef>
-              <c:f>Sheet1!$A$2:$A$5</c:f>
-              <c:strCache>
-                <c:ptCount val="4"/>
-                <c:pt idx="0">
-                  <c:v>Categorie 1</c:v>
-                </c:pt>
-                <c:pt idx="1">
-                  <c:v>Categorie 2</c:v>
-                </c:pt>
-                <c:pt idx="2">
-                  <c:v>Categorie 3</c:v>
-                </c:pt>
-                <c:pt idx="3">
-                  <c:v>Categorie 4</c:v>
-                </c:pt>
-              </c:strCache>
-            </c:strRef>
-          </c:cat>
-          <c:val>
-            <c:numRef>
-              <c:f>Sheet1!$C$2:$C$5</c:f>
-              <c:numCache>
-                <c:formatCode>General</c:formatCode>
-                <c:ptCount val="4"/>
-                <c:pt idx="0">
-                  <c:v>2.4</c:v>
-                </c:pt>
-                <c:pt idx="1">
-                  <c:v>4.4000000000000004</c:v>
-                </c:pt>
-                <c:pt idx="2">
-                  <c:v>1.8</c:v>
-                </c:pt>
-                <c:pt idx="3">
-                  <c:v>2.8</c:v>
-                </c:pt>
-              </c:numCache>
-            </c:numRef>
-          </c:val>
-          <c:extLst>
-            <c:ext xmlns:c16="http://schemas.microsoft.com/office/drawing/2014/chart" uri="{C3380CC4-5D6E-409C-BE32-E72D297353CC}">
-              <c16:uniqueId val="{00000001-9240-45BB-82C1-E2BD88AF7838}"/>
-            </c:ext>
-          </c:extLst>
-        </c:ser>
-        <c:ser>
-          <c:idx val="2"/>
-          <c:order val="2"/>
-          <c:tx>
-            <c:strRef>
-              <c:f>Sheet1!$D$1</c:f>
-              <c:strCache>
-                <c:ptCount val="1"/>
-                <c:pt idx="0">
-                  <c:v>Reeks 3</c:v>
-                </c:pt>
-              </c:strCache>
-            </c:strRef>
-          </c:tx>
-          <c:spPr>
-            <a:gradFill rotWithShape="1">
-              <a:gsLst>
-                <a:gs pos="0">
-                  <a:schemeClr val="accent3">
-                    <a:tint val="96000"/>
-                    <a:lumMod val="100000"/>
-                  </a:schemeClr>
-                </a:gs>
-                <a:gs pos="78000">
-                  <a:schemeClr val="accent3">
-                    <a:shade val="94000"/>
-                    <a:lumMod val="94000"/>
-                  </a:schemeClr>
-                </a:gs>
-              </a:gsLst>
-              <a:lin ang="5400000" scaled="0"/>
-            </a:gradFill>
-            <a:ln>
-              <a:noFill/>
-            </a:ln>
-            <a:effectLst>
-              <a:outerShdw blurRad="38100" dist="25400" dir="5400000" rotWithShape="0">
-                <a:srgbClr val="000000">
-                  <a:alpha val="35000"/>
-                </a:srgbClr>
-              </a:outerShdw>
-            </a:effectLst>
-          </c:spPr>
-          <c:invertIfNegative val="0"/>
-          <c:cat>
-            <c:strRef>
-              <c:f>Sheet1!$A$2:$A$5</c:f>
-              <c:strCache>
-                <c:ptCount val="4"/>
-                <c:pt idx="0">
-                  <c:v>Categorie 1</c:v>
-                </c:pt>
-                <c:pt idx="1">
-                  <c:v>Categorie 2</c:v>
-                </c:pt>
-                <c:pt idx="2">
-                  <c:v>Categorie 3</c:v>
-                </c:pt>
-                <c:pt idx="3">
-                  <c:v>Categorie 4</c:v>
-                </c:pt>
-              </c:strCache>
-            </c:strRef>
-          </c:cat>
-          <c:val>
-            <c:numRef>
-              <c:f>Sheet1!$D$2:$D$5</c:f>
-              <c:numCache>
-                <c:formatCode>General</c:formatCode>
-                <c:ptCount val="4"/>
-                <c:pt idx="0">
-                  <c:v>2</c:v>
-                </c:pt>
-                <c:pt idx="1">
-                  <c:v>2</c:v>
-                </c:pt>
-                <c:pt idx="2">
-                  <c:v>3</c:v>
-                </c:pt>
-                <c:pt idx="3">
-                  <c:v>5</c:v>
-                </c:pt>
-              </c:numCache>
-            </c:numRef>
-          </c:val>
-          <c:extLst>
-            <c:ext xmlns:c16="http://schemas.microsoft.com/office/drawing/2014/chart" uri="{C3380CC4-5D6E-409C-BE32-E72D297353CC}">
-              <c16:uniqueId val="{00000002-9240-45BB-82C1-E2BD88AF7838}"/>
-            </c:ext>
-          </c:extLst>
-        </c:ser>
-        <c:dLbls>
-          <c:showLegendKey val="0"/>
-          <c:showVal val="0"/>
-          <c:showCatName val="0"/>
-          <c:showSerName val="0"/>
-          <c:showPercent val="0"/>
-          <c:showBubbleSize val="0"/>
-        </c:dLbls>
-        <c:gapWidth val="100"/>
-        <c:overlap val="-24"/>
-        <c:axId val="386928160"/>
-        <c:axId val="386927768"/>
-      </c:barChart>
-      <c:catAx>
-        <c:axId val="386928160"/>
-        <c:scaling>
-          <c:orientation val="minMax"/>
-        </c:scaling>
-        <c:delete val="0"/>
-        <c:axPos val="b"/>
-        <c:numFmt formatCode="General" sourceLinked="1"/>
-        <c:majorTickMark val="none"/>
-        <c:minorTickMark val="none"/>
-        <c:tickLblPos val="nextTo"/>
-        <c:spPr>
-          <a:noFill/>
-          <a:ln w="9525" cap="flat" cmpd="sng" algn="ctr">
-            <a:solidFill>
-              <a:schemeClr val="tx2">
-                <a:lumMod val="15000"/>
-                <a:lumOff val="85000"/>
-              </a:schemeClr>
-            </a:solidFill>
-            <a:round/>
-          </a:ln>
-          <a:effectLst/>
-        </c:spPr>
-        <c:txPr>
-          <a:bodyPr rot="-60000000" spcFirstLastPara="1" vertOverflow="ellipsis" vert="horz" wrap="square" anchor="ctr" anchorCtr="1"/>
-          <a:lstStyle/>
-          <a:p>
-            <a:pPr>
-              <a:defRPr sz="1197" b="0" i="0" u="none" strike="noStrike" kern="1200" baseline="0">
-                <a:solidFill>
-                  <a:schemeClr val="tx2"/>
-                </a:solidFill>
-                <a:latin typeface="+mn-lt"/>
-                <a:ea typeface="+mn-ea"/>
-                <a:cs typeface="+mn-cs"/>
-              </a:defRPr>
-            </a:pPr>
-            <a:endParaRPr lang="nl-NL"/>
-          </a:p>
-        </c:txPr>
-        <c:crossAx val="386927768"/>
-        <c:crosses val="autoZero"/>
-        <c:auto val="1"/>
-        <c:lblAlgn val="ctr"/>
-        <c:lblOffset val="100"/>
-        <c:noMultiLvlLbl val="0"/>
-      </c:catAx>
-      <c:valAx>
-        <c:axId val="386927768"/>
-        <c:scaling>
-          <c:orientation val="minMax"/>
-        </c:scaling>
-        <c:delete val="0"/>
-        <c:axPos val="l"/>
-        <c:majorGridlines>
-          <c:spPr>
-            <a:ln w="9525" cap="flat" cmpd="sng" algn="ctr">
-              <a:solidFill>
-                <a:schemeClr val="tx2">
-                  <a:lumMod val="15000"/>
-                  <a:lumOff val="85000"/>
-                </a:schemeClr>
-              </a:solidFill>
-              <a:round/>
-            </a:ln>
-            <a:effectLst/>
-          </c:spPr>
-        </c:majorGridlines>
-        <c:numFmt formatCode="General" sourceLinked="1"/>
-        <c:majorTickMark val="none"/>
-        <c:minorTickMark val="none"/>
-        <c:tickLblPos val="nextTo"/>
-        <c:spPr>
-          <a:noFill/>
-          <a:ln>
-            <a:noFill/>
-          </a:ln>
-          <a:effectLst/>
-        </c:spPr>
-        <c:txPr>
-          <a:bodyPr rot="-60000000" spcFirstLastPara="1" vertOverflow="ellipsis" vert="horz" wrap="square" anchor="ctr" anchorCtr="1"/>
-          <a:lstStyle/>
-          <a:p>
-            <a:pPr>
-              <a:defRPr sz="1197" b="0" i="0" u="none" strike="noStrike" kern="1200" baseline="0">
-                <a:solidFill>
-                  <a:schemeClr val="tx2"/>
-                </a:solidFill>
-                <a:latin typeface="+mn-lt"/>
-                <a:ea typeface="+mn-ea"/>
-                <a:cs typeface="+mn-cs"/>
-              </a:defRPr>
-            </a:pPr>
-            <a:endParaRPr lang="nl-NL"/>
-          </a:p>
-        </c:txPr>
-        <c:crossAx val="386928160"/>
-        <c:crosses val="autoZero"/>
-        <c:crossBetween val="between"/>
-      </c:valAx>
-      <c:spPr>
-        <a:noFill/>
-        <a:ln>
-          <a:noFill/>
-        </a:ln>
-        <a:effectLst/>
-      </c:spPr>
-    </c:plotArea>
-    <c:legend>
-      <c:legendPos val="b"/>
-      <c:overlay val="0"/>
-      <c:spPr>
-        <a:noFill/>
-        <a:ln>
-          <a:noFill/>
-        </a:ln>
-        <a:effectLst/>
-      </c:spPr>
-      <c:txPr>
-        <a:bodyPr rot="0" spcFirstLastPara="1" vertOverflow="ellipsis" vert="horz" wrap="square" anchor="ctr" anchorCtr="1"/>
-        <a:lstStyle/>
-        <a:p>
-          <a:pPr>
-            <a:defRPr sz="1197" b="0" i="0" u="none" strike="noStrike" kern="1200" baseline="0">
-              <a:solidFill>
-                <a:schemeClr val="tx2"/>
-              </a:solidFill>
-              <a:latin typeface="+mn-lt"/>
-              <a:ea typeface="+mn-ea"/>
-              <a:cs typeface="+mn-cs"/>
-            </a:defRPr>
-          </a:pPr>
-          <a:endParaRPr lang="nl-NL"/>
-        </a:p>
-      </c:txPr>
-    </c:legend>
-    <c:plotVisOnly val="1"/>
-    <c:dispBlanksAs val="gap"/>
-    <c:showDLblsOverMax val="0"/>
-  </c:chart>
-  <c:spPr>
-    <a:noFill/>
-    <a:ln>
-      <a:noFill/>
-    </a:ln>
-    <a:effectLst/>
-  </c:spPr>
-  <c:txPr>
-    <a:bodyPr/>
-    <a:lstStyle/>
-    <a:p>
-      <a:pPr>
-        <a:defRPr/>
-      </a:pPr>
-      <a:endParaRPr lang="nl-NL"/>
-    </a:p>
-  </c:txPr>
-  <c:externalData r:id="rId3">
-    <c:autoUpdate val="0"/>
-  </c:externalData>
-</c:chartSpace>
-</file>
-
-<file path=ppt/charts/colors1.xml><?xml version="1.0" encoding="utf-8"?>
-<cs:colorStyle xmlns:cs="http://schemas.microsoft.com/office/drawing/2012/chartStyle" xmlns:a="http://schemas.openxmlformats.org/drawingml/2006/main" meth="cycle" id="10">
-  <a:schemeClr val="accent1"/>
-  <a:schemeClr val="accent2"/>
-  <a:schemeClr val="accent3"/>
-  <a:schemeClr val="accent4"/>
-  <a:schemeClr val="accent5"/>
-  <a:schemeClr val="accent6"/>
-  <cs:variation/>
-  <cs:variation>
-    <a:lumMod val="60000"/>
-  </cs:variation>
-  <cs:variation>
-    <a:lumMod val="80000"/>
-    <a:lumOff val="20000"/>
-  </cs:variation>
-  <cs:variation>
-    <a:lumMod val="80000"/>
-  </cs:variation>
-  <cs:variation>
-    <a:lumMod val="60000"/>
-    <a:lumOff val="40000"/>
-  </cs:variation>
-  <cs:variation>
-    <a:lumMod val="50000"/>
-  </cs:variation>
-  <cs:variation>
-    <a:lumMod val="70000"/>
-    <a:lumOff val="30000"/>
-  </cs:variation>
-  <cs:variation>
-    <a:lumMod val="70000"/>
-  </cs:variation>
-  <cs:variation>
-    <a:lumMod val="50000"/>
-    <a:lumOff val="50000"/>
-  </cs:variation>
-</cs:colorStyle>
-</file>
-
-<file path=ppt/charts/style1.xml><?xml version="1.0" encoding="utf-8"?>
-<cs:chartStyle xmlns:cs="http://schemas.microsoft.com/office/drawing/2012/chartStyle" xmlns:a="http://schemas.openxmlformats.org/drawingml/2006/main" id="207">
-  <cs:axisTitle>
-    <cs:lnRef idx="0"/>
-    <cs:fillRef idx="0"/>
-    <cs:effectRef idx="0"/>
-    <cs:fontRef idx="minor">
-      <a:schemeClr val="tx2"/>
-    </cs:fontRef>
-    <cs:defRPr sz="1197" b="1" kern="1200"/>
-  </cs:axisTitle>
-  <cs:categoryAxis>
-    <cs:lnRef idx="0"/>
-    <cs:fillRef idx="0"/>
-    <cs:effectRef idx="0"/>
-    <cs:fontRef idx="minor">
-      <a:schemeClr val="tx2"/>
-    </cs:fontRef>
-    <cs:spPr>
-      <a:ln w="9525" cap="flat" cmpd="sng" algn="ctr">
-        <a:solidFill>
-          <a:schemeClr val="tx2">
-            <a:lumMod val="15000"/>
-            <a:lumOff val="85000"/>
-          </a:schemeClr>
-        </a:solidFill>
-        <a:round/>
-      </a:ln>
-    </cs:spPr>
-    <cs:defRPr sz="1197" kern="1200"/>
-  </cs:categoryAxis>
-  <cs:chartArea mods="allowNoFillOverride allowNoLineOverride">
-    <cs:lnRef idx="0"/>
-    <cs:fillRef idx="0"/>
-    <cs:effectRef idx="0"/>
-    <cs:fontRef idx="minor">
-      <a:schemeClr val="tx2"/>
-    </cs:fontRef>
-    <cs:spPr>
-      <a:solidFill>
-        <a:schemeClr val="bg1"/>
-      </a:solidFill>
-      <a:ln w="9525" cap="flat" cmpd="sng" algn="ctr">
-        <a:solidFill>
-          <a:schemeClr val="tx2">
-            <a:lumMod val="15000"/>
-            <a:lumOff val="85000"/>
-          </a:schemeClr>
-        </a:solidFill>
-        <a:round/>
-      </a:ln>
-    </cs:spPr>
-    <cs:defRPr sz="1197" kern="1200"/>
-  </cs:chartArea>
-  <cs:dataLabel>
-    <cs:lnRef idx="0"/>
-    <cs:fillRef idx="0"/>
-    <cs:effectRef idx="0"/>
-    <cs:fontRef idx="minor">
-      <a:schemeClr val="tx2"/>
-    </cs:fontRef>
-    <cs:defRPr sz="1197" kern="1200"/>
-  </cs:dataLabel>
-  <cs:dataLabelCallout>
-    <cs:lnRef idx="0"/>
-    <cs:fillRef idx="0"/>
-    <cs:effectRef idx="0"/>
-    <cs:fontRef idx="minor">
-      <a:schemeClr val="dk2">
-        <a:lumMod val="75000"/>
-      </a:schemeClr>
-    </cs:fontRef>
-    <cs:spPr>
-      <a:solidFill>
-        <a:schemeClr val="lt1"/>
-      </a:solidFill>
-      <a:ln>
-        <a:solidFill>
-          <a:schemeClr val="dk1">
-            <a:lumMod val="25000"/>
-            <a:lumOff val="75000"/>
-          </a:schemeClr>
-        </a:solidFill>
-      </a:ln>
-    </cs:spPr>
-    <cs:defRPr sz="1197" kern="1200"/>
-    <cs:bodyPr rot="0" spcFirstLastPara="1" vertOverflow="clip" horzOverflow="clip" vert="horz" wrap="square" lIns="36576" tIns="18288" rIns="36576" bIns="18288" anchor="ctr" anchorCtr="1">
-      <a:spAutoFit/>
-    </cs:bodyPr>
-  </cs:dataLabelCallout>
-  <cs:dataPoint>
-    <cs:lnRef idx="0"/>
-    <cs:fillRef idx="3">
-      <cs:styleClr val="auto"/>
-    </cs:fillRef>
-    <cs:effectRef idx="2"/>
-    <cs:fontRef idx="minor">
-      <a:schemeClr val="tx2"/>
-    </cs:fontRef>
-  </cs:dataPoint>
-  <cs:dataPoint3D>
-    <cs:lnRef idx="0"/>
-    <cs:fillRef idx="3">
-      <cs:styleClr val="auto"/>
-    </cs:fillRef>
-    <cs:effectRef idx="2"/>
-    <cs:fontRef idx="minor">
-      <a:schemeClr val="tx2"/>
-    </cs:fontRef>
-  </cs:dataPoint3D>
-  <cs:dataPointLine>
-    <cs:lnRef idx="0">
-      <cs:styleClr val="auto"/>
-    </cs:lnRef>
-    <cs:fillRef idx="3"/>
-    <cs:effectRef idx="2"/>
-    <cs:fontRef idx="minor">
-      <a:schemeClr val="tx2"/>
-    </cs:fontRef>
-    <cs:spPr>
-      <a:ln w="31750" cap="rnd">
-        <a:solidFill>
-          <a:schemeClr val="phClr"/>
-        </a:solidFill>
-        <a:round/>
-      </a:ln>
-    </cs:spPr>
-  </cs:dataPointLine>
-  <cs:dataPointMarker>
-    <cs:lnRef idx="0"/>
-    <cs:fillRef idx="3">
-      <cs:styleClr val="auto"/>
-    </cs:fillRef>
-    <cs:effectRef idx="2"/>
-    <cs:fontRef idx="minor">
-      <a:schemeClr val="tx2"/>
-    </cs:fontRef>
-    <cs:spPr>
-      <a:ln w="12700">
-        <a:solidFill>
-          <a:schemeClr val="lt2"/>
-        </a:solidFill>
-        <a:round/>
-      </a:ln>
-    </cs:spPr>
-  </cs:dataPointMarker>
-  <cs:dataPointMarkerLayout symbol="circle" size="6"/>
-  <cs:dataPointWireframe>
-    <cs:lnRef idx="0">
-      <cs:styleClr val="auto"/>
-    </cs:lnRef>
-    <cs:fillRef idx="3"/>
-    <cs:effectRef idx="2"/>
-    <cs:fontRef idx="minor">
-      <a:schemeClr val="tx2"/>
-    </cs:fontRef>
-    <cs:spPr>
-      <a:ln w="9525" cap="rnd">
-        <a:solidFill>
-          <a:schemeClr val="phClr"/>
-        </a:solidFill>
-        <a:round/>
-      </a:ln>
-    </cs:spPr>
-  </cs:dataPointWireframe>
-  <cs:dataTable>
-    <cs:lnRef idx="0"/>
-    <cs:fillRef idx="0"/>
-    <cs:effectRef idx="0"/>
-    <cs:fontRef idx="minor">
-      <a:schemeClr val="tx2"/>
-    </cs:fontRef>
-    <cs:spPr>
-      <a:ln w="9525">
-        <a:solidFill>
-          <a:schemeClr val="tx2">
-            <a:lumMod val="15000"/>
-            <a:lumOff val="85000"/>
-          </a:schemeClr>
-        </a:solidFill>
-      </a:ln>
-    </cs:spPr>
-    <cs:defRPr sz="1197" kern="1200"/>
-  </cs:dataTable>
-  <cs:downBar>
-    <cs:lnRef idx="0"/>
-    <cs:fillRef idx="0"/>
-    <cs:effectRef idx="0"/>
-    <cs:fontRef idx="minor">
-      <a:schemeClr val="dk1"/>
-    </cs:fontRef>
-    <cs:spPr>
-      <a:solidFill>
-        <a:schemeClr val="dk1">
-          <a:lumMod val="65000"/>
-          <a:lumOff val="35000"/>
-        </a:schemeClr>
-      </a:solidFill>
-      <a:ln w="9525">
-        <a:solidFill>
-          <a:schemeClr val="tx1">
-            <a:lumMod val="65000"/>
-            <a:lumOff val="35000"/>
-          </a:schemeClr>
-        </a:solidFill>
-      </a:ln>
-    </cs:spPr>
-  </cs:downBar>
-  <cs:dropLine>
-    <cs:lnRef idx="0"/>
-    <cs:fillRef idx="0"/>
-    <cs:effectRef idx="0"/>
-    <cs:fontRef idx="minor">
-      <a:schemeClr val="tx2"/>
-    </cs:fontRef>
-    <cs:spPr>
-      <a:ln w="9525">
-        <a:solidFill>
-          <a:schemeClr val="tx2">
-            <a:lumMod val="60000"/>
-            <a:lumOff val="40000"/>
-          </a:schemeClr>
-        </a:solidFill>
-        <a:prstDash val="dash"/>
-      </a:ln>
-    </cs:spPr>
-  </cs:dropLine>
-  <cs:errorBar>
-    <cs:lnRef idx="0"/>
-    <cs:fillRef idx="0"/>
-    <cs:effectRef idx="0"/>
-    <cs:fontRef idx="minor">
-      <a:schemeClr val="tx2"/>
-    </cs:fontRef>
-    <cs:spPr>
-      <a:ln w="9525">
-        <a:solidFill>
-          <a:schemeClr val="tx2">
-            <a:lumMod val="75000"/>
-            <a:lumOff val="25000"/>
-          </a:schemeClr>
-        </a:solidFill>
-        <a:round/>
-      </a:ln>
-    </cs:spPr>
-  </cs:errorBar>
-  <cs:floor>
-    <cs:lnRef idx="0"/>
-    <cs:fillRef idx="0"/>
-    <cs:effectRef idx="0"/>
-    <cs:fontRef idx="minor">
-      <a:schemeClr val="tx2"/>
-    </cs:fontRef>
-  </cs:floor>
-  <cs:gridlineMajor>
-    <cs:lnRef idx="0"/>
-    <cs:fillRef idx="0"/>
-    <cs:effectRef idx="0"/>
-    <cs:fontRef idx="minor">
-      <a:schemeClr val="tx2"/>
-    </cs:fontRef>
-    <cs:spPr>
-      <a:ln w="9525" cap="flat" cmpd="sng" algn="ctr">
-        <a:solidFill>
-          <a:schemeClr val="tx2">
-            <a:lumMod val="15000"/>
-            <a:lumOff val="85000"/>
-          </a:schemeClr>
-        </a:solidFill>
-        <a:round/>
-      </a:ln>
-    </cs:spPr>
-  </cs:gridlineMajor>
-  <cs:gridlineMinor>
-    <cs:lnRef idx="0"/>
-    <cs:fillRef idx="0"/>
-    <cs:effectRef idx="0"/>
-    <cs:fontRef idx="minor">
-      <a:schemeClr val="tx2"/>
-    </cs:fontRef>
-    <cs:spPr>
-      <a:ln>
-        <a:solidFill>
-          <a:schemeClr val="tx2">
-            <a:lumMod val="5000"/>
-            <a:lumOff val="95000"/>
-          </a:schemeClr>
-        </a:solidFill>
-      </a:ln>
-    </cs:spPr>
-  </cs:gridlineMinor>
-  <cs:hiLoLine>
-    <cs:lnRef idx="0"/>
-    <cs:fillRef idx="0"/>
-    <cs:effectRef idx="0"/>
-    <cs:fontRef idx="minor">
-      <a:schemeClr val="tx2"/>
-    </cs:fontRef>
-    <cs:spPr>
-      <a:ln w="9525">
-        <a:solidFill>
-          <a:schemeClr val="tx2">
-            <a:lumMod val="60000"/>
-            <a:lumOff val="40000"/>
-          </a:schemeClr>
-        </a:solidFill>
-        <a:prstDash val="dash"/>
-      </a:ln>
-    </cs:spPr>
-  </cs:hiLoLine>
-  <cs:leaderLine>
-    <cs:lnRef idx="0"/>
-    <cs:fillRef idx="0"/>
-    <cs:effectRef idx="0"/>
-    <cs:fontRef idx="minor">
-      <a:schemeClr val="tx2"/>
-    </cs:fontRef>
-    <cs:spPr>
-      <a:ln w="9525">
-        <a:solidFill>
-          <a:schemeClr val="tx2">
-            <a:lumMod val="35000"/>
-            <a:lumOff val="65000"/>
-          </a:schemeClr>
-        </a:solidFill>
-      </a:ln>
-    </cs:spPr>
-  </cs:leaderLine>
-  <cs:legend>
-    <cs:lnRef idx="0"/>
-    <cs:fillRef idx="0"/>
-    <cs:effectRef idx="0"/>
-    <cs:fontRef idx="minor">
-      <a:schemeClr val="tx2"/>
-    </cs:fontRef>
-    <cs:defRPr sz="1197" kern="1200"/>
-  </cs:legend>
-  <cs:plotArea>
-    <cs:lnRef idx="0"/>
-    <cs:fillRef idx="0"/>
-    <cs:effectRef idx="0"/>
-    <cs:fontRef idx="minor">
-      <a:schemeClr val="tx2"/>
-    </cs:fontRef>
-  </cs:plotArea>
-  <cs:plotArea3D>
-    <cs:lnRef idx="0"/>
-    <cs:fillRef idx="0"/>
-    <cs:effectRef idx="0"/>
-    <cs:fontRef idx="minor">
-      <a:schemeClr val="tx2"/>
-    </cs:fontRef>
-  </cs:plotArea3D>
-  <cs:seriesAxis>
-    <cs:lnRef idx="0"/>
-    <cs:fillRef idx="0"/>
-    <cs:effectRef idx="0"/>
-    <cs:fontRef idx="minor">
-      <a:schemeClr val="tx2"/>
-    </cs:fontRef>
-    <cs:spPr>
-      <a:ln w="9525" cap="flat" cmpd="sng" algn="ctr">
-        <a:solidFill>
-          <a:schemeClr val="tx2">
-            <a:lumMod val="15000"/>
-            <a:lumOff val="85000"/>
-          </a:schemeClr>
-        </a:solidFill>
-        <a:round/>
-      </a:ln>
-    </cs:spPr>
-    <cs:defRPr sz="1197" kern="1200"/>
-  </cs:seriesAxis>
-  <cs:seriesLine>
-    <cs:lnRef idx="0"/>
-    <cs:fillRef idx="0"/>
-    <cs:effectRef idx="0"/>
-    <cs:fontRef idx="minor">
-      <a:schemeClr val="tx2"/>
-    </cs:fontRef>
-    <cs:spPr>
-      <a:ln w="9525">
-        <a:solidFill>
-          <a:schemeClr val="tx2">
-            <a:lumMod val="60000"/>
-            <a:lumOff val="40000"/>
-          </a:schemeClr>
-        </a:solidFill>
-        <a:prstDash val="dash"/>
-      </a:ln>
-    </cs:spPr>
-  </cs:seriesLine>
-  <cs:title>
-    <cs:lnRef idx="0"/>
-    <cs:fillRef idx="0"/>
-    <cs:effectRef idx="0"/>
-    <cs:fontRef idx="minor">
-      <a:schemeClr val="tx2"/>
-    </cs:fontRef>
-    <cs:defRPr sz="2128" b="1" kern="1200"/>
-  </cs:title>
-  <cs:trendline>
-    <cs:lnRef idx="0">
-      <cs:styleClr val="auto"/>
-    </cs:lnRef>
-    <cs:fillRef idx="0"/>
-    <cs:effectRef idx="0"/>
-    <cs:fontRef idx="minor">
-      <a:schemeClr val="tx2"/>
-    </cs:fontRef>
-    <cs:spPr>
-      <a:ln w="19050" cap="rnd">
-        <a:solidFill>
-          <a:schemeClr val="phClr"/>
-        </a:solidFill>
-        <a:prstDash val="sysDash"/>
-      </a:ln>
-    </cs:spPr>
-  </cs:trendline>
-  <cs:trendlineLabel>
-    <cs:lnRef idx="0"/>
-    <cs:fillRef idx="0"/>
-    <cs:effectRef idx="0"/>
-    <cs:fontRef idx="minor">
-      <a:schemeClr val="tx2"/>
-    </cs:fontRef>
-    <cs:defRPr sz="1197" kern="1200"/>
-  </cs:trendlineLabel>
-  <cs:upBar>
-    <cs:lnRef idx="0"/>
-    <cs:fillRef idx="0"/>
-    <cs:effectRef idx="0"/>
-    <cs:fontRef idx="minor">
-      <a:schemeClr val="tx2"/>
-    </cs:fontRef>
-    <cs:spPr>
-      <a:solidFill>
-        <a:schemeClr val="lt1"/>
-      </a:solidFill>
-      <a:ln w="9525">
-        <a:solidFill>
-          <a:schemeClr val="tx1">
-            <a:lumMod val="15000"/>
-            <a:lumOff val="85000"/>
-          </a:schemeClr>
-        </a:solidFill>
-      </a:ln>
-    </cs:spPr>
-  </cs:upBar>
-  <cs:valueAxis>
-    <cs:lnRef idx="0"/>
-    <cs:fillRef idx="0"/>
-    <cs:effectRef idx="0"/>
-    <cs:fontRef idx="minor">
-      <a:schemeClr val="tx2"/>
-    </cs:fontRef>
-    <cs:defRPr sz="1197" kern="1200"/>
-  </cs:valueAxis>
-  <cs:wall>
-    <cs:lnRef idx="0"/>
-    <cs:fillRef idx="0"/>
-    <cs:effectRef idx="0"/>
-    <cs:fontRef idx="minor">
-      <a:schemeClr val="tx2"/>
-    </cs:fontRef>
-  </cs:wall>
-</cs:chartStyle>
-</file>
-
-<file path=ppt/diagrams/colors1.xml><?xml version="1.0" encoding="utf-8"?>
-<dgm:colorsDef xmlns:dgm="http://schemas.openxmlformats.org/drawingml/2006/diagram" xmlns:a="http://schemas.openxmlformats.org/drawingml/2006/main" uniqueId="urn:microsoft.com/office/officeart/2005/8/colors/accent1_2">
-  <dgm:title val=""/>
-  <dgm:desc val=""/>
-  <dgm:catLst>
-    <dgm:cat type="accent1" pri="11200"/>
-  </dgm:catLst>
-  <dgm:styleLbl name="node0">
-    <dgm:fillClrLst meth="repeat">
-      <a:schemeClr val="accent1"/>
-    </dgm:fillClrLst>
-    <dgm:linClrLst meth="repeat">
-      <a:schemeClr val="lt1"/>
-    </dgm:linClrLst>
-    <dgm:effectClrLst/>
-    <dgm:txLinClrLst/>
-    <dgm:txFillClrLst/>
-    <dgm:txEffectClrLst/>
-  </dgm:styleLbl>
-  <dgm:styleLbl name="alignNode1">
-    <dgm:fillClrLst meth="repeat">
-      <a:schemeClr val="accent1"/>
-    </dgm:fillClrLst>
-    <dgm:linClrLst meth="repeat">
-      <a:schemeClr val="accent1"/>
-    </dgm:linClrLst>
-    <dgm:effectClrLst/>
-    <dgm:txLinClrLst/>
-    <dgm:txFillClrLst/>
-    <dgm:txEffectClrLst/>
-  </dgm:styleLbl>
-  <dgm:styleLbl name="node1">
-    <dgm:fillClrLst meth="repeat">
-      <a:schemeClr val="accent1"/>
-    </dgm:fillClrLst>
-    <dgm:linClrLst meth="repeat">
-      <a:schemeClr val="lt1"/>
-    </dgm:linClrLst>
-    <dgm:effectClrLst/>
-    <dgm:txLinClrLst/>
-    <dgm:txFillClrLst/>
-    <dgm:txEffectClrLst/>
-  </dgm:styleLbl>
-  <dgm:styleLbl name="lnNode1">
-    <dgm:fillClrLst meth="repeat">
-      <a:schemeClr val="accent1"/>
-    </dgm:fillClrLst>
-    <dgm:linClrLst meth="repeat">
-      <a:schemeClr val="lt1"/>
-    </dgm:linClrLst>
-    <dgm:effectClrLst/>
-    <dgm:txLinClrLst/>
-    <dgm:txFillClrLst/>
-    <dgm:txEffectClrLst/>
-  </dgm:styleLbl>
-  <dgm:styleLbl name="vennNode1">
-    <dgm:fillClrLst meth="repeat">
-      <a:schemeClr val="accent1">
-        <a:alpha val="50000"/>
-      </a:schemeClr>
-    </dgm:fillClrLst>
-    <dgm:linClrLst meth="repeat">
-      <a:schemeClr val="lt1"/>
-    </dgm:linClrLst>
-    <dgm:effectClrLst/>
-    <dgm:txLinClrLst/>
-    <dgm:txFillClrLst/>
-    <dgm:txEffectClrLst/>
-  </dgm:styleLbl>
-  <dgm:styleLbl name="node2">
-    <dgm:fillClrLst meth="repeat">
-      <a:schemeClr val="accent1"/>
-    </dgm:fillClrLst>
-    <dgm:linClrLst meth="repeat">
-      <a:schemeClr val="lt1"/>
-    </dgm:linClrLst>
-    <dgm:effectClrLst/>
-    <dgm:txLinClrLst/>
-    <dgm:txFillClrLst/>
-    <dgm:txEffectClrLst/>
-  </dgm:styleLbl>
-  <dgm:styleLbl name="node3">
-    <dgm:fillClrLst meth="repeat">
-      <a:schemeClr val="accent1"/>
-    </dgm:fillClrLst>
-    <dgm:linClrLst meth="repeat">
-      <a:schemeClr val="lt1"/>
-    </dgm:linClrLst>
-    <dgm:effectClrLst/>
-    <dgm:txLinClrLst/>
-    <dgm:txFillClrLst/>
-    <dgm:txEffectClrLst/>
-  </dgm:styleLbl>
-  <dgm:styleLbl name="node4">
-    <dgm:fillClrLst meth="repeat">
-      <a:schemeClr val="accent1"/>
-    </dgm:fillClrLst>
-    <dgm:linClrLst meth="repeat">
-      <a:schemeClr val="lt1"/>
-    </dgm:linClrLst>
-    <dgm:effectClrLst/>
-    <dgm:txLinClrLst/>
-    <dgm:txFillClrLst/>
-    <dgm:txEffectClrLst/>
-  </dgm:styleLbl>
-  <dgm:styleLbl name="fgImgPlace1">
-    <dgm:fillClrLst meth="repeat">
-      <a:schemeClr val="accent1">
-        <a:tint val="50000"/>
-      </a:schemeClr>
-    </dgm:fillClrLst>
-    <dgm:linClrLst meth="repeat">
-      <a:schemeClr val="lt1"/>
-    </dgm:linClrLst>
-    <dgm:effectClrLst/>
-    <dgm:txLinClrLst/>
-    <dgm:txFillClrLst meth="repeat">
-      <a:schemeClr val="lt1"/>
-    </dgm:txFillClrLst>
-    <dgm:txEffectClrLst/>
-  </dgm:styleLbl>
-  <dgm:styleLbl name="alignImgPlace1">
-    <dgm:fillClrLst meth="repeat">
-      <a:schemeClr val="accent1">
-        <a:tint val="50000"/>
-      </a:schemeClr>
-    </dgm:fillClrLst>
-    <dgm:linClrLst meth="repeat">
-      <a:schemeClr val="lt1"/>
-    </dgm:linClrLst>
-    <dgm:effectClrLst/>
-    <dgm:txLinClrLst/>
-    <dgm:txFillClrLst meth="repeat">
-      <a:schemeClr val="lt1"/>
-    </dgm:txFillClrLst>
-    <dgm:txEffectClrLst/>
-  </dgm:styleLbl>
-  <dgm:styleLbl name="bgImgPlace1">
-    <dgm:fillClrLst meth="repeat">
-      <a:schemeClr val="accent1">
-        <a:tint val="50000"/>
-      </a:schemeClr>
-    </dgm:fillClrLst>
-    <dgm:linClrLst meth="repeat">
-      <a:schemeClr val="lt1"/>
-    </dgm:linClrLst>
-    <dgm:effectClrLst/>
-    <dgm:txLinClrLst/>
-    <dgm:txFillClrLst meth="repeat">
-      <a:schemeClr val="lt1"/>
-    </dgm:txFillClrLst>
-    <dgm:txEffectClrLst/>
-  </dgm:styleLbl>
-  <dgm:styleLbl name="sibTrans2D1">
-    <dgm:fillClrLst meth="repeat">
-      <a:schemeClr val="accent1">
-        <a:tint val="60000"/>
-      </a:schemeClr>
-    </dgm:fillClrLst>
-    <dgm:linClrLst meth="repeat">
-      <a:schemeClr val="accent1">
-        <a:tint val="60000"/>
-      </a:schemeClr>
-    </dgm:linClrLst>
-    <dgm:effectClrLst/>
-    <dgm:txLinClrLst/>
-    <dgm:txFillClrLst/>
-    <dgm:txEffectClrLst/>
-  </dgm:styleLbl>
-  <dgm:styleLbl name="fgSibTrans2D1">
-    <dgm:fillClrLst meth="repeat">
-      <a:schemeClr val="accent1">
-        <a:tint val="60000"/>
-      </a:schemeClr>
-    </dgm:fillClrLst>
-    <dgm:linClrLst meth="repeat">
-      <a:schemeClr val="accent1">
-        <a:tint val="60000"/>
-      </a:schemeClr>
-    </dgm:linClrLst>
-    <dgm:effectClrLst/>
-    <dgm:txLinClrLst/>
-    <dgm:txFillClrLst/>
-    <dgm:txEffectClrLst/>
-  </dgm:styleLbl>
-  <dgm:styleLbl name="bgSibTrans2D1">
-    <dgm:fillClrLst meth="repeat">
-      <a:schemeClr val="accent1">
-        <a:tint val="60000"/>
-      </a:schemeClr>
-    </dgm:fillClrLst>
-    <dgm:linClrLst meth="repeat">
-      <a:schemeClr val="accent1">
-        <a:tint val="60000"/>
-      </a:schemeClr>
-    </dgm:linClrLst>
-    <dgm:effectClrLst/>
-    <dgm:txLinClrLst/>
-    <dgm:txFillClrLst/>
-    <dgm:txEffectClrLst/>
-  </dgm:styleLbl>
-  <dgm:styleLbl name="sibTrans1D1">
-    <dgm:fillClrLst meth="repeat">
-      <a:schemeClr val="accent1"/>
-    </dgm:fillClrLst>
-    <dgm:linClrLst meth="repeat">
-      <a:schemeClr val="accent1"/>
-    </dgm:linClrLst>
-    <dgm:effectClrLst/>
-    <dgm:txLinClrLst/>
-    <dgm:txFillClrLst meth="repeat">
-      <a:schemeClr val="tx1"/>
-    </dgm:txFillClrLst>
-    <dgm:txEffectClrLst/>
-  </dgm:styleLbl>
-  <dgm:styleLbl name="callout">
-    <dgm:fillClrLst meth="repeat">
-      <a:schemeClr val="accent1"/>
-    </dgm:fillClrLst>
-    <dgm:linClrLst meth="repeat">
-      <a:schemeClr val="accent1">
-        <a:tint val="50000"/>
-      </a:schemeClr>
-    </dgm:linClrLst>
-    <dgm:effectClrLst/>
-    <dgm:txLinClrLst/>
-    <dgm:txFillClrLst meth="repeat">
-      <a:schemeClr val="tx1"/>
-    </dgm:txFillClrLst>
-    <dgm:txEffectClrLst/>
-  </dgm:styleLbl>
-  <dgm:styleLbl name="asst0">
-    <dgm:fillClrLst meth="repeat">
-      <a:schemeClr val="accent1"/>
-    </dgm:fillClrLst>
-    <dgm:linClrLst meth="repeat">
-      <a:schemeClr val="lt1"/>
-    </dgm:linClrLst>
-    <dgm:effectClrLst/>
-    <dgm:txLinClrLst/>
-    <dgm:txFillClrLst/>
-    <dgm:txEffectClrLst/>
-  </dgm:styleLbl>
-  <dgm:styleLbl name="asst1">
-    <dgm:fillClrLst meth="repeat">
-      <a:schemeClr val="accent1"/>
-    </dgm:fillClrLst>
-    <dgm:linClrLst meth="repeat">
-      <a:schemeClr val="lt1"/>
-    </dgm:linClrLst>
-    <dgm:effectClrLst/>
-    <dgm:txLinClrLst/>
-    <dgm:txFillClrLst/>
-    <dgm:txEffectClrLst/>
-  </dgm:styleLbl>
-  <dgm:styleLbl name="asst2">
-    <dgm:fillClrLst meth="repeat">
-      <a:schemeClr val="accent1"/>
-    </dgm:fillClrLst>
-    <dgm:linClrLst meth="repeat">
-      <a:schemeClr val="lt1"/>
-    </dgm:linClrLst>
-    <dgm:effectClrLst/>
-    <dgm:txLinClrLst/>
-    <dgm:txFillClrLst/>
-    <dgm:txEffectClrLst/>
-  </dgm:styleLbl>
-  <dgm:styleLbl name="asst3">
-    <dgm:fillClrLst meth="repeat">
-      <a:schemeClr val="accent1"/>
-    </dgm:fillClrLst>
-    <dgm:linClrLst meth="repeat">
-      <a:schemeClr val="lt1"/>
-    </dgm:linClrLst>
-    <dgm:effectClrLst/>
-    <dgm:txLinClrLst/>
-    <dgm:txFillClrLst/>
-    <dgm:txEffectClrLst/>
-  </dgm:styleLbl>
-  <dgm:styleLbl name="asst4">
-    <dgm:fillClrLst meth="repeat">
-      <a:schemeClr val="accent1"/>
-    </dgm:fillClrLst>
-    <dgm:linClrLst meth="repeat">
-      <a:schemeClr val="lt1"/>
-    </dgm:linClrLst>
-    <dgm:effectClrLst/>
-    <dgm:txLinClrLst/>
-    <dgm:txFillClrLst/>
-    <dgm:txEffectClrLst/>
-  </dgm:styleLbl>
-  <dgm:styleLbl name="parChTrans2D1">
-    <dgm:fillClrLst meth="repeat">
-      <a:schemeClr val="accent1">
-        <a:tint val="60000"/>
-      </a:schemeClr>
-    </dgm:fillClrLst>
-    <dgm:linClrLst meth="repeat">
-      <a:schemeClr val="accent1">
-        <a:tint val="60000"/>
-      </a:schemeClr>
-    </dgm:linClrLst>
-    <dgm:effectClrLst/>
-    <dgm:txLinClrLst/>
-    <dgm:txFillClrLst meth="repeat">
-      <a:schemeClr val="lt1"/>
-    </dgm:txFillClrLst>
-    <dgm:txEffectClrLst/>
-  </dgm:styleLbl>
-  <dgm:styleLbl name="parChTrans2D2">
-    <dgm:fillClrLst meth="repeat">
-      <a:schemeClr val="accent1"/>
-    </dgm:fillClrLst>
-    <dgm:linClrLst meth="repeat">
-      <a:schemeClr val="accent1"/>
-    </dgm:linClrLst>
-    <dgm:effectClrLst/>
-    <dgm:txLinClrLst/>
-    <dgm:txFillClrLst meth="repeat">
-      <a:schemeClr val="lt1"/>
-    </dgm:txFillClrLst>
-    <dgm:txEffectClrLst/>
-  </dgm:styleLbl>
-  <dgm:styleLbl name="parChTrans2D3">
-    <dgm:fillClrLst meth="repeat">
-      <a:schemeClr val="accent1"/>
-    </dgm:fillClrLst>
-    <dgm:linClrLst meth="repeat">
-      <a:schemeClr val="accent1"/>
-    </dgm:linClrLst>
-    <dgm:effectClrLst/>
-    <dgm:txLinClrLst/>
-    <dgm:txFillClrLst meth="repeat">
-      <a:schemeClr val="lt1"/>
-    </dgm:txFillClrLst>
-    <dgm:txEffectClrLst/>
-  </dgm:styleLbl>
-  <dgm:styleLbl name="parChTrans2D4">
-    <dgm:fillClrLst meth="repeat">
-      <a:schemeClr val="accent1"/>
-    </dgm:fillClrLst>
-    <dgm:linClrLst meth="repeat">
-      <a:schemeClr val="accent1"/>
-    </dgm:linClrLst>
-    <dgm:effectClrLst/>
-    <dgm:txLinClrLst/>
-    <dgm:txFillClrLst meth="repeat">
-      <a:schemeClr val="lt1"/>
-    </dgm:txFillClrLst>
-    <dgm:txEffectClrLst/>
-  </dgm:styleLbl>
-  <dgm:styleLbl name="parChTrans1D1">
-    <dgm:fillClrLst meth="repeat">
-      <a:schemeClr val="accent1"/>
-    </dgm:fillClrLst>
-    <dgm:linClrLst meth="repeat">
-      <a:schemeClr val="accent1">
-        <a:shade val="60000"/>
-      </a:schemeClr>
-    </dgm:linClrLst>
-    <dgm:effectClrLst/>
-    <dgm:txLinClrLst/>
-    <dgm:txFillClrLst meth="repeat">
-      <a:schemeClr val="tx1"/>
-    </dgm:txFillClrLst>
-    <dgm:txEffectClrLst/>
-  </dgm:styleLbl>
-  <dgm:styleLbl name="parChTrans1D2">
-    <dgm:fillClrLst meth="repeat">
-      <a:schemeClr val="accent1"/>
-    </dgm:fillClrLst>
-    <dgm:linClrLst meth="repeat">
-      <a:schemeClr val="accent1">
-        <a:shade val="60000"/>
-      </a:schemeClr>
-    </dgm:linClrLst>
-    <dgm:effectClrLst/>
-    <dgm:txLinClrLst/>
-    <dgm:txFillClrLst meth="repeat">
-      <a:schemeClr val="tx1"/>
-    </dgm:txFillClrLst>
-    <dgm:txEffectClrLst/>
-  </dgm:styleLbl>
-  <dgm:styleLbl name="parChTrans1D3">
-    <dgm:fillClrLst meth="repeat">
-      <a:schemeClr val="accent1"/>
-    </dgm:fillClrLst>
-    <dgm:linClrLst meth="repeat">
-      <a:schemeClr val="accent1">
-        <a:shade val="80000"/>
-      </a:schemeClr>
-    </dgm:linClrLst>
-    <dgm:effectClrLst/>
-    <dgm:txLinClrLst/>
-    <dgm:txFillClrLst meth="repeat">
-      <a:schemeClr val="tx1"/>
-    </dgm:txFillClrLst>
-    <dgm:txEffectClrLst/>
-  </dgm:styleLbl>
-  <dgm:styleLbl name="parChTrans1D4">
-    <dgm:fillClrLst meth="repeat">
-      <a:schemeClr val="accent1"/>
-    </dgm:fillClrLst>
-    <dgm:linClrLst meth="repeat">
-      <a:schemeClr val="accent1">
-        <a:shade val="80000"/>
-      </a:schemeClr>
-    </dgm:linClrLst>
-    <dgm:effectClrLst/>
-    <dgm:txLinClrLst/>
-    <dgm:txFillClrLst meth="repeat">
-      <a:schemeClr val="tx1"/>
-    </dgm:txFillClrLst>
-    <dgm:txEffectClrLst/>
-  </dgm:styleLbl>
-  <dgm:styleLbl name="fgAcc1">
-    <dgm:fillClrLst meth="repeat">
-      <a:schemeClr val="lt1">
-        <a:alpha val="90000"/>
-      </a:schemeClr>
-    </dgm:fillClrLst>
-    <dgm:linClrLst meth="repeat">
-      <a:schemeClr val="accent1"/>
-    </dgm:linClrLst>
-    <dgm:effectClrLst/>
-    <dgm:txLinClrLst/>
-    <dgm:txFillClrLst meth="repeat">
-      <a:schemeClr val="dk1"/>
-    </dgm:txFillClrLst>
-    <dgm:txEffectClrLst/>
-  </dgm:styleLbl>
-  <dgm:styleLbl name="conFgAcc1">
-    <dgm:fillClrLst meth="repeat">
-      <a:schemeClr val="lt1">
-        <a:alpha val="90000"/>
-      </a:schemeClr>
-    </dgm:fillClrLst>
-    <dgm:linClrLst meth="repeat">
-      <a:schemeClr val="accent1"/>
-    </dgm:linClrLst>
-    <dgm:effectClrLst/>
-    <dgm:txLinClrLst/>
-    <dgm:txFillClrLst meth="repeat">
-      <a:schemeClr val="dk1"/>
-    </dgm:txFillClrLst>
-    <dgm:txEffectClrLst/>
-  </dgm:styleLbl>
-  <dgm:styleLbl name="alignAcc1">
-    <dgm:fillClrLst meth="repeat">
-      <a:schemeClr val="lt1">
-        <a:alpha val="90000"/>
-      </a:schemeClr>
-    </dgm:fillClrLst>
-    <dgm:linClrLst meth="repeat">
-      <a:schemeClr val="accent1"/>
-    </dgm:linClrLst>
-    <dgm:effectClrLst/>
-    <dgm:txLinClrLst/>
-    <dgm:txFillClrLst meth="repeat">
-      <a:schemeClr val="dk1"/>
-    </dgm:txFillClrLst>
-    <dgm:txEffectClrLst/>
-  </dgm:styleLbl>
-  <dgm:styleLbl name="trAlignAcc1">
-    <dgm:fillClrLst meth="repeat">
-      <a:schemeClr val="lt1">
-        <a:alpha val="40000"/>
-      </a:schemeClr>
-    </dgm:fillClrLst>
-    <dgm:linClrLst meth="repeat">
-      <a:schemeClr val="accent1"/>
-    </dgm:linClrLst>
-    <dgm:effectClrLst/>
-    <dgm:txLinClrLst/>
-    <dgm:txFillClrLst meth="repeat">
-      <a:schemeClr val="dk1"/>
-    </dgm:txFillClrLst>
-    <dgm:txEffectClrLst/>
-  </dgm:styleLbl>
-  <dgm:styleLbl name="bgAcc1">
-    <dgm:fillClrLst meth="repeat">
-      <a:schemeClr val="lt1">
-        <a:alpha val="90000"/>
-      </a:schemeClr>
-    </dgm:fillClrLst>
-    <dgm:linClrLst meth="repeat">
-      <a:schemeClr val="accent1"/>
-    </dgm:linClrLst>
-    <dgm:effectClrLst/>
-    <dgm:txLinClrLst/>
-    <dgm:txFillClrLst meth="repeat">
-      <a:schemeClr val="dk1"/>
-    </dgm:txFillClrLst>
-    <dgm:txEffectClrLst/>
-  </dgm:styleLbl>
-  <dgm:styleLbl name="solidFgAcc1">
-    <dgm:fillClrLst meth="repeat">
-      <a:schemeClr val="lt1"/>
-    </dgm:fillClrLst>
-    <dgm:linClrLst meth="repeat">
-      <a:schemeClr val="accent1"/>
-    </dgm:linClrLst>
-    <dgm:effectClrLst/>
-    <dgm:txLinClrLst/>
-    <dgm:txFillClrLst meth="repeat">
-      <a:schemeClr val="dk1"/>
-    </dgm:txFillClrLst>
-    <dgm:txEffectClrLst/>
-  </dgm:styleLbl>
-  <dgm:styleLbl name="solidAlignAcc1">
-    <dgm:fillClrLst meth="repeat">
-      <a:schemeClr val="lt1"/>
-    </dgm:fillClrLst>
-    <dgm:linClrLst meth="repeat">
-      <a:schemeClr val="accent1"/>
-    </dgm:linClrLst>
-    <dgm:effectClrLst/>
-    <dgm:txLinClrLst/>
-    <dgm:txFillClrLst meth="repeat">
-      <a:schemeClr val="dk1"/>
-    </dgm:txFillClrLst>
-    <dgm:txEffectClrLst/>
-  </dgm:styleLbl>
-  <dgm:styleLbl name="solidBgAcc1">
-    <dgm:fillClrLst meth="repeat">
-      <a:schemeClr val="lt1"/>
-    </dgm:fillClrLst>
-    <dgm:linClrLst meth="repeat">
-      <a:schemeClr val="accent1"/>
-    </dgm:linClrLst>
-    <dgm:effectClrLst/>
-    <dgm:txLinClrLst/>
-    <dgm:txFillClrLst meth="repeat">
-      <a:schemeClr val="dk1"/>
-    </dgm:txFillClrLst>
-    <dgm:txEffectClrLst/>
-  </dgm:styleLbl>
-  <dgm:styleLbl name="fgAccFollowNode1">
-    <dgm:fillClrLst meth="repeat">
-      <a:schemeClr val="accent1">
-        <a:alpha val="90000"/>
-        <a:tint val="40000"/>
-      </a:schemeClr>
-    </dgm:fillClrLst>
-    <dgm:linClrLst meth="repeat">
-      <a:schemeClr val="accent1">
-        <a:alpha val="90000"/>
-        <a:tint val="40000"/>
-      </a:schemeClr>
-    </dgm:linClrLst>
-    <dgm:effectClrLst/>
-    <dgm:txLinClrLst/>
-    <dgm:txFillClrLst meth="repeat">
-      <a:schemeClr val="dk1"/>
-    </dgm:txFillClrLst>
-    <dgm:txEffectClrLst/>
-  </dgm:styleLbl>
-  <dgm:styleLbl name="alignAccFollowNode1">
-    <dgm:fillClrLst meth="repeat">
-      <a:schemeClr val="accent1">
-        <a:alpha val="90000"/>
-        <a:tint val="40000"/>
-      </a:schemeClr>
-    </dgm:fillClrLst>
-    <dgm:linClrLst meth="repeat">
-      <a:schemeClr val="accent1">
-        <a:alpha val="90000"/>
-        <a:tint val="40000"/>
-      </a:schemeClr>
-    </dgm:linClrLst>
-    <dgm:effectClrLst/>
-    <dgm:txLinClrLst/>
-    <dgm:txFillClrLst meth="repeat">
-      <a:schemeClr val="dk1"/>
-    </dgm:txFillClrLst>
-    <dgm:txEffectClrLst/>
-  </dgm:styleLbl>
-  <dgm:styleLbl name="bgAccFollowNode1">
-    <dgm:fillClrLst meth="repeat">
-      <a:schemeClr val="accent1">
-        <a:alpha val="90000"/>
-        <a:tint val="40000"/>
-      </a:schemeClr>
-    </dgm:fillClrLst>
-    <dgm:linClrLst meth="repeat">
-      <a:schemeClr val="accent1">
-        <a:alpha val="90000"/>
-        <a:tint val="40000"/>
-      </a:schemeClr>
-    </dgm:linClrLst>
-    <dgm:effectClrLst/>
-    <dgm:txLinClrLst/>
-    <dgm:txFillClrLst meth="repeat">
-      <a:schemeClr val="dk1"/>
-    </dgm:txFillClrLst>
-    <dgm:txEffectClrLst/>
-  </dgm:styleLbl>
-  <dgm:styleLbl name="fgAcc0">
-    <dgm:fillClrLst meth="repeat">
-      <a:schemeClr val="lt1">
-        <a:alpha val="90000"/>
-      </a:schemeClr>
-    </dgm:fillClrLst>
-    <dgm:linClrLst meth="repeat">
-      <a:schemeClr val="accent1"/>
-    </dgm:linClrLst>
-    <dgm:effectClrLst/>
-    <dgm:txLinClrLst/>
-    <dgm:txFillClrLst meth="repeat">
-      <a:schemeClr val="dk1"/>
-    </dgm:txFillClrLst>
-    <dgm:txEffectClrLst/>
-  </dgm:styleLbl>
-  <dgm:styleLbl name="fgAcc2">
-    <dgm:fillClrLst meth="repeat">
-      <a:schemeClr val="lt1">
-        <a:alpha val="90000"/>
-      </a:schemeClr>
-    </dgm:fillClrLst>
-    <dgm:linClrLst meth="repeat">
-      <a:schemeClr val="accent1"/>
-    </dgm:linClrLst>
-    <dgm:effectClrLst/>
-    <dgm:txLinClrLst/>
-    <dgm:txFillClrLst meth="repeat">
-      <a:schemeClr val="dk1"/>
-    </dgm:txFillClrLst>
-    <dgm:txEffectClrLst/>
-  </dgm:styleLbl>
-  <dgm:styleLbl name="fgAcc3">
-    <dgm:fillClrLst meth="repeat">
-      <a:schemeClr val="lt1">
-        <a:alpha val="90000"/>
-      </a:schemeClr>
-    </dgm:fillClrLst>
-    <dgm:linClrLst meth="repeat">
-      <a:schemeClr val="accent1"/>
-    </dgm:linClrLst>
-    <dgm:effectClrLst/>
-    <dgm:txLinClrLst/>
-    <dgm:txFillClrLst meth="repeat">
-      <a:schemeClr val="dk1"/>
-    </dgm:txFillClrLst>
-    <dgm:txEffectClrLst/>
-  </dgm:styleLbl>
-  <dgm:styleLbl name="fgAcc4">
-    <dgm:fillClrLst meth="repeat">
-      <a:schemeClr val="lt1">
-        <a:alpha val="90000"/>
-      </a:schemeClr>
-    </dgm:fillClrLst>
-    <dgm:linClrLst meth="repeat">
-      <a:schemeClr val="accent1"/>
-    </dgm:linClrLst>
-    <dgm:effectClrLst/>
-    <dgm:txLinClrLst/>
-    <dgm:txFillClrLst meth="repeat">
-      <a:schemeClr val="dk1"/>
-    </dgm:txFillClrLst>
-    <dgm:txEffectClrLst/>
-  </dgm:styleLbl>
-  <dgm:styleLbl name="bgShp">
-    <dgm:fillClrLst meth="repeat">
-      <a:schemeClr val="accent1">
-        <a:tint val="40000"/>
-      </a:schemeClr>
-    </dgm:fillClrLst>
-    <dgm:linClrLst meth="repeat">
-      <a:schemeClr val="accent1"/>
-    </dgm:linClrLst>
-    <dgm:effectClrLst/>
-    <dgm:txLinClrLst/>
-    <dgm:txFillClrLst meth="repeat">
-      <a:schemeClr val="dk1"/>
-    </dgm:txFillClrLst>
-    <dgm:txEffectClrLst/>
-  </dgm:styleLbl>
-  <dgm:styleLbl name="dkBgShp">
-    <dgm:fillClrLst meth="repeat">
-      <a:schemeClr val="accent1">
-        <a:shade val="80000"/>
-      </a:schemeClr>
-    </dgm:fillClrLst>
-    <dgm:linClrLst meth="repeat">
-      <a:schemeClr val="accent1"/>
-    </dgm:linClrLst>
-    <dgm:effectClrLst/>
-    <dgm:txLinClrLst/>
-    <dgm:txFillClrLst meth="repeat">
-      <a:schemeClr val="lt1"/>
-    </dgm:txFillClrLst>
-    <dgm:txEffectClrLst/>
-  </dgm:styleLbl>
-  <dgm:styleLbl name="trBgShp">
-    <dgm:fillClrLst meth="repeat">
-      <a:schemeClr val="accent1">
-        <a:tint val="50000"/>
-        <a:alpha val="40000"/>
-      </a:schemeClr>
-    </dgm:fillClrLst>
-    <dgm:linClrLst meth="repeat">
-      <a:schemeClr val="accent1"/>
-    </dgm:linClrLst>
-    <dgm:effectClrLst/>
-    <dgm:txLinClrLst/>
-    <dgm:txFillClrLst meth="repeat">
-      <a:schemeClr val="lt1"/>
-    </dgm:txFillClrLst>
-    <dgm:txEffectClrLst/>
-  </dgm:styleLbl>
-  <dgm:styleLbl name="fgShp">
-    <dgm:fillClrLst meth="repeat">
-      <a:schemeClr val="accent1">
-        <a:tint val="60000"/>
-      </a:schemeClr>
-    </dgm:fillClrLst>
-    <dgm:linClrLst meth="repeat">
-      <a:schemeClr val="lt1"/>
-    </dgm:linClrLst>
-    <dgm:effectClrLst/>
-    <dgm:txLinClrLst/>
-    <dgm:txFillClrLst meth="repeat">
-      <a:schemeClr val="dk1"/>
-    </dgm:txFillClrLst>
-    <dgm:txEffectClrLst/>
-  </dgm:styleLbl>
-  <dgm:styleLbl name="revTx">
-    <dgm:fillClrLst meth="repeat">
-      <a:schemeClr val="lt1">
-        <a:alpha val="0"/>
-      </a:schemeClr>
-    </dgm:fillClrLst>
-    <dgm:linClrLst meth="repeat">
-      <a:schemeClr val="dk1">
-        <a:alpha val="0"/>
-      </a:schemeClr>
-    </dgm:linClrLst>
-    <dgm:effectClrLst/>
-    <dgm:txLinClrLst/>
-    <dgm:txFillClrLst meth="repeat">
-      <a:schemeClr val="tx1"/>
-    </dgm:txFillClrLst>
-    <dgm:txEffectClrLst/>
-  </dgm:styleLbl>
-</dgm:colorsDef>
-</file>
-
-<file path=ppt/diagrams/data1.xml><?xml version="1.0" encoding="utf-8"?>
-<dgm:dataModel xmlns:dgm="http://schemas.openxmlformats.org/drawingml/2006/diagram" xmlns:a="http://schemas.openxmlformats.org/drawingml/2006/main">
-  <dgm:ptLst>
-    <dgm:pt modelId="{CF9055CF-8DEB-4A02-949A-DE72B6AC5D37}" type="doc">
-      <dgm:prSet loTypeId="urn:microsoft.com/office/officeart/2005/8/layout/hList6" loCatId="list" qsTypeId="urn:microsoft.com/office/officeart/2005/8/quickstyle/simple3" qsCatId="simple" csTypeId="urn:microsoft.com/office/officeart/2005/8/colors/accent1_2" csCatId="accent1" phldr="1"/>
-      <dgm:spPr/>
-      <dgm:t>
-        <a:bodyPr rtlCol="0"/>
-        <a:lstStyle/>
-        <a:p>
-          <a:pPr rtl="0"/>
-          <a:endParaRPr lang="en-US"/>
-        </a:p>
-      </dgm:t>
-    </dgm:pt>
-    <dgm:pt modelId="{082E8A29-955A-4C7C-A174-3E9DCD4DC89B}">
-      <dgm:prSet phldrT="[Text]"/>
-      <dgm:spPr/>
-      <dgm:t>
-        <a:bodyPr rtlCol="0"/>
-        <a:lstStyle/>
-        <a:p>
-          <a:pPr rtl="0"/>
-          <a:r>
-            <a:rPr lang="nl-NL" noProof="0" dirty="0"/>
-            <a:t>Titel stap 1</a:t>
-          </a:r>
-        </a:p>
-      </dgm:t>
-    </dgm:pt>
-    <dgm:pt modelId="{BA7938E6-8DFA-40B7-B4C4-EACC6D85FC31}" type="parTrans" cxnId="{2986897A-7787-444F-B6C8-41F3823EF3C1}">
-      <dgm:prSet/>
-      <dgm:spPr/>
-      <dgm:t>
-        <a:bodyPr rtlCol="0"/>
-        <a:lstStyle/>
-        <a:p>
-          <a:pPr rtl="0"/>
-          <a:endParaRPr lang="en-US"/>
-        </a:p>
-      </dgm:t>
-    </dgm:pt>
-    <dgm:pt modelId="{C2176686-D23E-48EB-9D1B-1A1B46236638}" type="sibTrans" cxnId="{2986897A-7787-444F-B6C8-41F3823EF3C1}">
-      <dgm:prSet/>
-      <dgm:spPr/>
-      <dgm:t>
-        <a:bodyPr rtlCol="0"/>
-        <a:lstStyle/>
-        <a:p>
-          <a:pPr rtl="0"/>
-          <a:endParaRPr lang="en-US"/>
-        </a:p>
-      </dgm:t>
-    </dgm:pt>
-    <dgm:pt modelId="{23A0DE4A-FE92-496E-B335-3433CEFB74E9}">
-      <dgm:prSet phldrT="[Text]"/>
-      <dgm:spPr/>
-      <dgm:t>
-        <a:bodyPr rtlCol="0"/>
-        <a:lstStyle/>
-        <a:p>
-          <a:pPr rtl="0"/>
-          <a:r>
-            <a:rPr lang="nl-NL" noProof="0" dirty="0"/>
-            <a:t>Taakomschrijving</a:t>
-          </a:r>
-        </a:p>
-      </dgm:t>
-    </dgm:pt>
-    <dgm:pt modelId="{68935D38-FEDC-4CD3-8002-43CB3944BEAF}" type="parTrans" cxnId="{67A03D8F-F327-4A9F-ABBC-1EB67EFD1ECB}">
-      <dgm:prSet/>
-      <dgm:spPr/>
-      <dgm:t>
-        <a:bodyPr rtlCol="0"/>
-        <a:lstStyle/>
-        <a:p>
-          <a:pPr rtl="0"/>
-          <a:endParaRPr lang="en-US"/>
-        </a:p>
-      </dgm:t>
-    </dgm:pt>
-    <dgm:pt modelId="{55DF926D-029A-4E18-95C4-77A5A37CAE40}" type="sibTrans" cxnId="{67A03D8F-F327-4A9F-ABBC-1EB67EFD1ECB}">
-      <dgm:prSet/>
-      <dgm:spPr/>
-      <dgm:t>
-        <a:bodyPr rtlCol="0"/>
-        <a:lstStyle/>
-        <a:p>
-          <a:pPr rtl="0"/>
-          <a:endParaRPr lang="en-US"/>
-        </a:p>
-      </dgm:t>
-    </dgm:pt>
-    <dgm:pt modelId="{97AFB725-9839-43BA-B026-0DD6AA03AD9C}">
-      <dgm:prSet phldrT="[Text]"/>
-      <dgm:spPr/>
-      <dgm:t>
-        <a:bodyPr rtlCol="0"/>
-        <a:lstStyle/>
-        <a:p>
-          <a:pPr rtl="0"/>
-          <a:r>
-            <a:rPr lang="nl-NL" noProof="0" dirty="0"/>
-            <a:t>Taakomschrijving</a:t>
-          </a:r>
-        </a:p>
-      </dgm:t>
-    </dgm:pt>
-    <dgm:pt modelId="{CC01022B-5039-457F-931E-79459E3C1DC4}" type="parTrans" cxnId="{97004F90-D1DB-4A84-A8AE-504DE1F07341}">
-      <dgm:prSet/>
-      <dgm:spPr/>
-      <dgm:t>
-        <a:bodyPr rtlCol="0"/>
-        <a:lstStyle/>
-        <a:p>
-          <a:pPr rtl="0"/>
-          <a:endParaRPr lang="en-US"/>
-        </a:p>
-      </dgm:t>
-    </dgm:pt>
-    <dgm:pt modelId="{D5C26250-A06D-4B41-BC14-92648809C21F}" type="sibTrans" cxnId="{97004F90-D1DB-4A84-A8AE-504DE1F07341}">
-      <dgm:prSet/>
-      <dgm:spPr/>
-      <dgm:t>
-        <a:bodyPr rtlCol="0"/>
-        <a:lstStyle/>
-        <a:p>
-          <a:pPr rtl="0"/>
-          <a:endParaRPr lang="en-US"/>
-        </a:p>
-      </dgm:t>
-    </dgm:pt>
-    <dgm:pt modelId="{B86124A4-14C7-49C7-A342-9B2C2B94980B}">
-      <dgm:prSet phldrT="[Text]"/>
-      <dgm:spPr/>
-      <dgm:t>
-        <a:bodyPr rtlCol="0"/>
-        <a:lstStyle/>
-        <a:p>
-          <a:pPr rtl="0"/>
-          <a:r>
-            <a:rPr lang="nl-NL" noProof="0" dirty="0"/>
-            <a:t>Taakomschrijving</a:t>
-          </a:r>
-        </a:p>
-      </dgm:t>
-    </dgm:pt>
-    <dgm:pt modelId="{B2F6F8FA-C3EE-485C-BFEC-A81570DC47D8}" type="parTrans" cxnId="{508A9F6A-C4F1-4147-A5F6-B89293B446E8}">
-      <dgm:prSet/>
-      <dgm:spPr/>
-      <dgm:t>
-        <a:bodyPr rtlCol="0"/>
-        <a:lstStyle/>
-        <a:p>
-          <a:pPr rtl="0"/>
-          <a:endParaRPr lang="en-US"/>
-        </a:p>
-      </dgm:t>
-    </dgm:pt>
-    <dgm:pt modelId="{1114C752-8188-4E63-BFFC-E4081ACE9882}" type="sibTrans" cxnId="{508A9F6A-C4F1-4147-A5F6-B89293B446E8}">
-      <dgm:prSet/>
-      <dgm:spPr/>
-      <dgm:t>
-        <a:bodyPr rtlCol="0"/>
-        <a:lstStyle/>
-        <a:p>
-          <a:pPr rtl="0"/>
-          <a:endParaRPr lang="en-US"/>
-        </a:p>
-      </dgm:t>
-    </dgm:pt>
-    <dgm:pt modelId="{A97FC57D-50D6-4D43-99C3-06D09820F122}">
-      <dgm:prSet phldrT="[Text]"/>
-      <dgm:spPr/>
-      <dgm:t>
-        <a:bodyPr rtlCol="0"/>
-        <a:lstStyle/>
-        <a:p>
-          <a:pPr rtl="0"/>
-          <a:r>
-            <a:rPr lang="nl-NL" noProof="0" dirty="0"/>
-            <a:t>Taakomschrijving</a:t>
-          </a:r>
-        </a:p>
-      </dgm:t>
-    </dgm:pt>
-    <dgm:pt modelId="{5DD877C7-E4D9-4A68-A305-5A7689D3DBE7}" type="parTrans" cxnId="{D286A548-6BB0-4DED-9FB5-D87042DDBE0A}">
-      <dgm:prSet/>
-      <dgm:spPr/>
-      <dgm:t>
-        <a:bodyPr rtlCol="0"/>
-        <a:lstStyle/>
-        <a:p>
-          <a:pPr rtl="0"/>
-          <a:endParaRPr lang="en-US"/>
-        </a:p>
-      </dgm:t>
-    </dgm:pt>
-    <dgm:pt modelId="{C17BCABE-BEF2-4CC4-B037-B6B4866665CD}" type="sibTrans" cxnId="{D286A548-6BB0-4DED-9FB5-D87042DDBE0A}">
-      <dgm:prSet/>
-      <dgm:spPr/>
-      <dgm:t>
-        <a:bodyPr rtlCol="0"/>
-        <a:lstStyle/>
-        <a:p>
-          <a:pPr rtl="0"/>
-          <a:endParaRPr lang="en-US"/>
-        </a:p>
-      </dgm:t>
-    </dgm:pt>
-    <dgm:pt modelId="{B6E26FFC-9977-4BBC-BEC7-3D6B63754E52}">
-      <dgm:prSet phldrT="[Text]"/>
-      <dgm:spPr/>
-      <dgm:t>
-        <a:bodyPr rtlCol="0"/>
-        <a:lstStyle/>
-        <a:p>
-          <a:pPr rtl="0"/>
-          <a:r>
-            <a:rPr lang="nl-NL" noProof="0" dirty="0"/>
-            <a:t>Titel stap 2</a:t>
-          </a:r>
-        </a:p>
-      </dgm:t>
-    </dgm:pt>
-    <dgm:pt modelId="{5CEFBD89-2F4F-4B51-A98A-0F3C86494166}" type="parTrans" cxnId="{17E73148-9C08-4999-B21E-F3C5A0E3FC0C}">
-      <dgm:prSet/>
-      <dgm:spPr/>
-      <dgm:t>
-        <a:bodyPr rtlCol="0"/>
-        <a:lstStyle/>
-        <a:p>
-          <a:pPr rtl="0"/>
-          <a:endParaRPr lang="en-US"/>
-        </a:p>
-      </dgm:t>
-    </dgm:pt>
-    <dgm:pt modelId="{48634C00-2335-4923-9072-EB7482323D9C}" type="sibTrans" cxnId="{17E73148-9C08-4999-B21E-F3C5A0E3FC0C}">
-      <dgm:prSet/>
-      <dgm:spPr/>
-      <dgm:t>
-        <a:bodyPr rtlCol="0"/>
-        <a:lstStyle/>
-        <a:p>
-          <a:pPr rtl="0"/>
-          <a:endParaRPr lang="en-US"/>
-        </a:p>
-      </dgm:t>
-    </dgm:pt>
-    <dgm:pt modelId="{CBCC21F5-552F-4D39-812E-6FCD4A366F58}">
-      <dgm:prSet phldrT="[Text]"/>
-      <dgm:spPr/>
-      <dgm:t>
-        <a:bodyPr rtlCol="0"/>
-        <a:lstStyle/>
-        <a:p>
-          <a:pPr rtl="0"/>
-          <a:r>
-            <a:rPr lang="nl-NL" noProof="0" dirty="0"/>
-            <a:t>Taakomschrijving</a:t>
-          </a:r>
-        </a:p>
-      </dgm:t>
-    </dgm:pt>
-    <dgm:pt modelId="{4A973A1C-85F1-4969-A536-D29940229E2C}" type="parTrans" cxnId="{3C41F2E0-4620-40B4-9857-68872B278EFB}">
-      <dgm:prSet/>
-      <dgm:spPr/>
-      <dgm:t>
-        <a:bodyPr rtlCol="0"/>
-        <a:lstStyle/>
-        <a:p>
-          <a:pPr rtl="0"/>
-          <a:endParaRPr lang="en-US"/>
-        </a:p>
-      </dgm:t>
-    </dgm:pt>
-    <dgm:pt modelId="{3640B940-6901-481F-ADF7-6B77DEEED764}" type="sibTrans" cxnId="{3C41F2E0-4620-40B4-9857-68872B278EFB}">
-      <dgm:prSet/>
-      <dgm:spPr/>
-      <dgm:t>
-        <a:bodyPr rtlCol="0"/>
-        <a:lstStyle/>
-        <a:p>
-          <a:pPr rtl="0"/>
-          <a:endParaRPr lang="en-US"/>
-        </a:p>
-      </dgm:t>
-    </dgm:pt>
-    <dgm:pt modelId="{62831651-7C26-466C-BAA4-31EA8D14E47A}">
-      <dgm:prSet phldrT="[Text]"/>
-      <dgm:spPr/>
-      <dgm:t>
-        <a:bodyPr rtlCol="0"/>
-        <a:lstStyle/>
-        <a:p>
-          <a:pPr rtl="0"/>
-          <a:r>
-            <a:rPr lang="nl-NL" noProof="0" dirty="0"/>
-            <a:t>Taakomschrijving</a:t>
-          </a:r>
-        </a:p>
-      </dgm:t>
-    </dgm:pt>
-    <dgm:pt modelId="{0F3EB6E4-07A5-4199-9C2F-8B91F53579FE}" type="parTrans" cxnId="{59DDA576-1BA9-49E8-9D1D-361FF667A19A}">
-      <dgm:prSet/>
-      <dgm:spPr/>
-      <dgm:t>
-        <a:bodyPr rtlCol="0"/>
-        <a:lstStyle/>
-        <a:p>
-          <a:pPr rtl="0"/>
-          <a:endParaRPr lang="en-US"/>
-        </a:p>
-      </dgm:t>
-    </dgm:pt>
-    <dgm:pt modelId="{0D19FA60-5F9C-420B-AD2F-A0656A7F0783}" type="sibTrans" cxnId="{59DDA576-1BA9-49E8-9D1D-361FF667A19A}">
-      <dgm:prSet/>
-      <dgm:spPr/>
-      <dgm:t>
-        <a:bodyPr rtlCol="0"/>
-        <a:lstStyle/>
-        <a:p>
-          <a:pPr rtl="0"/>
-          <a:endParaRPr lang="en-US"/>
-        </a:p>
-      </dgm:t>
-    </dgm:pt>
-    <dgm:pt modelId="{44B2544A-D122-4B95-A36C-B03D9E272B48}">
-      <dgm:prSet phldrT="[Text]"/>
-      <dgm:spPr/>
-      <dgm:t>
-        <a:bodyPr rtlCol="0"/>
-        <a:lstStyle/>
-        <a:p>
-          <a:pPr rtl="0"/>
-          <a:r>
-            <a:rPr lang="nl-NL" noProof="0" dirty="0"/>
-            <a:t>Taakomschrijving</a:t>
-          </a:r>
-        </a:p>
-      </dgm:t>
-    </dgm:pt>
-    <dgm:pt modelId="{9EE40E78-C1B8-4A87-A668-53AD816CED24}" type="parTrans" cxnId="{F89EA6DF-D106-435E-9337-D23286A767A6}">
-      <dgm:prSet/>
-      <dgm:spPr/>
-      <dgm:t>
-        <a:bodyPr rtlCol="0"/>
-        <a:lstStyle/>
-        <a:p>
-          <a:pPr rtl="0"/>
-          <a:endParaRPr lang="en-US"/>
-        </a:p>
-      </dgm:t>
-    </dgm:pt>
-    <dgm:pt modelId="{F32DECE0-DC7F-4DCF-A10D-96A117A49197}" type="sibTrans" cxnId="{F89EA6DF-D106-435E-9337-D23286A767A6}">
-      <dgm:prSet/>
-      <dgm:spPr/>
-      <dgm:t>
-        <a:bodyPr rtlCol="0"/>
-        <a:lstStyle/>
-        <a:p>
-          <a:pPr rtl="0"/>
-          <a:endParaRPr lang="en-US"/>
-        </a:p>
-      </dgm:t>
-    </dgm:pt>
-    <dgm:pt modelId="{6D0E5D9F-7263-4526-A227-51301233F549}">
-      <dgm:prSet phldrT="[Text]"/>
-      <dgm:spPr/>
-      <dgm:t>
-        <a:bodyPr rtlCol="0"/>
-        <a:lstStyle/>
-        <a:p>
-          <a:pPr rtl="0"/>
-          <a:r>
-            <a:rPr lang="nl-NL" noProof="0" dirty="0"/>
-            <a:t>Titel stap 3</a:t>
-          </a:r>
-        </a:p>
-      </dgm:t>
-    </dgm:pt>
-    <dgm:pt modelId="{23416D07-25F8-426C-BC65-639E6BCF4D6D}" type="parTrans" cxnId="{C8C462C6-33A3-4E8B-91FE-36DBE92F1C4A}">
-      <dgm:prSet/>
-      <dgm:spPr/>
-      <dgm:t>
-        <a:bodyPr rtlCol="0"/>
-        <a:lstStyle/>
-        <a:p>
-          <a:pPr rtl="0"/>
-          <a:endParaRPr lang="en-US"/>
-        </a:p>
-      </dgm:t>
-    </dgm:pt>
-    <dgm:pt modelId="{DE289E29-1989-4D8E-8AA6-F030105B3F13}" type="sibTrans" cxnId="{C8C462C6-33A3-4E8B-91FE-36DBE92F1C4A}">
-      <dgm:prSet/>
-      <dgm:spPr/>
-      <dgm:t>
-        <a:bodyPr rtlCol="0"/>
-        <a:lstStyle/>
-        <a:p>
-          <a:pPr rtl="0"/>
-          <a:endParaRPr lang="en-US"/>
-        </a:p>
-      </dgm:t>
-    </dgm:pt>
-    <dgm:pt modelId="{F3256203-D9D1-492A-B801-68C1A32486F0}">
-      <dgm:prSet phldrT="[Text]"/>
-      <dgm:spPr/>
-      <dgm:t>
-        <a:bodyPr rtlCol="0"/>
-        <a:lstStyle/>
-        <a:p>
-          <a:pPr rtl="0"/>
-          <a:r>
-            <a:rPr lang="nl-NL" noProof="0" dirty="0"/>
-            <a:t>Taakomschrijving</a:t>
-          </a:r>
-        </a:p>
-      </dgm:t>
-    </dgm:pt>
-    <dgm:pt modelId="{E9A20291-2E30-4C14-BB7D-DC095A20ECB6}" type="parTrans" cxnId="{1B8E71B0-2D3A-4AB0-8843-CFDACEDC3198}">
-      <dgm:prSet/>
-      <dgm:spPr/>
-      <dgm:t>
-        <a:bodyPr rtlCol="0"/>
-        <a:lstStyle/>
-        <a:p>
-          <a:pPr rtl="0"/>
-          <a:endParaRPr lang="en-US"/>
-        </a:p>
-      </dgm:t>
-    </dgm:pt>
-    <dgm:pt modelId="{6C9440D0-8847-40C0-98BC-2B5EA5745C3A}" type="sibTrans" cxnId="{1B8E71B0-2D3A-4AB0-8843-CFDACEDC3198}">
-      <dgm:prSet/>
-      <dgm:spPr/>
-      <dgm:t>
-        <a:bodyPr rtlCol="0"/>
-        <a:lstStyle/>
-        <a:p>
-          <a:pPr rtl="0"/>
-          <a:endParaRPr lang="en-US"/>
-        </a:p>
-      </dgm:t>
-    </dgm:pt>
-    <dgm:pt modelId="{357008B7-F3FD-489F-A410-81C9A9EFE4DA}">
-      <dgm:prSet phldrT="[Text]"/>
-      <dgm:spPr/>
-      <dgm:t>
-        <a:bodyPr rtlCol="0"/>
-        <a:lstStyle/>
-        <a:p>
-          <a:pPr rtl="0"/>
-          <a:r>
-            <a:rPr lang="nl-NL" noProof="0" dirty="0"/>
-            <a:t>Taakomschrijving</a:t>
-          </a:r>
-        </a:p>
-      </dgm:t>
-    </dgm:pt>
-    <dgm:pt modelId="{ED5EFE54-4C6D-4A88-939B-CE66C6668425}" type="parTrans" cxnId="{8910F93B-7180-4A52-9856-879D102D33F8}">
-      <dgm:prSet/>
-      <dgm:spPr/>
-      <dgm:t>
-        <a:bodyPr rtlCol="0"/>
-        <a:lstStyle/>
-        <a:p>
-          <a:pPr rtl="0"/>
-          <a:endParaRPr lang="en-US"/>
-        </a:p>
-      </dgm:t>
-    </dgm:pt>
-    <dgm:pt modelId="{87BC108C-4915-4A4B-8565-E4BD28BA3C35}" type="sibTrans" cxnId="{8910F93B-7180-4A52-9856-879D102D33F8}">
-      <dgm:prSet/>
-      <dgm:spPr/>
-      <dgm:t>
-        <a:bodyPr rtlCol="0"/>
-        <a:lstStyle/>
-        <a:p>
-          <a:pPr rtl="0"/>
-          <a:endParaRPr lang="en-US"/>
-        </a:p>
-      </dgm:t>
-    </dgm:pt>
-    <dgm:pt modelId="{E5E95E82-EF79-43CA-AA86-43B0E1CBCD3F}">
-      <dgm:prSet phldrT="[Text]"/>
-      <dgm:spPr/>
-      <dgm:t>
-        <a:bodyPr rtlCol="0"/>
-        <a:lstStyle/>
-        <a:p>
-          <a:pPr rtl="0"/>
-          <a:r>
-            <a:rPr lang="nl-NL" noProof="0" dirty="0"/>
-            <a:t>Titel stap 4</a:t>
-          </a:r>
-        </a:p>
-      </dgm:t>
-    </dgm:pt>
-    <dgm:pt modelId="{FD76A3AE-1B6C-45A0-8E84-63160283749F}" type="parTrans" cxnId="{A76240AD-13F6-40C0-BD9B-102D5EC0AE51}">
-      <dgm:prSet/>
-      <dgm:spPr/>
-      <dgm:t>
-        <a:bodyPr rtlCol="0"/>
-        <a:lstStyle/>
-        <a:p>
-          <a:pPr rtl="0"/>
-          <a:endParaRPr lang="en-US"/>
-        </a:p>
-      </dgm:t>
-    </dgm:pt>
-    <dgm:pt modelId="{BF76010C-5523-4E13-B3E7-886DCE6AEBD4}" type="sibTrans" cxnId="{A76240AD-13F6-40C0-BD9B-102D5EC0AE51}">
-      <dgm:prSet/>
-      <dgm:spPr/>
-      <dgm:t>
-        <a:bodyPr rtlCol="0"/>
-        <a:lstStyle/>
-        <a:p>
-          <a:pPr rtl="0"/>
-          <a:endParaRPr lang="en-US"/>
-        </a:p>
-      </dgm:t>
-    </dgm:pt>
-    <dgm:pt modelId="{A81358E0-3DE7-41AD-A28C-ABB22548B1F6}">
-      <dgm:prSet phldrT="[Text]"/>
-      <dgm:spPr/>
-      <dgm:t>
-        <a:bodyPr rtlCol="0"/>
-        <a:lstStyle/>
-        <a:p>
-          <a:pPr rtl="0"/>
-          <a:r>
-            <a:rPr lang="nl-NL" noProof="0" dirty="0"/>
-            <a:t>Taakomschrijving</a:t>
-          </a:r>
-        </a:p>
-      </dgm:t>
-    </dgm:pt>
-    <dgm:pt modelId="{262E0B94-6EA9-4797-B705-959D7B185F91}" type="parTrans" cxnId="{FB8541C0-3895-4553-A4C7-34B81A3C4A0B}">
-      <dgm:prSet/>
-      <dgm:spPr/>
-      <dgm:t>
-        <a:bodyPr rtlCol="0"/>
-        <a:lstStyle/>
-        <a:p>
-          <a:pPr rtl="0"/>
-          <a:endParaRPr lang="en-US"/>
-        </a:p>
-      </dgm:t>
-    </dgm:pt>
-    <dgm:pt modelId="{77756FBB-BF6C-4D78-803E-BCC851F1DA03}" type="sibTrans" cxnId="{FB8541C0-3895-4553-A4C7-34B81A3C4A0B}">
-      <dgm:prSet/>
-      <dgm:spPr/>
-      <dgm:t>
-        <a:bodyPr rtlCol="0"/>
-        <a:lstStyle/>
-        <a:p>
-          <a:pPr rtl="0"/>
-          <a:endParaRPr lang="en-US"/>
-        </a:p>
-      </dgm:t>
-    </dgm:pt>
-    <dgm:pt modelId="{37A7C994-CC74-44DD-8777-ED6736B35821}">
-      <dgm:prSet phldrT="[Text]"/>
-      <dgm:spPr/>
-      <dgm:t>
-        <a:bodyPr rtlCol="0"/>
-        <a:lstStyle/>
-        <a:p>
-          <a:pPr rtl="0"/>
-          <a:r>
-            <a:rPr lang="nl-NL" noProof="0" dirty="0"/>
-            <a:t>Taakomschrijving</a:t>
-          </a:r>
-        </a:p>
-      </dgm:t>
-    </dgm:pt>
-    <dgm:pt modelId="{03F017E7-7E3C-4E2C-9CEF-B07099F38801}" type="parTrans" cxnId="{1C5CE732-A00F-4C06-A1A8-B209BC6B496D}">
-      <dgm:prSet/>
-      <dgm:spPr/>
-      <dgm:t>
-        <a:bodyPr rtlCol="0"/>
-        <a:lstStyle/>
-        <a:p>
-          <a:pPr rtl="0"/>
-          <a:endParaRPr lang="en-US"/>
-        </a:p>
-      </dgm:t>
-    </dgm:pt>
-    <dgm:pt modelId="{118572A4-3B5E-487E-8015-6A319369077F}" type="sibTrans" cxnId="{1C5CE732-A00F-4C06-A1A8-B209BC6B496D}">
-      <dgm:prSet/>
-      <dgm:spPr/>
-      <dgm:t>
-        <a:bodyPr rtlCol="0"/>
-        <a:lstStyle/>
-        <a:p>
-          <a:pPr rtl="0"/>
-          <a:endParaRPr lang="en-US"/>
-        </a:p>
-      </dgm:t>
-    </dgm:pt>
-    <dgm:pt modelId="{6F1872F4-A030-4D64-A17C-72EA1ABBD62E}" type="pres">
-      <dgm:prSet presAssocID="{CF9055CF-8DEB-4A02-949A-DE72B6AC5D37}" presName="Name0" presStyleCnt="0">
-        <dgm:presLayoutVars>
-          <dgm:dir/>
-          <dgm:resizeHandles val="exact"/>
-        </dgm:presLayoutVars>
-      </dgm:prSet>
-      <dgm:spPr/>
-    </dgm:pt>
-    <dgm:pt modelId="{98302F07-D6A9-46A5-9807-EBF6C9F5B2DD}" type="pres">
-      <dgm:prSet presAssocID="{082E8A29-955A-4C7C-A174-3E9DCD4DC89B}" presName="node" presStyleLbl="node1" presStyleIdx="0" presStyleCnt="4">
-        <dgm:presLayoutVars>
-          <dgm:bulletEnabled val="1"/>
-        </dgm:presLayoutVars>
-      </dgm:prSet>
-      <dgm:spPr/>
-    </dgm:pt>
-    <dgm:pt modelId="{6681DF6F-8E98-430C-9A87-14BEC6C3269E}" type="pres">
-      <dgm:prSet presAssocID="{C2176686-D23E-48EB-9D1B-1A1B46236638}" presName="sibTrans" presStyleCnt="0"/>
-      <dgm:spPr/>
-    </dgm:pt>
-    <dgm:pt modelId="{DAD9059A-916A-4916-A2A8-B42491568DD3}" type="pres">
-      <dgm:prSet presAssocID="{B6E26FFC-9977-4BBC-BEC7-3D6B63754E52}" presName="node" presStyleLbl="node1" presStyleIdx="1" presStyleCnt="4">
-        <dgm:presLayoutVars>
-          <dgm:bulletEnabled val="1"/>
-        </dgm:presLayoutVars>
-      </dgm:prSet>
-      <dgm:spPr/>
-    </dgm:pt>
-    <dgm:pt modelId="{39AEACD1-F8CF-4528-8379-DAA829B3790B}" type="pres">
-      <dgm:prSet presAssocID="{48634C00-2335-4923-9072-EB7482323D9C}" presName="sibTrans" presStyleCnt="0"/>
-      <dgm:spPr/>
-    </dgm:pt>
-    <dgm:pt modelId="{25A33852-3C4B-4406-8856-3A4D6201948C}" type="pres">
-      <dgm:prSet presAssocID="{6D0E5D9F-7263-4526-A227-51301233F549}" presName="node" presStyleLbl="node1" presStyleIdx="2" presStyleCnt="4">
-        <dgm:presLayoutVars>
-          <dgm:bulletEnabled val="1"/>
-        </dgm:presLayoutVars>
-      </dgm:prSet>
-      <dgm:spPr/>
-    </dgm:pt>
-    <dgm:pt modelId="{562EDDC3-60FD-463F-A6DB-A597D604B642}" type="pres">
-      <dgm:prSet presAssocID="{DE289E29-1989-4D8E-8AA6-F030105B3F13}" presName="sibTrans" presStyleCnt="0"/>
-      <dgm:spPr/>
-    </dgm:pt>
-    <dgm:pt modelId="{86146B22-5360-4D1B-AC91-3378F10134EE}" type="pres">
-      <dgm:prSet presAssocID="{E5E95E82-EF79-43CA-AA86-43B0E1CBCD3F}" presName="node" presStyleLbl="node1" presStyleIdx="3" presStyleCnt="4">
-        <dgm:presLayoutVars>
-          <dgm:bulletEnabled val="1"/>
-        </dgm:presLayoutVars>
-      </dgm:prSet>
-      <dgm:spPr/>
-    </dgm:pt>
-  </dgm:ptLst>
-  <dgm:cxnLst>
-    <dgm:cxn modelId="{0676BA07-1135-49D0-993A-27A9F99FC0CD}" type="presOf" srcId="{B6E26FFC-9977-4BBC-BEC7-3D6B63754E52}" destId="{DAD9059A-916A-4916-A2A8-B42491568DD3}" srcOrd="0" destOrd="0" presId="urn:microsoft.com/office/officeart/2005/8/layout/hList6"/>
-    <dgm:cxn modelId="{AB981D0D-0AD5-4DD6-BA19-D4E75ECF1C7D}" type="presOf" srcId="{A97FC57D-50D6-4D43-99C3-06D09820F122}" destId="{98302F07-D6A9-46A5-9807-EBF6C9F5B2DD}" srcOrd="0" destOrd="4" presId="urn:microsoft.com/office/officeart/2005/8/layout/hList6"/>
-    <dgm:cxn modelId="{5351B217-259B-4E6A-85F5-2E408BEB0764}" type="presOf" srcId="{082E8A29-955A-4C7C-A174-3E9DCD4DC89B}" destId="{98302F07-D6A9-46A5-9807-EBF6C9F5B2DD}" srcOrd="0" destOrd="0" presId="urn:microsoft.com/office/officeart/2005/8/layout/hList6"/>
-    <dgm:cxn modelId="{729DA21F-0A99-4CC3-ACFF-2A00EDCAA358}" type="presOf" srcId="{37A7C994-CC74-44DD-8777-ED6736B35821}" destId="{86146B22-5360-4D1B-AC91-3378F10134EE}" srcOrd="0" destOrd="2" presId="urn:microsoft.com/office/officeart/2005/8/layout/hList6"/>
-    <dgm:cxn modelId="{77BD0D2D-7C4E-49B3-9A72-0FD33F32D294}" type="presOf" srcId="{6D0E5D9F-7263-4526-A227-51301233F549}" destId="{25A33852-3C4B-4406-8856-3A4D6201948C}" srcOrd="0" destOrd="0" presId="urn:microsoft.com/office/officeart/2005/8/layout/hList6"/>
-    <dgm:cxn modelId="{3AE2742D-7673-4553-BCDD-292AE3B4BC50}" type="presOf" srcId="{97AFB725-9839-43BA-B026-0DD6AA03AD9C}" destId="{98302F07-D6A9-46A5-9807-EBF6C9F5B2DD}" srcOrd="0" destOrd="2" presId="urn:microsoft.com/office/officeart/2005/8/layout/hList6"/>
-    <dgm:cxn modelId="{1C5CE732-A00F-4C06-A1A8-B209BC6B496D}" srcId="{E5E95E82-EF79-43CA-AA86-43B0E1CBCD3F}" destId="{37A7C994-CC74-44DD-8777-ED6736B35821}" srcOrd="1" destOrd="0" parTransId="{03F017E7-7E3C-4E2C-9CEF-B07099F38801}" sibTransId="{118572A4-3B5E-487E-8015-6A319369077F}"/>
-    <dgm:cxn modelId="{8910F93B-7180-4A52-9856-879D102D33F8}" srcId="{6D0E5D9F-7263-4526-A227-51301233F549}" destId="{357008B7-F3FD-489F-A410-81C9A9EFE4DA}" srcOrd="1" destOrd="0" parTransId="{ED5EFE54-4C6D-4A88-939B-CE66C6668425}" sibTransId="{87BC108C-4915-4A4B-8565-E4BD28BA3C35}"/>
-    <dgm:cxn modelId="{17E73148-9C08-4999-B21E-F3C5A0E3FC0C}" srcId="{CF9055CF-8DEB-4A02-949A-DE72B6AC5D37}" destId="{B6E26FFC-9977-4BBC-BEC7-3D6B63754E52}" srcOrd="1" destOrd="0" parTransId="{5CEFBD89-2F4F-4B51-A98A-0F3C86494166}" sibTransId="{48634C00-2335-4923-9072-EB7482323D9C}"/>
-    <dgm:cxn modelId="{D286A548-6BB0-4DED-9FB5-D87042DDBE0A}" srcId="{082E8A29-955A-4C7C-A174-3E9DCD4DC89B}" destId="{A97FC57D-50D6-4D43-99C3-06D09820F122}" srcOrd="3" destOrd="0" parTransId="{5DD877C7-E4D9-4A68-A305-5A7689D3DBE7}" sibTransId="{C17BCABE-BEF2-4CC4-B037-B6B4866665CD}"/>
-    <dgm:cxn modelId="{F4F3BD4C-7DE7-449F-8ECF-B43B2B86F2EB}" type="presOf" srcId="{CBCC21F5-552F-4D39-812E-6FCD4A366F58}" destId="{DAD9059A-916A-4916-A2A8-B42491568DD3}" srcOrd="0" destOrd="1" presId="urn:microsoft.com/office/officeart/2005/8/layout/hList6"/>
-    <dgm:cxn modelId="{DC53BA63-76BA-413A-ACCE-B7609C3FDC8E}" type="presOf" srcId="{A81358E0-3DE7-41AD-A28C-ABB22548B1F6}" destId="{86146B22-5360-4D1B-AC91-3378F10134EE}" srcOrd="0" destOrd="1" presId="urn:microsoft.com/office/officeart/2005/8/layout/hList6"/>
-    <dgm:cxn modelId="{508A9F6A-C4F1-4147-A5F6-B89293B446E8}" srcId="{082E8A29-955A-4C7C-A174-3E9DCD4DC89B}" destId="{B86124A4-14C7-49C7-A342-9B2C2B94980B}" srcOrd="2" destOrd="0" parTransId="{B2F6F8FA-C3EE-485C-BFEC-A81570DC47D8}" sibTransId="{1114C752-8188-4E63-BFFC-E4081ACE9882}"/>
-    <dgm:cxn modelId="{59DDA576-1BA9-49E8-9D1D-361FF667A19A}" srcId="{B6E26FFC-9977-4BBC-BEC7-3D6B63754E52}" destId="{62831651-7C26-466C-BAA4-31EA8D14E47A}" srcOrd="1" destOrd="0" parTransId="{0F3EB6E4-07A5-4199-9C2F-8B91F53579FE}" sibTransId="{0D19FA60-5F9C-420B-AD2F-A0656A7F0783}"/>
-    <dgm:cxn modelId="{2986897A-7787-444F-B6C8-41F3823EF3C1}" srcId="{CF9055CF-8DEB-4A02-949A-DE72B6AC5D37}" destId="{082E8A29-955A-4C7C-A174-3E9DCD4DC89B}" srcOrd="0" destOrd="0" parTransId="{BA7938E6-8DFA-40B7-B4C4-EACC6D85FC31}" sibTransId="{C2176686-D23E-48EB-9D1B-1A1B46236638}"/>
-    <dgm:cxn modelId="{9CB4B27D-95A7-458D-A9CA-7754788DD095}" type="presOf" srcId="{62831651-7C26-466C-BAA4-31EA8D14E47A}" destId="{DAD9059A-916A-4916-A2A8-B42491568DD3}" srcOrd="0" destOrd="2" presId="urn:microsoft.com/office/officeart/2005/8/layout/hList6"/>
-    <dgm:cxn modelId="{67A03D8F-F327-4A9F-ABBC-1EB67EFD1ECB}" srcId="{082E8A29-955A-4C7C-A174-3E9DCD4DC89B}" destId="{23A0DE4A-FE92-496E-B335-3433CEFB74E9}" srcOrd="0" destOrd="0" parTransId="{68935D38-FEDC-4CD3-8002-43CB3944BEAF}" sibTransId="{55DF926D-029A-4E18-95C4-77A5A37CAE40}"/>
-    <dgm:cxn modelId="{97004F90-D1DB-4A84-A8AE-504DE1F07341}" srcId="{082E8A29-955A-4C7C-A174-3E9DCD4DC89B}" destId="{97AFB725-9839-43BA-B026-0DD6AA03AD9C}" srcOrd="1" destOrd="0" parTransId="{CC01022B-5039-457F-931E-79459E3C1DC4}" sibTransId="{D5C26250-A06D-4B41-BC14-92648809C21F}"/>
-    <dgm:cxn modelId="{A76240AD-13F6-40C0-BD9B-102D5EC0AE51}" srcId="{CF9055CF-8DEB-4A02-949A-DE72B6AC5D37}" destId="{E5E95E82-EF79-43CA-AA86-43B0E1CBCD3F}" srcOrd="3" destOrd="0" parTransId="{FD76A3AE-1B6C-45A0-8E84-63160283749F}" sibTransId="{BF76010C-5523-4E13-B3E7-886DCE6AEBD4}"/>
-    <dgm:cxn modelId="{1B8E71B0-2D3A-4AB0-8843-CFDACEDC3198}" srcId="{6D0E5D9F-7263-4526-A227-51301233F549}" destId="{F3256203-D9D1-492A-B801-68C1A32486F0}" srcOrd="0" destOrd="0" parTransId="{E9A20291-2E30-4C14-BB7D-DC095A20ECB6}" sibTransId="{6C9440D0-8847-40C0-98BC-2B5EA5745C3A}"/>
-    <dgm:cxn modelId="{FB8541C0-3895-4553-A4C7-34B81A3C4A0B}" srcId="{E5E95E82-EF79-43CA-AA86-43B0E1CBCD3F}" destId="{A81358E0-3DE7-41AD-A28C-ABB22548B1F6}" srcOrd="0" destOrd="0" parTransId="{262E0B94-6EA9-4797-B705-959D7B185F91}" sibTransId="{77756FBB-BF6C-4D78-803E-BCC851F1DA03}"/>
-    <dgm:cxn modelId="{C06DA1C3-D38F-43B1-B24E-E80592CC29EC}" type="presOf" srcId="{23A0DE4A-FE92-496E-B335-3433CEFB74E9}" destId="{98302F07-D6A9-46A5-9807-EBF6C9F5B2DD}" srcOrd="0" destOrd="1" presId="urn:microsoft.com/office/officeart/2005/8/layout/hList6"/>
-    <dgm:cxn modelId="{C8C462C6-33A3-4E8B-91FE-36DBE92F1C4A}" srcId="{CF9055CF-8DEB-4A02-949A-DE72B6AC5D37}" destId="{6D0E5D9F-7263-4526-A227-51301233F549}" srcOrd="2" destOrd="0" parTransId="{23416D07-25F8-426C-BC65-639E6BCF4D6D}" sibTransId="{DE289E29-1989-4D8E-8AA6-F030105B3F13}"/>
-    <dgm:cxn modelId="{ECB535CD-5106-41E2-A5E6-D382C3792033}" type="presOf" srcId="{357008B7-F3FD-489F-A410-81C9A9EFE4DA}" destId="{25A33852-3C4B-4406-8856-3A4D6201948C}" srcOrd="0" destOrd="2" presId="urn:microsoft.com/office/officeart/2005/8/layout/hList6"/>
-    <dgm:cxn modelId="{2FA258D4-5B38-426D-B0D7-CD8F217A1137}" type="presOf" srcId="{E5E95E82-EF79-43CA-AA86-43B0E1CBCD3F}" destId="{86146B22-5360-4D1B-AC91-3378F10134EE}" srcOrd="0" destOrd="0" presId="urn:microsoft.com/office/officeart/2005/8/layout/hList6"/>
-    <dgm:cxn modelId="{1B9593D8-0118-451B-8B48-CC6C91B73C1B}" type="presOf" srcId="{B86124A4-14C7-49C7-A342-9B2C2B94980B}" destId="{98302F07-D6A9-46A5-9807-EBF6C9F5B2DD}" srcOrd="0" destOrd="3" presId="urn:microsoft.com/office/officeart/2005/8/layout/hList6"/>
-    <dgm:cxn modelId="{3B50A2DD-8777-42C9-93E1-40A37E404C87}" type="presOf" srcId="{44B2544A-D122-4B95-A36C-B03D9E272B48}" destId="{DAD9059A-916A-4916-A2A8-B42491568DD3}" srcOrd="0" destOrd="3" presId="urn:microsoft.com/office/officeart/2005/8/layout/hList6"/>
-    <dgm:cxn modelId="{F89EA6DF-D106-435E-9337-D23286A767A6}" srcId="{B6E26FFC-9977-4BBC-BEC7-3D6B63754E52}" destId="{44B2544A-D122-4B95-A36C-B03D9E272B48}" srcOrd="2" destOrd="0" parTransId="{9EE40E78-C1B8-4A87-A668-53AD816CED24}" sibTransId="{F32DECE0-DC7F-4DCF-A10D-96A117A49197}"/>
-    <dgm:cxn modelId="{3C41F2E0-4620-40B4-9857-68872B278EFB}" srcId="{B6E26FFC-9977-4BBC-BEC7-3D6B63754E52}" destId="{CBCC21F5-552F-4D39-812E-6FCD4A366F58}" srcOrd="0" destOrd="0" parTransId="{4A973A1C-85F1-4969-A536-D29940229E2C}" sibTransId="{3640B940-6901-481F-ADF7-6B77DEEED764}"/>
-    <dgm:cxn modelId="{24179AE2-AA7E-4702-A358-E95F80152CCA}" type="presOf" srcId="{CF9055CF-8DEB-4A02-949A-DE72B6AC5D37}" destId="{6F1872F4-A030-4D64-A17C-72EA1ABBD62E}" srcOrd="0" destOrd="0" presId="urn:microsoft.com/office/officeart/2005/8/layout/hList6"/>
-    <dgm:cxn modelId="{CC1A92EB-2672-4443-858D-BCA16F76F740}" type="presOf" srcId="{F3256203-D9D1-492A-B801-68C1A32486F0}" destId="{25A33852-3C4B-4406-8856-3A4D6201948C}" srcOrd="0" destOrd="1" presId="urn:microsoft.com/office/officeart/2005/8/layout/hList6"/>
-    <dgm:cxn modelId="{D4055BC1-25B1-4CD1-BF08-20C154FADF73}" type="presParOf" srcId="{6F1872F4-A030-4D64-A17C-72EA1ABBD62E}" destId="{98302F07-D6A9-46A5-9807-EBF6C9F5B2DD}" srcOrd="0" destOrd="0" presId="urn:microsoft.com/office/officeart/2005/8/layout/hList6"/>
-    <dgm:cxn modelId="{584E2F3E-994B-49B2-AD46-0E8D6E4A468B}" type="presParOf" srcId="{6F1872F4-A030-4D64-A17C-72EA1ABBD62E}" destId="{6681DF6F-8E98-430C-9A87-14BEC6C3269E}" srcOrd="1" destOrd="0" presId="urn:microsoft.com/office/officeart/2005/8/layout/hList6"/>
-    <dgm:cxn modelId="{FD54A181-98DF-439C-9CA4-93CD1333DEC4}" type="presParOf" srcId="{6F1872F4-A030-4D64-A17C-72EA1ABBD62E}" destId="{DAD9059A-916A-4916-A2A8-B42491568DD3}" srcOrd="2" destOrd="0" presId="urn:microsoft.com/office/officeart/2005/8/layout/hList6"/>
-    <dgm:cxn modelId="{B910F504-589D-4168-B820-FECB0EF26955}" type="presParOf" srcId="{6F1872F4-A030-4D64-A17C-72EA1ABBD62E}" destId="{39AEACD1-F8CF-4528-8379-DAA829B3790B}" srcOrd="3" destOrd="0" presId="urn:microsoft.com/office/officeart/2005/8/layout/hList6"/>
-    <dgm:cxn modelId="{AEDC4C6E-DC7C-4364-8563-E748313EFA17}" type="presParOf" srcId="{6F1872F4-A030-4D64-A17C-72EA1ABBD62E}" destId="{25A33852-3C4B-4406-8856-3A4D6201948C}" srcOrd="4" destOrd="0" presId="urn:microsoft.com/office/officeart/2005/8/layout/hList6"/>
-    <dgm:cxn modelId="{CBF7D188-2B16-4153-AEAE-C484C833188A}" type="presParOf" srcId="{6F1872F4-A030-4D64-A17C-72EA1ABBD62E}" destId="{562EDDC3-60FD-463F-A6DB-A597D604B642}" srcOrd="5" destOrd="0" presId="urn:microsoft.com/office/officeart/2005/8/layout/hList6"/>
-    <dgm:cxn modelId="{A7220034-7FD2-4082-91F9-5EDDE0F524D0}" type="presParOf" srcId="{6F1872F4-A030-4D64-A17C-72EA1ABBD62E}" destId="{86146B22-5360-4D1B-AC91-3378F10134EE}" srcOrd="6" destOrd="0" presId="urn:microsoft.com/office/officeart/2005/8/layout/hList6"/>
-  </dgm:cxnLst>
-  <dgm:bg/>
-  <dgm:whole/>
-  <dgm:extLst>
-    <a:ext uri="http://schemas.microsoft.com/office/drawing/2008/diagram">
-      <dsp:dataModelExt xmlns:dsp="http://schemas.microsoft.com/office/drawing/2008/diagram" relId="rId7" minVer="http://schemas.openxmlformats.org/drawingml/2006/diagram"/>
-    </a:ext>
-  </dgm:extLst>
-</dgm:dataModel>
-</file>
-
-<file path=ppt/diagrams/drawing1.xml><?xml version="1.0" encoding="utf-8"?>
-<dsp:drawing xmlns:dgm="http://schemas.openxmlformats.org/drawingml/2006/diagram" xmlns:dsp="http://schemas.microsoft.com/office/drawing/2008/diagram" xmlns:a="http://schemas.openxmlformats.org/drawingml/2006/main">
-  <dsp:spTree>
-    <dsp:nvGrpSpPr>
-      <dsp:cNvPr id="0" name=""/>
-      <dsp:cNvGrpSpPr/>
-    </dsp:nvGrpSpPr>
-    <dsp:grpSpPr/>
-    <dsp:sp modelId="{98302F07-D6A9-46A5-9807-EBF6C9F5B2DD}">
-      <dsp:nvSpPr>
-        <dsp:cNvPr id="0" name=""/>
-        <dsp:cNvSpPr/>
-      </dsp:nvSpPr>
-      <dsp:spPr>
-        <a:xfrm rot="16200000">
-          <a:off x="-921821" y="923893"/>
-          <a:ext cx="3881437" cy="2033649"/>
-        </a:xfrm>
-        <a:prstGeom prst="flowChartManualOperation">
-          <a:avLst/>
-        </a:prstGeom>
-        <a:gradFill rotWithShape="0">
-          <a:gsLst>
-            <a:gs pos="0">
-              <a:schemeClr val="accent1">
-                <a:hueOff val="0"/>
-                <a:satOff val="0"/>
-                <a:lumOff val="0"/>
-                <a:alphaOff val="0"/>
-                <a:tint val="65000"/>
-                <a:lumMod val="110000"/>
-              </a:schemeClr>
-            </a:gs>
-            <a:gs pos="88000">
-              <a:schemeClr val="accent1">
-                <a:hueOff val="0"/>
-                <a:satOff val="0"/>
-                <a:lumOff val="0"/>
-                <a:alphaOff val="0"/>
-                <a:tint val="90000"/>
-              </a:schemeClr>
-            </a:gs>
-          </a:gsLst>
-          <a:lin ang="5400000" scaled="0"/>
-        </a:gradFill>
-        <a:ln>
-          <a:noFill/>
-        </a:ln>
-        <a:effectLst/>
-        <a:scene3d>
-          <a:camera prst="orthographicFront"/>
-          <a:lightRig rig="flat" dir="t"/>
-        </a:scene3d>
-        <a:sp3d prstMaterial="dkEdge">
-          <a:bevelT w="8200" h="38100"/>
-        </a:sp3d>
-      </dsp:spPr>
-      <dsp:style>
-        <a:lnRef idx="0">
-          <a:scrgbClr r="0" g="0" b="0"/>
-        </a:lnRef>
-        <a:fillRef idx="2">
-          <a:scrgbClr r="0" g="0" b="0"/>
-        </a:fillRef>
-        <a:effectRef idx="1">
-          <a:scrgbClr r="0" g="0" b="0"/>
-        </a:effectRef>
-        <a:fontRef idx="minor">
-          <a:schemeClr val="dk1"/>
-        </a:fontRef>
-      </dsp:style>
-      <dsp:txBody>
-        <a:bodyPr spcFirstLastPara="0" vert="horz" wrap="square" lIns="133350" tIns="0" rIns="132953" bIns="0" numCol="1" spcCol="1270" rtlCol="0" anchor="t" anchorCtr="0">
-          <a:noAutofit/>
-        </a:bodyPr>
-        <a:lstStyle/>
-        <a:p>
-          <a:pPr marL="0" lvl="0" indent="0" algn="l" defTabSz="933450" rtl="0">
-            <a:lnSpc>
-              <a:spcPct val="90000"/>
-            </a:lnSpc>
-            <a:spcBef>
-              <a:spcPct val="0"/>
-            </a:spcBef>
-            <a:spcAft>
-              <a:spcPct val="35000"/>
-            </a:spcAft>
-            <a:buNone/>
-          </a:pPr>
-          <a:r>
-            <a:rPr lang="nl-NL" sz="2100" kern="1200" noProof="0" dirty="0"/>
-            <a:t>Titel stap 1</a:t>
-          </a:r>
-        </a:p>
-        <a:p>
-          <a:pPr marL="171450" lvl="1" indent="-171450" algn="l" defTabSz="711200" rtl="0">
-            <a:lnSpc>
-              <a:spcPct val="90000"/>
-            </a:lnSpc>
-            <a:spcBef>
-              <a:spcPct val="0"/>
-            </a:spcBef>
-            <a:spcAft>
-              <a:spcPct val="15000"/>
-            </a:spcAft>
-            <a:buChar char="•"/>
-          </a:pPr>
-          <a:r>
-            <a:rPr lang="nl-NL" sz="1600" kern="1200" noProof="0" dirty="0"/>
-            <a:t>Taakomschrijving</a:t>
-          </a:r>
-        </a:p>
-        <a:p>
-          <a:pPr marL="171450" lvl="1" indent="-171450" algn="l" defTabSz="711200" rtl="0">
-            <a:lnSpc>
-              <a:spcPct val="90000"/>
-            </a:lnSpc>
-            <a:spcBef>
-              <a:spcPct val="0"/>
-            </a:spcBef>
-            <a:spcAft>
-              <a:spcPct val="15000"/>
-            </a:spcAft>
-            <a:buChar char="•"/>
-          </a:pPr>
-          <a:r>
-            <a:rPr lang="nl-NL" sz="1600" kern="1200" noProof="0" dirty="0"/>
-            <a:t>Taakomschrijving</a:t>
-          </a:r>
-        </a:p>
-        <a:p>
-          <a:pPr marL="171450" lvl="1" indent="-171450" algn="l" defTabSz="711200" rtl="0">
-            <a:lnSpc>
-              <a:spcPct val="90000"/>
-            </a:lnSpc>
-            <a:spcBef>
-              <a:spcPct val="0"/>
-            </a:spcBef>
-            <a:spcAft>
-              <a:spcPct val="15000"/>
-            </a:spcAft>
-            <a:buChar char="•"/>
-          </a:pPr>
-          <a:r>
-            <a:rPr lang="nl-NL" sz="1600" kern="1200" noProof="0" dirty="0"/>
-            <a:t>Taakomschrijving</a:t>
-          </a:r>
-        </a:p>
-        <a:p>
-          <a:pPr marL="171450" lvl="1" indent="-171450" algn="l" defTabSz="711200" rtl="0">
-            <a:lnSpc>
-              <a:spcPct val="90000"/>
-            </a:lnSpc>
-            <a:spcBef>
-              <a:spcPct val="0"/>
-            </a:spcBef>
-            <a:spcAft>
-              <a:spcPct val="15000"/>
-            </a:spcAft>
-            <a:buChar char="•"/>
-          </a:pPr>
-          <a:r>
-            <a:rPr lang="nl-NL" sz="1600" kern="1200" noProof="0" dirty="0"/>
-            <a:t>Taakomschrijving</a:t>
-          </a:r>
-        </a:p>
-      </dsp:txBody>
-      <dsp:txXfrm rot="5400000">
-        <a:off x="2073" y="776286"/>
-        <a:ext cx="2033649" cy="2328863"/>
-      </dsp:txXfrm>
-    </dsp:sp>
-    <dsp:sp modelId="{DAD9059A-916A-4916-A2A8-B42491568DD3}">
-      <dsp:nvSpPr>
-        <dsp:cNvPr id="0" name=""/>
-        <dsp:cNvSpPr/>
-      </dsp:nvSpPr>
-      <dsp:spPr>
-        <a:xfrm rot="16200000">
-          <a:off x="1264351" y="923893"/>
-          <a:ext cx="3881437" cy="2033649"/>
-        </a:xfrm>
-        <a:prstGeom prst="flowChartManualOperation">
-          <a:avLst/>
-        </a:prstGeom>
-        <a:gradFill rotWithShape="0">
-          <a:gsLst>
-            <a:gs pos="0">
-              <a:schemeClr val="accent1">
-                <a:hueOff val="0"/>
-                <a:satOff val="0"/>
-                <a:lumOff val="0"/>
-                <a:alphaOff val="0"/>
-                <a:tint val="65000"/>
-                <a:lumMod val="110000"/>
-              </a:schemeClr>
-            </a:gs>
-            <a:gs pos="88000">
-              <a:schemeClr val="accent1">
-                <a:hueOff val="0"/>
-                <a:satOff val="0"/>
-                <a:lumOff val="0"/>
-                <a:alphaOff val="0"/>
-                <a:tint val="90000"/>
-              </a:schemeClr>
-            </a:gs>
-          </a:gsLst>
-          <a:lin ang="5400000" scaled="0"/>
-        </a:gradFill>
-        <a:ln>
-          <a:noFill/>
-        </a:ln>
-        <a:effectLst/>
-        <a:scene3d>
-          <a:camera prst="orthographicFront"/>
-          <a:lightRig rig="flat" dir="t"/>
-        </a:scene3d>
-        <a:sp3d prstMaterial="dkEdge">
-          <a:bevelT w="8200" h="38100"/>
-        </a:sp3d>
-      </dsp:spPr>
-      <dsp:style>
-        <a:lnRef idx="0">
-          <a:scrgbClr r="0" g="0" b="0"/>
-        </a:lnRef>
-        <a:fillRef idx="2">
-          <a:scrgbClr r="0" g="0" b="0"/>
-        </a:fillRef>
-        <a:effectRef idx="1">
-          <a:scrgbClr r="0" g="0" b="0"/>
-        </a:effectRef>
-        <a:fontRef idx="minor">
-          <a:schemeClr val="dk1"/>
-        </a:fontRef>
-      </dsp:style>
-      <dsp:txBody>
-        <a:bodyPr spcFirstLastPara="0" vert="horz" wrap="square" lIns="133350" tIns="0" rIns="132953" bIns="0" numCol="1" spcCol="1270" rtlCol="0" anchor="t" anchorCtr="0">
-          <a:noAutofit/>
-        </a:bodyPr>
-        <a:lstStyle/>
-        <a:p>
-          <a:pPr marL="0" lvl="0" indent="0" algn="l" defTabSz="933450" rtl="0">
-            <a:lnSpc>
-              <a:spcPct val="90000"/>
-            </a:lnSpc>
-            <a:spcBef>
-              <a:spcPct val="0"/>
-            </a:spcBef>
-            <a:spcAft>
-              <a:spcPct val="35000"/>
-            </a:spcAft>
-            <a:buNone/>
-          </a:pPr>
-          <a:r>
-            <a:rPr lang="nl-NL" sz="2100" kern="1200" noProof="0" dirty="0"/>
-            <a:t>Titel stap 2</a:t>
-          </a:r>
-        </a:p>
-        <a:p>
-          <a:pPr marL="171450" lvl="1" indent="-171450" algn="l" defTabSz="711200" rtl="0">
-            <a:lnSpc>
-              <a:spcPct val="90000"/>
-            </a:lnSpc>
-            <a:spcBef>
-              <a:spcPct val="0"/>
-            </a:spcBef>
-            <a:spcAft>
-              <a:spcPct val="15000"/>
-            </a:spcAft>
-            <a:buChar char="•"/>
-          </a:pPr>
-          <a:r>
-            <a:rPr lang="nl-NL" sz="1600" kern="1200" noProof="0" dirty="0"/>
-            <a:t>Taakomschrijving</a:t>
-          </a:r>
-        </a:p>
-        <a:p>
-          <a:pPr marL="171450" lvl="1" indent="-171450" algn="l" defTabSz="711200" rtl="0">
-            <a:lnSpc>
-              <a:spcPct val="90000"/>
-            </a:lnSpc>
-            <a:spcBef>
-              <a:spcPct val="0"/>
-            </a:spcBef>
-            <a:spcAft>
-              <a:spcPct val="15000"/>
-            </a:spcAft>
-            <a:buChar char="•"/>
-          </a:pPr>
-          <a:r>
-            <a:rPr lang="nl-NL" sz="1600" kern="1200" noProof="0" dirty="0"/>
-            <a:t>Taakomschrijving</a:t>
-          </a:r>
-        </a:p>
-        <a:p>
-          <a:pPr marL="171450" lvl="1" indent="-171450" algn="l" defTabSz="711200" rtl="0">
-            <a:lnSpc>
-              <a:spcPct val="90000"/>
-            </a:lnSpc>
-            <a:spcBef>
-              <a:spcPct val="0"/>
-            </a:spcBef>
-            <a:spcAft>
-              <a:spcPct val="15000"/>
-            </a:spcAft>
-            <a:buChar char="•"/>
-          </a:pPr>
-          <a:r>
-            <a:rPr lang="nl-NL" sz="1600" kern="1200" noProof="0" dirty="0"/>
-            <a:t>Taakomschrijving</a:t>
-          </a:r>
-        </a:p>
-      </dsp:txBody>
-      <dsp:txXfrm rot="5400000">
-        <a:off x="2188245" y="776286"/>
-        <a:ext cx="2033649" cy="2328863"/>
-      </dsp:txXfrm>
-    </dsp:sp>
-    <dsp:sp modelId="{25A33852-3C4B-4406-8856-3A4D6201948C}">
-      <dsp:nvSpPr>
-        <dsp:cNvPr id="0" name=""/>
-        <dsp:cNvSpPr/>
-      </dsp:nvSpPr>
-      <dsp:spPr>
-        <a:xfrm rot="16200000">
-          <a:off x="3450523" y="923893"/>
-          <a:ext cx="3881437" cy="2033649"/>
-        </a:xfrm>
-        <a:prstGeom prst="flowChartManualOperation">
-          <a:avLst/>
-        </a:prstGeom>
-        <a:gradFill rotWithShape="0">
-          <a:gsLst>
-            <a:gs pos="0">
-              <a:schemeClr val="accent1">
-                <a:hueOff val="0"/>
-                <a:satOff val="0"/>
-                <a:lumOff val="0"/>
-                <a:alphaOff val="0"/>
-                <a:tint val="65000"/>
-                <a:lumMod val="110000"/>
-              </a:schemeClr>
-            </a:gs>
-            <a:gs pos="88000">
-              <a:schemeClr val="accent1">
-                <a:hueOff val="0"/>
-                <a:satOff val="0"/>
-                <a:lumOff val="0"/>
-                <a:alphaOff val="0"/>
-                <a:tint val="90000"/>
-              </a:schemeClr>
-            </a:gs>
-          </a:gsLst>
-          <a:lin ang="5400000" scaled="0"/>
-        </a:gradFill>
-        <a:ln>
-          <a:noFill/>
-        </a:ln>
-        <a:effectLst/>
-        <a:scene3d>
-          <a:camera prst="orthographicFront"/>
-          <a:lightRig rig="flat" dir="t"/>
-        </a:scene3d>
-        <a:sp3d prstMaterial="dkEdge">
-          <a:bevelT w="8200" h="38100"/>
-        </a:sp3d>
-      </dsp:spPr>
-      <dsp:style>
-        <a:lnRef idx="0">
-          <a:scrgbClr r="0" g="0" b="0"/>
-        </a:lnRef>
-        <a:fillRef idx="2">
-          <a:scrgbClr r="0" g="0" b="0"/>
-        </a:fillRef>
-        <a:effectRef idx="1">
-          <a:scrgbClr r="0" g="0" b="0"/>
-        </a:effectRef>
-        <a:fontRef idx="minor">
-          <a:schemeClr val="dk1"/>
-        </a:fontRef>
-      </dsp:style>
-      <dsp:txBody>
-        <a:bodyPr spcFirstLastPara="0" vert="horz" wrap="square" lIns="133350" tIns="0" rIns="132953" bIns="0" numCol="1" spcCol="1270" rtlCol="0" anchor="t" anchorCtr="0">
-          <a:noAutofit/>
-        </a:bodyPr>
-        <a:lstStyle/>
-        <a:p>
-          <a:pPr marL="0" lvl="0" indent="0" algn="l" defTabSz="933450" rtl="0">
-            <a:lnSpc>
-              <a:spcPct val="90000"/>
-            </a:lnSpc>
-            <a:spcBef>
-              <a:spcPct val="0"/>
-            </a:spcBef>
-            <a:spcAft>
-              <a:spcPct val="35000"/>
-            </a:spcAft>
-            <a:buNone/>
-          </a:pPr>
-          <a:r>
-            <a:rPr lang="nl-NL" sz="2100" kern="1200" noProof="0" dirty="0"/>
-            <a:t>Titel stap 3</a:t>
-          </a:r>
-        </a:p>
-        <a:p>
-          <a:pPr marL="171450" lvl="1" indent="-171450" algn="l" defTabSz="711200" rtl="0">
-            <a:lnSpc>
-              <a:spcPct val="90000"/>
-            </a:lnSpc>
-            <a:spcBef>
-              <a:spcPct val="0"/>
-            </a:spcBef>
-            <a:spcAft>
-              <a:spcPct val="15000"/>
-            </a:spcAft>
-            <a:buChar char="•"/>
-          </a:pPr>
-          <a:r>
-            <a:rPr lang="nl-NL" sz="1600" kern="1200" noProof="0" dirty="0"/>
-            <a:t>Taakomschrijving</a:t>
-          </a:r>
-        </a:p>
-        <a:p>
-          <a:pPr marL="171450" lvl="1" indent="-171450" algn="l" defTabSz="711200" rtl="0">
-            <a:lnSpc>
-              <a:spcPct val="90000"/>
-            </a:lnSpc>
-            <a:spcBef>
-              <a:spcPct val="0"/>
-            </a:spcBef>
-            <a:spcAft>
-              <a:spcPct val="15000"/>
-            </a:spcAft>
-            <a:buChar char="•"/>
-          </a:pPr>
-          <a:r>
-            <a:rPr lang="nl-NL" sz="1600" kern="1200" noProof="0" dirty="0"/>
-            <a:t>Taakomschrijving</a:t>
-          </a:r>
-        </a:p>
-      </dsp:txBody>
-      <dsp:txXfrm rot="5400000">
-        <a:off x="4374417" y="776286"/>
-        <a:ext cx="2033649" cy="2328863"/>
-      </dsp:txXfrm>
-    </dsp:sp>
-    <dsp:sp modelId="{86146B22-5360-4D1B-AC91-3378F10134EE}">
-      <dsp:nvSpPr>
-        <dsp:cNvPr id="0" name=""/>
-        <dsp:cNvSpPr/>
-      </dsp:nvSpPr>
-      <dsp:spPr>
-        <a:xfrm rot="16200000">
-          <a:off x="5636696" y="923893"/>
-          <a:ext cx="3881437" cy="2033649"/>
-        </a:xfrm>
-        <a:prstGeom prst="flowChartManualOperation">
-          <a:avLst/>
-        </a:prstGeom>
-        <a:gradFill rotWithShape="0">
-          <a:gsLst>
-            <a:gs pos="0">
-              <a:schemeClr val="accent1">
-                <a:hueOff val="0"/>
-                <a:satOff val="0"/>
-                <a:lumOff val="0"/>
-                <a:alphaOff val="0"/>
-                <a:tint val="65000"/>
-                <a:lumMod val="110000"/>
-              </a:schemeClr>
-            </a:gs>
-            <a:gs pos="88000">
-              <a:schemeClr val="accent1">
-                <a:hueOff val="0"/>
-                <a:satOff val="0"/>
-                <a:lumOff val="0"/>
-                <a:alphaOff val="0"/>
-                <a:tint val="90000"/>
-              </a:schemeClr>
-            </a:gs>
-          </a:gsLst>
-          <a:lin ang="5400000" scaled="0"/>
-        </a:gradFill>
-        <a:ln>
-          <a:noFill/>
-        </a:ln>
-        <a:effectLst/>
-        <a:scene3d>
-          <a:camera prst="orthographicFront"/>
-          <a:lightRig rig="flat" dir="t"/>
-        </a:scene3d>
-        <a:sp3d prstMaterial="dkEdge">
-          <a:bevelT w="8200" h="38100"/>
-        </a:sp3d>
-      </dsp:spPr>
-      <dsp:style>
-        <a:lnRef idx="0">
-          <a:scrgbClr r="0" g="0" b="0"/>
-        </a:lnRef>
-        <a:fillRef idx="2">
-          <a:scrgbClr r="0" g="0" b="0"/>
-        </a:fillRef>
-        <a:effectRef idx="1">
-          <a:scrgbClr r="0" g="0" b="0"/>
-        </a:effectRef>
-        <a:fontRef idx="minor">
-          <a:schemeClr val="dk1"/>
-        </a:fontRef>
-      </dsp:style>
-      <dsp:txBody>
-        <a:bodyPr spcFirstLastPara="0" vert="horz" wrap="square" lIns="133350" tIns="0" rIns="132953" bIns="0" numCol="1" spcCol="1270" rtlCol="0" anchor="t" anchorCtr="0">
-          <a:noAutofit/>
-        </a:bodyPr>
-        <a:lstStyle/>
-        <a:p>
-          <a:pPr marL="0" lvl="0" indent="0" algn="l" defTabSz="933450" rtl="0">
-            <a:lnSpc>
-              <a:spcPct val="90000"/>
-            </a:lnSpc>
-            <a:spcBef>
-              <a:spcPct val="0"/>
-            </a:spcBef>
-            <a:spcAft>
-              <a:spcPct val="35000"/>
-            </a:spcAft>
-            <a:buNone/>
-          </a:pPr>
-          <a:r>
-            <a:rPr lang="nl-NL" sz="2100" kern="1200" noProof="0" dirty="0"/>
-            <a:t>Titel stap 4</a:t>
-          </a:r>
-        </a:p>
-        <a:p>
-          <a:pPr marL="171450" lvl="1" indent="-171450" algn="l" defTabSz="711200" rtl="0">
-            <a:lnSpc>
-              <a:spcPct val="90000"/>
-            </a:lnSpc>
-            <a:spcBef>
-              <a:spcPct val="0"/>
-            </a:spcBef>
-            <a:spcAft>
-              <a:spcPct val="15000"/>
-            </a:spcAft>
-            <a:buChar char="•"/>
-          </a:pPr>
-          <a:r>
-            <a:rPr lang="nl-NL" sz="1600" kern="1200" noProof="0" dirty="0"/>
-            <a:t>Taakomschrijving</a:t>
-          </a:r>
-        </a:p>
-        <a:p>
-          <a:pPr marL="171450" lvl="1" indent="-171450" algn="l" defTabSz="711200" rtl="0">
-            <a:lnSpc>
-              <a:spcPct val="90000"/>
-            </a:lnSpc>
-            <a:spcBef>
-              <a:spcPct val="0"/>
-            </a:spcBef>
-            <a:spcAft>
-              <a:spcPct val="15000"/>
-            </a:spcAft>
-            <a:buChar char="•"/>
-          </a:pPr>
-          <a:r>
-            <a:rPr lang="nl-NL" sz="1600" kern="1200" noProof="0" dirty="0"/>
-            <a:t>Taakomschrijving</a:t>
-          </a:r>
-        </a:p>
-      </dsp:txBody>
-      <dsp:txXfrm rot="5400000">
-        <a:off x="6560590" y="776286"/>
-        <a:ext cx="2033649" cy="2328863"/>
-      </dsp:txXfrm>
-    </dsp:sp>
-  </dsp:spTree>
-</dsp:drawing>
-</file>
-
-<file path=ppt/diagrams/layout1.xml><?xml version="1.0" encoding="utf-8"?>
-<dgm:layoutDef xmlns:dgm="http://schemas.openxmlformats.org/drawingml/2006/diagram" xmlns:a="http://schemas.openxmlformats.org/drawingml/2006/main" uniqueId="urn:microsoft.com/office/officeart/2005/8/layout/hList6">
-  <dgm:title val=""/>
-  <dgm:desc val=""/>
-  <dgm:catLst>
-    <dgm:cat type="list" pri="18000"/>
-  </dgm:catLst>
-  <dgm:sampData>
-    <dgm:dataModel>
-      <dgm:ptLst>
-        <dgm:pt modelId="0" type="doc"/>
-        <dgm:pt modelId="1">
-          <dgm:prSet phldr="1"/>
-        </dgm:pt>
-        <dgm:pt modelId="11">
-          <dgm:prSet phldr="1"/>
-        </dgm:pt>
-        <dgm:pt modelId="12">
-          <dgm:prSet phldr="1"/>
-        </dgm:pt>
-        <dgm:pt modelId="2">
-          <dgm:prSet phldr="1"/>
-        </dgm:pt>
-        <dgm:pt modelId="21">
-          <dgm:prSet phldr="1"/>
-        </dgm:pt>
-        <dgm:pt modelId="22">
-          <dgm:prSet phldr="1"/>
-        </dgm:pt>
-        <dgm:pt modelId="3">
-          <dgm:prSet phldr="1"/>
-        </dgm:pt>
-        <dgm:pt modelId="31">
-          <dgm:prSet phldr="1"/>
-        </dgm:pt>
-        <dgm:pt modelId="32">
-          <dgm:prSet phldr="1"/>
-        </dgm:pt>
-      </dgm:ptLst>
-      <dgm:cxnLst>
-        <dgm:cxn modelId="4" srcId="0" destId="1" srcOrd="0" destOrd="0"/>
-        <dgm:cxn modelId="5" srcId="0" destId="2" srcOrd="1" destOrd="0"/>
-        <dgm:cxn modelId="6" srcId="0" destId="3" srcOrd="2" destOrd="0"/>
-        <dgm:cxn modelId="13" srcId="1" destId="11" srcOrd="0" destOrd="0"/>
-        <dgm:cxn modelId="14" srcId="1" destId="12" srcOrd="1" destOrd="0"/>
-        <dgm:cxn modelId="23" srcId="2" destId="21" srcOrd="0" destOrd="0"/>
-        <dgm:cxn modelId="24" srcId="2" destId="22" srcOrd="1" destOrd="0"/>
-        <dgm:cxn modelId="33" srcId="3" destId="31" srcOrd="0" destOrd="0"/>
-        <dgm:cxn modelId="34" srcId="3" destId="32" srcOrd="1" destOrd="0"/>
-      </dgm:cxnLst>
-      <dgm:bg/>
-      <dgm:whole/>
-    </dgm:dataModel>
-  </dgm:sampData>
-  <dgm:styleData>
-    <dgm:dataModel>
-      <dgm:ptLst>
-        <dgm:pt modelId="0" type="doc"/>
-        <dgm:pt modelId="1"/>
-        <dgm:pt modelId="11"/>
-        <dgm:pt modelId="2"/>
-        <dgm:pt modelId="21"/>
-      </dgm:ptLst>
-      <dgm:cxnLst>
-        <dgm:cxn modelId="4" srcId="0" destId="1" srcOrd="0" destOrd="0"/>
-        <dgm:cxn modelId="5" srcId="0" destId="2" srcOrd="1" destOrd="0"/>
-        <dgm:cxn modelId="13" srcId="1" destId="11" srcOrd="0" destOrd="0"/>
-        <dgm:cxn modelId="23" srcId="2" destId="21" srcOrd="0" destOrd="0"/>
-      </dgm:cxnLst>
-      <dgm:bg/>
-      <dgm:whole/>
-    </dgm:dataModel>
-  </dgm:styleData>
-  <dgm:clrData>
-    <dgm:dataModel>
-      <dgm:ptLst>
-        <dgm:pt modelId="0" type="doc"/>
-        <dgm:pt modelId="1"/>
-        <dgm:pt modelId="11"/>
-        <dgm:pt modelId="2"/>
-        <dgm:pt modelId="21"/>
-        <dgm:pt modelId="3"/>
-        <dgm:pt modelId="31"/>
-        <dgm:pt modelId="4"/>
-        <dgm:pt modelId="41"/>
-      </dgm:ptLst>
-      <dgm:cxnLst>
-        <dgm:cxn modelId="5" srcId="0" destId="1" srcOrd="0" destOrd="0"/>
-        <dgm:cxn modelId="6" srcId="0" destId="2" srcOrd="1" destOrd="0"/>
-        <dgm:cxn modelId="7" srcId="0" destId="3" srcOrd="2" destOrd="0"/>
-        <dgm:cxn modelId="8" srcId="0" destId="4" srcOrd="3" destOrd="0"/>
-        <dgm:cxn modelId="13" srcId="1" destId="11" srcOrd="0" destOrd="0"/>
-        <dgm:cxn modelId="23" srcId="2" destId="21" srcOrd="0" destOrd="0"/>
-        <dgm:cxn modelId="33" srcId="3" destId="31" srcOrd="0" destOrd="0"/>
-        <dgm:cxn modelId="43" srcId="4" destId="41" srcOrd="0" destOrd="0"/>
-      </dgm:cxnLst>
-      <dgm:bg/>
-      <dgm:whole/>
-    </dgm:dataModel>
-  </dgm:clrData>
-  <dgm:layoutNode name="Name0">
-    <dgm:varLst>
-      <dgm:dir/>
-      <dgm:resizeHandles val="exact"/>
-    </dgm:varLst>
-    <dgm:choose name="Name1">
-      <dgm:if name="Name2" func="var" arg="dir" op="equ" val="norm">
-        <dgm:alg type="lin"/>
-      </dgm:if>
-      <dgm:else name="Name3">
-        <dgm:alg type="lin">
-          <dgm:param type="linDir" val="fromR"/>
-        </dgm:alg>
-      </dgm:else>
-    </dgm:choose>
-    <dgm:shape xmlns:r="http://schemas.openxmlformats.org/officeDocument/2006/relationships" r:blip="">
-      <dgm:adjLst/>
-    </dgm:shape>
-    <dgm:presOf/>
-    <dgm:constrLst>
-      <dgm:constr type="h" for="ch" ptType="node" refType="h"/>
-      <dgm:constr type="w" for="ch" ptType="node" refType="w"/>
-      <dgm:constr type="primFontSz" for="ch" ptType="node" op="equ"/>
-      <dgm:constr type="w" for="ch" forName="sibTrans" refType="w" fact="0.075"/>
-    </dgm:constrLst>
-    <dgm:ruleLst/>
-    <dgm:forEach name="nodesForEach" axis="ch" ptType="node">
-      <dgm:layoutNode name="node">
-        <dgm:varLst>
-          <dgm:bulletEnabled val="1"/>
-        </dgm:varLst>
-        <dgm:alg type="tx"/>
-        <dgm:choose name="Name4">
-          <dgm:if name="Name5" func="var" arg="dir" op="equ" val="norm">
-            <dgm:shape xmlns:r="http://schemas.openxmlformats.org/officeDocument/2006/relationships" rot="-90" type="flowChartManualOperation" r:blip="">
-              <dgm:adjLst/>
-            </dgm:shape>
-          </dgm:if>
-          <dgm:else name="Name6">
-            <dgm:shape xmlns:r="http://schemas.openxmlformats.org/officeDocument/2006/relationships" rot="90" type="flowChartManualOperation" r:blip="">
-              <dgm:adjLst/>
-            </dgm:shape>
-          </dgm:else>
-        </dgm:choose>
-        <dgm:presOf axis="desOrSelf" ptType="node"/>
-        <dgm:constrLst>
-          <dgm:constr type="primFontSz" val="65"/>
-          <dgm:constr type="tMarg"/>
-          <dgm:constr type="bMarg"/>
-          <dgm:constr type="lMarg" refType="primFontSz" fact="0.5"/>
-          <dgm:constr type="rMarg" refType="lMarg"/>
-        </dgm:constrLst>
-        <dgm:ruleLst>
-          <dgm:rule type="primFontSz" val="5" fact="NaN" max="NaN"/>
-        </dgm:ruleLst>
-      </dgm:layoutNode>
-      <dgm:forEach name="sibTransForEach" axis="followSib" ptType="sibTrans" cnt="1">
-        <dgm:layoutNode name="sibTrans">
-          <dgm:alg type="sp"/>
-          <dgm:shape xmlns:r="http://schemas.openxmlformats.org/officeDocument/2006/relationships" r:blip="">
-            <dgm:adjLst/>
-          </dgm:shape>
-          <dgm:presOf/>
-          <dgm:constrLst/>
-          <dgm:ruleLst/>
-        </dgm:layoutNode>
-      </dgm:forEach>
-    </dgm:forEach>
-  </dgm:layoutNode>
-</dgm:layoutDef>
-</file>
-
-<file path=ppt/diagrams/quickStyle1.xml><?xml version="1.0" encoding="utf-8"?>
-<dgm:styleDef xmlns:dgm="http://schemas.openxmlformats.org/drawingml/2006/diagram" xmlns:a="http://schemas.openxmlformats.org/drawingml/2006/main" uniqueId="urn:microsoft.com/office/officeart/2005/8/quickstyle/simple3">
-  <dgm:title val=""/>
-  <dgm:desc val=""/>
-  <dgm:catLst>
-    <dgm:cat type="simple" pri="10300"/>
-  </dgm:catLst>
-  <dgm:scene3d>
-    <a:camera prst="orthographicFront"/>
-    <a:lightRig rig="threePt" dir="t"/>
-  </dgm:scene3d>
-  <dgm:styleLbl name="node0">
-    <dgm:scene3d>
-      <a:camera prst="orthographicFront"/>
-      <a:lightRig rig="flat" dir="t"/>
-    </dgm:scene3d>
-    <dgm:sp3d prstMaterial="dkEdge">
-      <a:bevelT w="8200" h="38100"/>
-    </dgm:sp3d>
-    <dgm:txPr/>
-    <dgm:style>
-      <a:lnRef idx="0">
-        <a:scrgbClr r="0" g="0" b="0"/>
-      </a:lnRef>
-      <a:fillRef idx="2">
-        <a:scrgbClr r="0" g="0" b="0"/>
-      </a:fillRef>
-      <a:effectRef idx="1">
-        <a:scrgbClr r="0" g="0" b="0"/>
-      </a:effectRef>
-      <a:fontRef idx="minor">
-        <a:schemeClr val="dk1"/>
-      </a:fontRef>
-    </dgm:style>
-  </dgm:styleLbl>
-  <dgm:styleLbl name="lnNode1">
-    <dgm:scene3d>
-      <a:camera prst="orthographicFront"/>
-      <a:lightRig rig="flat" dir="t"/>
-    </dgm:scene3d>
-    <dgm:sp3d prstMaterial="dkEdge">
-      <a:bevelT w="8200" h="38100"/>
-    </dgm:sp3d>
-    <dgm:txPr/>
-    <dgm:style>
-      <a:lnRef idx="1">
-        <a:scrgbClr r="0" g="0" b="0"/>
-      </a:lnRef>
-      <a:fillRef idx="2">
-        <a:scrgbClr r="0" g="0" b="0"/>
-      </a:fillRef>
-      <a:effectRef idx="0">
-        <a:scrgbClr r="0" g="0" b="0"/>
-      </a:effectRef>
-      <a:fontRef idx="minor">
-        <a:schemeClr val="dk1"/>
-      </a:fontRef>
-    </dgm:style>
-  </dgm:styleLbl>
-  <dgm:styleLbl name="vennNode1">
-    <dgm:scene3d>
-      <a:camera prst="orthographicFront"/>
-      <a:lightRig rig="flat" dir="t"/>
-    </dgm:scene3d>
-    <dgm:sp3d prstMaterial="dkEdge">
-      <a:bevelT w="8200" h="38100"/>
-    </dgm:sp3d>
-    <dgm:txPr/>
-    <dgm:style>
-      <a:lnRef idx="0">
-        <a:scrgbClr r="0" g="0" b="0"/>
-      </a:lnRef>
-      <a:fillRef idx="2">
-        <a:scrgbClr r="0" g="0" b="0"/>
-      </a:fillRef>
-      <a:effectRef idx="0">
-        <a:scrgbClr r="0" g="0" b="0"/>
-      </a:effectRef>
-      <a:fontRef idx="minor">
-        <a:schemeClr val="tx1"/>
-      </a:fontRef>
-    </dgm:style>
-  </dgm:styleLbl>
-  <dgm:styleLbl name="alignNode1">
-    <dgm:scene3d>
-      <a:camera prst="orthographicFront"/>
-      <a:lightRig rig="threePt" dir="t"/>
-    </dgm:scene3d>
-    <dgm:sp3d/>
-    <dgm:txPr/>
-    <dgm:style>
-      <a:lnRef idx="1">
-        <a:scrgbClr r="0" g="0" b="0"/>
-      </a:lnRef>
-      <a:fillRef idx="2">
-        <a:scrgbClr r="0" g="0" b="0"/>
-      </a:fillRef>
-      <a:effectRef idx="1">
-        <a:scrgbClr r="0" g="0" b="0"/>
-      </a:effectRef>
-      <a:fontRef idx="minor">
-        <a:schemeClr val="dk1"/>
-      </a:fontRef>
-    </dgm:style>
-  </dgm:styleLbl>
-  <dgm:styleLbl name="node1">
-    <dgm:scene3d>
-      <a:camera prst="orthographicFront"/>
-      <a:lightRig rig="flat" dir="t"/>
-    </dgm:scene3d>
-    <dgm:sp3d prstMaterial="dkEdge">
-      <a:bevelT w="8200" h="38100"/>
-    </dgm:sp3d>
-    <dgm:txPr/>
-    <dgm:style>
-      <a:lnRef idx="0">
-        <a:scrgbClr r="0" g="0" b="0"/>
-      </a:lnRef>
-      <a:fillRef idx="2">
-        <a:scrgbClr r="0" g="0" b="0"/>
-      </a:fillRef>
-      <a:effectRef idx="1">
-        <a:scrgbClr r="0" g="0" b="0"/>
-      </a:effectRef>
-      <a:fontRef idx="minor">
-        <a:schemeClr val="dk1"/>
-      </a:fontRef>
-    </dgm:style>
-  </dgm:styleLbl>
-  <dgm:styleLbl name="node2">
-    <dgm:scene3d>
-      <a:camera prst="orthographicFront"/>
-      <a:lightRig rig="flat" dir="t"/>
-    </dgm:scene3d>
-    <dgm:sp3d prstMaterial="dkEdge">
-      <a:bevelT w="8200" h="38100"/>
-    </dgm:sp3d>
-    <dgm:txPr/>
-    <dgm:style>
-      <a:lnRef idx="0">
-        <a:scrgbClr r="0" g="0" b="0"/>
-      </a:lnRef>
-      <a:fillRef idx="2">
-        <a:scrgbClr r="0" g="0" b="0"/>
-      </a:fillRef>
-      <a:effectRef idx="1">
-        <a:scrgbClr r="0" g="0" b="0"/>
-      </a:effectRef>
-      <a:fontRef idx="minor">
-        <a:schemeClr val="dk1"/>
-      </a:fontRef>
-    </dgm:style>
-  </dgm:styleLbl>
-  <dgm:styleLbl name="node3">
-    <dgm:scene3d>
-      <a:camera prst="orthographicFront"/>
-      <a:lightRig rig="flat" dir="t"/>
-    </dgm:scene3d>
-    <dgm:sp3d prstMaterial="dkEdge">
-      <a:bevelT w="8200" h="38100"/>
-    </dgm:sp3d>
-    <dgm:txPr/>
-    <dgm:style>
-      <a:lnRef idx="0">
-        <a:scrgbClr r="0" g="0" b="0"/>
-      </a:lnRef>
-      <a:fillRef idx="2">
-        <a:scrgbClr r="0" g="0" b="0"/>
-      </a:fillRef>
-      <a:effectRef idx="1">
-        <a:scrgbClr r="0" g="0" b="0"/>
-      </a:effectRef>
-      <a:fontRef idx="minor">
-        <a:schemeClr val="dk1"/>
-      </a:fontRef>
-    </dgm:style>
-  </dgm:styleLbl>
-  <dgm:styleLbl name="node4">
-    <dgm:scene3d>
-      <a:camera prst="orthographicFront"/>
-      <a:lightRig rig="flat" dir="t"/>
-    </dgm:scene3d>
-    <dgm:sp3d prstMaterial="dkEdge">
-      <a:bevelT w="8200" h="38100"/>
-    </dgm:sp3d>
-    <dgm:txPr/>
-    <dgm:style>
-      <a:lnRef idx="0">
-        <a:scrgbClr r="0" g="0" b="0"/>
-      </a:lnRef>
-      <a:fillRef idx="2">
-        <a:scrgbClr r="0" g="0" b="0"/>
-      </a:fillRef>
-      <a:effectRef idx="1">
-        <a:scrgbClr r="0" g="0" b="0"/>
-      </a:effectRef>
-      <a:fontRef idx="minor">
-        <a:schemeClr val="dk1"/>
-      </a:fontRef>
-    </dgm:style>
-  </dgm:styleLbl>
-  <dgm:styleLbl name="fgImgPlace1">
-    <dgm:scene3d>
-      <a:camera prst="orthographicFront"/>
-      <a:lightRig rig="threePt" dir="t"/>
-    </dgm:scene3d>
-    <dgm:sp3d/>
-    <dgm:txPr/>
-    <dgm:style>
-      <a:lnRef idx="1">
-        <a:scrgbClr r="0" g="0" b="0"/>
-      </a:lnRef>
-      <a:fillRef idx="1">
-        <a:scrgbClr r="0" g="0" b="0"/>
-      </a:fillRef>
-      <a:effectRef idx="1">
-        <a:scrgbClr r="0" g="0" b="0"/>
-      </a:effectRef>
-      <a:fontRef idx="minor"/>
-    </dgm:style>
-  </dgm:styleLbl>
-  <dgm:styleLbl name="alignImgPlace1">
-    <dgm:scene3d>
-      <a:camera prst="orthographicFront"/>
-      <a:lightRig rig="threePt" dir="t"/>
-    </dgm:scene3d>
-    <dgm:sp3d/>
-    <dgm:txPr/>
-    <dgm:style>
-      <a:lnRef idx="1">
-        <a:scrgbClr r="0" g="0" b="0"/>
-      </a:lnRef>
-      <a:fillRef idx="1">
-        <a:scrgbClr r="0" g="0" b="0"/>
-      </a:fillRef>
-      <a:effectRef idx="1">
-        <a:scrgbClr r="0" g="0" b="0"/>
-      </a:effectRef>
-      <a:fontRef idx="minor"/>
-    </dgm:style>
-  </dgm:styleLbl>
-  <dgm:styleLbl name="bgImgPlace1">
-    <dgm:scene3d>
-      <a:camera prst="orthographicFront"/>
-      <a:lightRig rig="threePt" dir="t"/>
-    </dgm:scene3d>
-    <dgm:sp3d/>
-    <dgm:txPr/>
-    <dgm:style>
-      <a:lnRef idx="1">
-        <a:scrgbClr r="0" g="0" b="0"/>
-      </a:lnRef>
-      <a:fillRef idx="1">
-        <a:scrgbClr r="0" g="0" b="0"/>
-      </a:fillRef>
-      <a:effectRef idx="1">
-        <a:scrgbClr r="0" g="0" b="0"/>
-      </a:effectRef>
-      <a:fontRef idx="minor"/>
-    </dgm:style>
-  </dgm:styleLbl>
-  <dgm:styleLbl name="sibTrans2D1">
-    <dgm:scene3d>
-      <a:camera prst="orthographicFront"/>
-      <a:lightRig rig="threePt" dir="t"/>
-    </dgm:scene3d>
-    <dgm:sp3d/>
-    <dgm:txPr/>
-    <dgm:style>
-      <a:lnRef idx="0">
-        <a:scrgbClr r="0" g="0" b="0"/>
-      </a:lnRef>
-      <a:fillRef idx="2">
-        <a:scrgbClr r="0" g="0" b="0"/>
-      </a:fillRef>
-      <a:effectRef idx="1">
-        <a:scrgbClr r="0" g="0" b="0"/>
-      </a:effectRef>
-      <a:fontRef idx="minor">
-        <a:schemeClr val="dk1"/>
-      </a:fontRef>
-    </dgm:style>
-  </dgm:styleLbl>
-  <dgm:styleLbl name="fgSibTrans2D1">
-    <dgm:scene3d>
-      <a:camera prst="orthographicFront"/>
-      <a:lightRig rig="threePt" dir="t"/>
-    </dgm:scene3d>
-    <dgm:sp3d/>
-    <dgm:txPr/>
-    <dgm:style>
-      <a:lnRef idx="0">
-        <a:scrgbClr r="0" g="0" b="0"/>
-      </a:lnRef>
-      <a:fillRef idx="2">
-        <a:scrgbClr r="0" g="0" b="0"/>
-      </a:fillRef>
-      <a:effectRef idx="1">
-        <a:scrgbClr r="0" g="0" b="0"/>
-      </a:effectRef>
-      <a:fontRef idx="minor">
-        <a:schemeClr val="dk1"/>
-      </a:fontRef>
-    </dgm:style>
-  </dgm:styleLbl>
-  <dgm:styleLbl name="bgSibTrans2D1">
-    <dgm:scene3d>
-      <a:camera prst="orthographicFront"/>
-      <a:lightRig rig="threePt" dir="t"/>
-    </dgm:scene3d>
-    <dgm:sp3d/>
-    <dgm:txPr/>
-    <dgm:style>
-      <a:lnRef idx="0">
-        <a:scrgbClr r="0" g="0" b="0"/>
-      </a:lnRef>
-      <a:fillRef idx="2">
-        <a:scrgbClr r="0" g="0" b="0"/>
-      </a:fillRef>
-      <a:effectRef idx="1">
-        <a:scrgbClr r="0" g="0" b="0"/>
-      </a:effectRef>
-      <a:fontRef idx="minor">
-        <a:schemeClr val="dk1"/>
-      </a:fontRef>
-    </dgm:style>
-  </dgm:styleLbl>
-  <dgm:styleLbl name="sibTrans1D1">
-    <dgm:scene3d>
-      <a:camera prst="orthographicFront"/>
-      <a:lightRig rig="threePt" dir="t"/>
-    </dgm:scene3d>
-    <dgm:sp3d/>
-    <dgm:txPr/>
-    <dgm:style>
-      <a:lnRef idx="1">
-        <a:scrgbClr r="0" g="0" b="0"/>
-      </a:lnRef>
-      <a:fillRef idx="0">
-        <a:scrgbClr r="0" g="0" b="0"/>
-      </a:fillRef>
-      <a:effectRef idx="0">
-        <a:scrgbClr r="0" g="0" b="0"/>
-      </a:effectRef>
-      <a:fontRef idx="minor"/>
-    </dgm:style>
-  </dgm:styleLbl>
-  <dgm:styleLbl name="callout">
-    <dgm:scene3d>
-      <a:camera prst="orthographicFront"/>
-      <a:lightRig rig="threePt" dir="t"/>
-    </dgm:scene3d>
-    <dgm:sp3d/>
-    <dgm:txPr/>
-    <dgm:style>
-      <a:lnRef idx="1">
-        <a:scrgbClr r="0" g="0" b="0"/>
-      </a:lnRef>
-      <a:fillRef idx="2">
-        <a:scrgbClr r="0" g="0" b="0"/>
-      </a:fillRef>
-      <a:effectRef idx="1">
-        <a:scrgbClr r="0" g="0" b="0"/>
-      </a:effectRef>
-      <a:fontRef idx="minor"/>
-    </dgm:style>
-  </dgm:styleLbl>
-  <dgm:styleLbl name="asst0">
-    <dgm:scene3d>
-      <a:camera prst="orthographicFront"/>
-      <a:lightRig rig="flat" dir="t"/>
-    </dgm:scene3d>
-    <dgm:sp3d prstMaterial="dkEdge">
-      <a:bevelT w="8200" h="38100"/>
-    </dgm:sp3d>
-    <dgm:txPr/>
-    <dgm:style>
-      <a:lnRef idx="0">
-        <a:scrgbClr r="0" g="0" b="0"/>
-      </a:lnRef>
-      <a:fillRef idx="2">
-        <a:scrgbClr r="0" g="0" b="0"/>
-      </a:fillRef>
-      <a:effectRef idx="1">
-        <a:scrgbClr r="0" g="0" b="0"/>
-      </a:effectRef>
-      <a:fontRef idx="minor">
-        <a:schemeClr val="dk1"/>
-      </a:fontRef>
-    </dgm:style>
-  </dgm:styleLbl>
-  <dgm:styleLbl name="asst1">
-    <dgm:scene3d>
-      <a:camera prst="orthographicFront"/>
-      <a:lightRig rig="flat" dir="t"/>
-    </dgm:scene3d>
-    <dgm:sp3d prstMaterial="dkEdge">
-      <a:bevelT w="8200" h="38100"/>
-    </dgm:sp3d>
-    <dgm:txPr/>
-    <dgm:style>
-      <a:lnRef idx="0">
-        <a:scrgbClr r="0" g="0" b="0"/>
-      </a:lnRef>
-      <a:fillRef idx="2">
-        <a:scrgbClr r="0" g="0" b="0"/>
-      </a:fillRef>
-      <a:effectRef idx="1">
-        <a:scrgbClr r="0" g="0" b="0"/>
-      </a:effectRef>
-      <a:fontRef idx="minor">
-        <a:schemeClr val="dk1"/>
-      </a:fontRef>
-    </dgm:style>
-  </dgm:styleLbl>
-  <dgm:styleLbl name="asst2">
-    <dgm:scene3d>
-      <a:camera prst="orthographicFront"/>
-      <a:lightRig rig="flat" dir="t"/>
-    </dgm:scene3d>
-    <dgm:sp3d prstMaterial="dkEdge">
-      <a:bevelT w="8200" h="38100"/>
-    </dgm:sp3d>
-    <dgm:txPr/>
-    <dgm:style>
-      <a:lnRef idx="0">
-        <a:scrgbClr r="0" g="0" b="0"/>
-      </a:lnRef>
-      <a:fillRef idx="2">
-        <a:scrgbClr r="0" g="0" b="0"/>
-      </a:fillRef>
-      <a:effectRef idx="1">
-        <a:scrgbClr r="0" g="0" b="0"/>
-      </a:effectRef>
-      <a:fontRef idx="minor">
-        <a:schemeClr val="dk1"/>
-      </a:fontRef>
-    </dgm:style>
-  </dgm:styleLbl>
-  <dgm:styleLbl name="asst3">
-    <dgm:scene3d>
-      <a:camera prst="orthographicFront"/>
-      <a:lightRig rig="flat" dir="t"/>
-    </dgm:scene3d>
-    <dgm:sp3d prstMaterial="dkEdge">
-      <a:bevelT w="8200" h="38100"/>
-    </dgm:sp3d>
-    <dgm:txPr/>
-    <dgm:style>
-      <a:lnRef idx="0">
-        <a:scrgbClr r="0" g="0" b="0"/>
-      </a:lnRef>
-      <a:fillRef idx="2">
-        <a:scrgbClr r="0" g="0" b="0"/>
-      </a:fillRef>
-      <a:effectRef idx="1">
-        <a:scrgbClr r="0" g="0" b="0"/>
-      </a:effectRef>
-      <a:fontRef idx="minor">
-        <a:schemeClr val="dk1"/>
-      </a:fontRef>
-    </dgm:style>
-  </dgm:styleLbl>
-  <dgm:styleLbl name="asst4">
-    <dgm:scene3d>
-      <a:camera prst="orthographicFront"/>
-      <a:lightRig rig="flat" dir="t"/>
-    </dgm:scene3d>
-    <dgm:sp3d prstMaterial="dkEdge">
-      <a:bevelT w="8200" h="38100"/>
-    </dgm:sp3d>
-    <dgm:txPr/>
-    <dgm:style>
-      <a:lnRef idx="0">
-        <a:scrgbClr r="0" g="0" b="0"/>
-      </a:lnRef>
-      <a:fillRef idx="2">
-        <a:scrgbClr r="0" g="0" b="0"/>
-      </a:fillRef>
-      <a:effectRef idx="1">
-        <a:scrgbClr r="0" g="0" b="0"/>
-      </a:effectRef>
-      <a:fontRef idx="minor">
-        <a:schemeClr val="dk1"/>
-      </a:fontRef>
-    </dgm:style>
-  </dgm:styleLbl>
-  <dgm:styleLbl name="parChTrans2D1">
-    <dgm:scene3d>
-      <a:camera prst="orthographicFront"/>
-      <a:lightRig rig="threePt" dir="t"/>
-    </dgm:scene3d>
-    <dgm:sp3d/>
-    <dgm:txPr/>
-    <dgm:style>
-      <a:lnRef idx="1">
-        <a:scrgbClr r="0" g="0" b="0"/>
-      </a:lnRef>
-      <a:fillRef idx="2">
-        <a:scrgbClr r="0" g="0" b="0"/>
-      </a:fillRef>
-      <a:effectRef idx="1">
-        <a:scrgbClr r="0" g="0" b="0"/>
-      </a:effectRef>
-      <a:fontRef idx="minor">
-        <a:schemeClr val="dk1"/>
-      </a:fontRef>
-    </dgm:style>
-  </dgm:styleLbl>
-  <dgm:styleLbl name="parChTrans2D2">
-    <dgm:scene3d>
-      <a:camera prst="orthographicFront"/>
-      <a:lightRig rig="threePt" dir="t"/>
-    </dgm:scene3d>
-    <dgm:sp3d/>
-    <dgm:txPr/>
-    <dgm:style>
-      <a:lnRef idx="1">
-        <a:scrgbClr r="0" g="0" b="0"/>
-      </a:lnRef>
-      <a:fillRef idx="2">
-        <a:scrgbClr r="0" g="0" b="0"/>
-      </a:fillRef>
-      <a:effectRef idx="1">
-        <a:scrgbClr r="0" g="0" b="0"/>
-      </a:effectRef>
-      <a:fontRef idx="minor">
-        <a:schemeClr val="dk1"/>
-      </a:fontRef>
-    </dgm:style>
-  </dgm:styleLbl>
-  <dgm:styleLbl name="parChTrans2D3">
-    <dgm:scene3d>
-      <a:camera prst="orthographicFront"/>
-      <a:lightRig rig="threePt" dir="t"/>
-    </dgm:scene3d>
-    <dgm:sp3d/>
-    <dgm:txPr/>
-    <dgm:style>
-      <a:lnRef idx="1">
-        <a:scrgbClr r="0" g="0" b="0"/>
-      </a:lnRef>
-      <a:fillRef idx="2">
-        <a:scrgbClr r="0" g="0" b="0"/>
-      </a:fillRef>
-      <a:effectRef idx="1">
-        <a:scrgbClr r="0" g="0" b="0"/>
-      </a:effectRef>
-      <a:fontRef idx="minor">
-        <a:schemeClr val="dk1"/>
-      </a:fontRef>
-    </dgm:style>
-  </dgm:styleLbl>
-  <dgm:styleLbl name="parChTrans2D4">
-    <dgm:scene3d>
-      <a:camera prst="orthographicFront"/>
-      <a:lightRig rig="threePt" dir="t"/>
-    </dgm:scene3d>
-    <dgm:sp3d/>
-    <dgm:txPr/>
-    <dgm:style>
-      <a:lnRef idx="1">
-        <a:scrgbClr r="0" g="0" b="0"/>
-      </a:lnRef>
-      <a:fillRef idx="2">
-        <a:scrgbClr r="0" g="0" b="0"/>
-      </a:fillRef>
-      <a:effectRef idx="1">
-        <a:scrgbClr r="0" g="0" b="0"/>
-      </a:effectRef>
-      <a:fontRef idx="minor">
-        <a:schemeClr val="dk1"/>
-      </a:fontRef>
-    </dgm:style>
-  </dgm:styleLbl>
-  <dgm:styleLbl name="parChTrans1D1">
-    <dgm:scene3d>
-      <a:camera prst="orthographicFront"/>
-      <a:lightRig rig="threePt" dir="t"/>
-    </dgm:scene3d>
-    <dgm:sp3d/>
-    <dgm:txPr/>
-    <dgm:style>
-      <a:lnRef idx="2">
-        <a:scrgbClr r="0" g="0" b="0"/>
-      </a:lnRef>
-      <a:fillRef idx="0">
-        <a:scrgbClr r="0" g="0" b="0"/>
-      </a:fillRef>
-      <a:effectRef idx="0">
-        <a:scrgbClr r="0" g="0" b="0"/>
-      </a:effectRef>
-      <a:fontRef idx="minor"/>
-    </dgm:style>
-  </dgm:styleLbl>
-  <dgm:styleLbl name="parChTrans1D2">
-    <dgm:scene3d>
-      <a:camera prst="orthographicFront"/>
-      <a:lightRig rig="threePt" dir="t"/>
-    </dgm:scene3d>
-    <dgm:sp3d/>
-    <dgm:txPr/>
-    <dgm:style>
-      <a:lnRef idx="2">
-        <a:scrgbClr r="0" g="0" b="0"/>
-      </a:lnRef>
-      <a:fillRef idx="0">
-        <a:scrgbClr r="0" g="0" b="0"/>
-      </a:fillRef>
-      <a:effectRef idx="0">
-        <a:scrgbClr r="0" g="0" b="0"/>
-      </a:effectRef>
-      <a:fontRef idx="minor"/>
-    </dgm:style>
-  </dgm:styleLbl>
-  <dgm:styleLbl name="parChTrans1D3">
-    <dgm:scene3d>
-      <a:camera prst="orthographicFront"/>
-      <a:lightRig rig="threePt" dir="t"/>
-    </dgm:scene3d>
-    <dgm:sp3d/>
-    <dgm:txPr/>
-    <dgm:style>
-      <a:lnRef idx="2">
-        <a:scrgbClr r="0" g="0" b="0"/>
-      </a:lnRef>
-      <a:fillRef idx="0">
-        <a:scrgbClr r="0" g="0" b="0"/>
-      </a:fillRef>
-      <a:effectRef idx="0">
-        <a:scrgbClr r="0" g="0" b="0"/>
-      </a:effectRef>
-      <a:fontRef idx="minor"/>
-    </dgm:style>
-  </dgm:styleLbl>
-  <dgm:styleLbl name="parChTrans1D4">
-    <dgm:scene3d>
-      <a:camera prst="orthographicFront"/>
-      <a:lightRig rig="threePt" dir="t"/>
-    </dgm:scene3d>
-    <dgm:sp3d/>
-    <dgm:txPr/>
-    <dgm:style>
-      <a:lnRef idx="2">
-        <a:scrgbClr r="0" g="0" b="0"/>
-      </a:lnRef>
-      <a:fillRef idx="0">
-        <a:scrgbClr r="0" g="0" b="0"/>
-      </a:fillRef>
-      <a:effectRef idx="0">
-        <a:scrgbClr r="0" g="0" b="0"/>
-      </a:effectRef>
-      <a:fontRef idx="minor"/>
-    </dgm:style>
-  </dgm:styleLbl>
-  <dgm:styleLbl name="fgAcc1">
-    <dgm:scene3d>
-      <a:camera prst="orthographicFront"/>
-      <a:lightRig rig="threePt" dir="t"/>
-    </dgm:scene3d>
-    <dgm:sp3d/>
-    <dgm:txPr/>
-    <dgm:style>
-      <a:lnRef idx="1">
-        <a:scrgbClr r="0" g="0" b="0"/>
-      </a:lnRef>
-      <a:fillRef idx="1">
-        <a:scrgbClr r="0" g="0" b="0"/>
-      </a:fillRef>
-      <a:effectRef idx="0">
-        <a:scrgbClr r="0" g="0" b="0"/>
-      </a:effectRef>
-      <a:fontRef idx="minor"/>
-    </dgm:style>
-  </dgm:styleLbl>
-  <dgm:styleLbl name="conFgAcc1">
-    <dgm:scene3d>
-      <a:camera prst="orthographicFront"/>
-      <a:lightRig rig="threePt" dir="t"/>
-    </dgm:scene3d>
-    <dgm:sp3d/>
-    <dgm:txPr/>
-    <dgm:style>
-      <a:lnRef idx="1">
-        <a:scrgbClr r="0" g="0" b="0"/>
-      </a:lnRef>
-      <a:fillRef idx="1">
-        <a:scrgbClr r="0" g="0" b="0"/>
-      </a:fillRef>
-      <a:effectRef idx="0">
-        <a:scrgbClr r="0" g="0" b="0"/>
-      </a:effectRef>
-      <a:fontRef idx="minor"/>
-    </dgm:style>
-  </dgm:styleLbl>
-  <dgm:styleLbl name="alignAcc1">
-    <dgm:scene3d>
-      <a:camera prst="orthographicFront"/>
-      <a:lightRig rig="threePt" dir="t"/>
-    </dgm:scene3d>
-    <dgm:sp3d/>
-    <dgm:txPr/>
-    <dgm:style>
-      <a:lnRef idx="1">
-        <a:scrgbClr r="0" g="0" b="0"/>
-      </a:lnRef>
-      <a:fillRef idx="1">
-        <a:scrgbClr r="0" g="0" b="0"/>
-      </a:fillRef>
-      <a:effectRef idx="0">
-        <a:scrgbClr r="0" g="0" b="0"/>
-      </a:effectRef>
-      <a:fontRef idx="minor"/>
-    </dgm:style>
-  </dgm:styleLbl>
-  <dgm:styleLbl name="trAlignAcc1">
-    <dgm:scene3d>
-      <a:camera prst="orthographicFront"/>
-      <a:lightRig rig="threePt" dir="t"/>
-    </dgm:scene3d>
-    <dgm:sp3d/>
-    <dgm:txPr/>
-    <dgm:style>
-      <a:lnRef idx="1">
-        <a:scrgbClr r="0" g="0" b="0"/>
-      </a:lnRef>
-      <a:fillRef idx="1">
-        <a:scrgbClr r="0" g="0" b="0"/>
-      </a:fillRef>
-      <a:effectRef idx="0">
-        <a:scrgbClr r="0" g="0" b="0"/>
-      </a:effectRef>
-      <a:fontRef idx="minor"/>
-    </dgm:style>
-  </dgm:styleLbl>
-  <dgm:styleLbl name="bgAcc1">
-    <dgm:scene3d>
-      <a:camera prst="orthographicFront"/>
-      <a:lightRig rig="threePt" dir="t"/>
-    </dgm:scene3d>
-    <dgm:sp3d/>
-    <dgm:txPr/>
-    <dgm:style>
-      <a:lnRef idx="1">
-        <a:scrgbClr r="0" g="0" b="0"/>
-      </a:lnRef>
-      <a:fillRef idx="1">
-        <a:scrgbClr r="0" g="0" b="0"/>
-      </a:fillRef>
-      <a:effectRef idx="0">
-        <a:scrgbClr r="0" g="0" b="0"/>
-      </a:effectRef>
-      <a:fontRef idx="minor"/>
-    </dgm:style>
-  </dgm:styleLbl>
-  <dgm:styleLbl name="solidFgAcc1">
-    <dgm:scene3d>
-      <a:camera prst="orthographicFront"/>
-      <a:lightRig rig="threePt" dir="t"/>
-    </dgm:scene3d>
-    <dgm:sp3d/>
-    <dgm:txPr/>
-    <dgm:style>
-      <a:lnRef idx="1">
-        <a:scrgbClr r="0" g="0" b="0"/>
-      </a:lnRef>
-      <a:fillRef idx="2">
-        <a:scrgbClr r="0" g="0" b="0"/>
-      </a:fillRef>
-      <a:effectRef idx="0">
-        <a:scrgbClr r="0" g="0" b="0"/>
-      </a:effectRef>
-      <a:fontRef idx="minor"/>
-    </dgm:style>
-  </dgm:styleLbl>
-  <dgm:styleLbl name="solidAlignAcc1">
-    <dgm:scene3d>
-      <a:camera prst="orthographicFront"/>
-      <a:lightRig rig="threePt" dir="t"/>
-    </dgm:scene3d>
-    <dgm:sp3d/>
-    <dgm:txPr/>
-    <dgm:style>
-      <a:lnRef idx="1">
-        <a:scrgbClr r="0" g="0" b="0"/>
-      </a:lnRef>
-      <a:fillRef idx="1">
-        <a:scrgbClr r="0" g="0" b="0"/>
-      </a:fillRef>
-      <a:effectRef idx="0">
-        <a:scrgbClr r="0" g="0" b="0"/>
-      </a:effectRef>
-      <a:fontRef idx="minor"/>
-    </dgm:style>
-  </dgm:styleLbl>
-  <dgm:styleLbl name="solidBgAcc1">
-    <dgm:scene3d>
-      <a:camera prst="orthographicFront"/>
-      <a:lightRig rig="threePt" dir="t"/>
-    </dgm:scene3d>
-    <dgm:sp3d/>
-    <dgm:txPr/>
-    <dgm:style>
-      <a:lnRef idx="1">
-        <a:scrgbClr r="0" g="0" b="0"/>
-      </a:lnRef>
-      <a:fillRef idx="1">
-        <a:scrgbClr r="0" g="0" b="0"/>
-      </a:fillRef>
-      <a:effectRef idx="0">
-        <a:scrgbClr r="0" g="0" b="0"/>
-      </a:effectRef>
-      <a:fontRef idx="minor"/>
-    </dgm:style>
-  </dgm:styleLbl>
-  <dgm:styleLbl name="fgAccFollowNode1">
-    <dgm:scene3d>
-      <a:camera prst="orthographicFront"/>
-      <a:lightRig rig="threePt" dir="t"/>
-    </dgm:scene3d>
-    <dgm:sp3d/>
-    <dgm:txPr/>
-    <dgm:style>
-      <a:lnRef idx="1">
-        <a:scrgbClr r="0" g="0" b="0"/>
-      </a:lnRef>
-      <a:fillRef idx="1">
-        <a:scrgbClr r="0" g="0" b="0"/>
-      </a:fillRef>
-      <a:effectRef idx="0">
-        <a:scrgbClr r="0" g="0" b="0"/>
-      </a:effectRef>
-      <a:fontRef idx="minor"/>
-    </dgm:style>
-  </dgm:styleLbl>
-  <dgm:styleLbl name="alignAccFollowNode1">
-    <dgm:scene3d>
-      <a:camera prst="orthographicFront"/>
-      <a:lightRig rig="threePt" dir="t"/>
-    </dgm:scene3d>
-    <dgm:sp3d/>
-    <dgm:txPr/>
-    <dgm:style>
-      <a:lnRef idx="1">
-        <a:scrgbClr r="0" g="0" b="0"/>
-      </a:lnRef>
-      <a:fillRef idx="1">
-        <a:scrgbClr r="0" g="0" b="0"/>
-      </a:fillRef>
-      <a:effectRef idx="0">
-        <a:scrgbClr r="0" g="0" b="0"/>
-      </a:effectRef>
-      <a:fontRef idx="minor"/>
-    </dgm:style>
-  </dgm:styleLbl>
-  <dgm:styleLbl name="bgAccFollowNode1">
-    <dgm:scene3d>
-      <a:camera prst="orthographicFront"/>
-      <a:lightRig rig="threePt" dir="t"/>
-    </dgm:scene3d>
-    <dgm:sp3d/>
-    <dgm:txPr/>
-    <dgm:style>
-      <a:lnRef idx="1">
-        <a:scrgbClr r="0" g="0" b="0"/>
-      </a:lnRef>
-      <a:fillRef idx="1">
-        <a:scrgbClr r="0" g="0" b="0"/>
-      </a:fillRef>
-      <a:effectRef idx="0">
-        <a:scrgbClr r="0" g="0" b="0"/>
-      </a:effectRef>
-      <a:fontRef idx="minor"/>
-    </dgm:style>
-  </dgm:styleLbl>
-  <dgm:styleLbl name="fgAcc0">
-    <dgm:scene3d>
-      <a:camera prst="orthographicFront"/>
-      <a:lightRig rig="threePt" dir="t"/>
-    </dgm:scene3d>
-    <dgm:sp3d/>
-    <dgm:txPr/>
-    <dgm:style>
-      <a:lnRef idx="1">
-        <a:scrgbClr r="0" g="0" b="0"/>
-      </a:lnRef>
-      <a:fillRef idx="1">
-        <a:scrgbClr r="0" g="0" b="0"/>
-      </a:fillRef>
-      <a:effectRef idx="0">
-        <a:scrgbClr r="0" g="0" b="0"/>
-      </a:effectRef>
-      <a:fontRef idx="minor"/>
-    </dgm:style>
-  </dgm:styleLbl>
-  <dgm:styleLbl name="fgAcc2">
-    <dgm:scene3d>
-      <a:camera prst="orthographicFront"/>
-      <a:lightRig rig="threePt" dir="t"/>
-    </dgm:scene3d>
-    <dgm:sp3d/>
-    <dgm:txPr/>
-    <dgm:style>
-      <a:lnRef idx="1">
-        <a:scrgbClr r="0" g="0" b="0"/>
-      </a:lnRef>
-      <a:fillRef idx="1">
-        <a:scrgbClr r="0" g="0" b="0"/>
-      </a:fillRef>
-      <a:effectRef idx="0">
-        <a:scrgbClr r="0" g="0" b="0"/>
-      </a:effectRef>
-      <a:fontRef idx="minor"/>
-    </dgm:style>
-  </dgm:styleLbl>
-  <dgm:styleLbl name="fgAcc3">
-    <dgm:scene3d>
-      <a:camera prst="orthographicFront"/>
-      <a:lightRig rig="threePt" dir="t"/>
-    </dgm:scene3d>
-    <dgm:sp3d/>
-    <dgm:txPr/>
-    <dgm:style>
-      <a:lnRef idx="1">
-        <a:scrgbClr r="0" g="0" b="0"/>
-      </a:lnRef>
-      <a:fillRef idx="1">
-        <a:scrgbClr r="0" g="0" b="0"/>
-      </a:fillRef>
-      <a:effectRef idx="0">
-        <a:scrgbClr r="0" g="0" b="0"/>
-      </a:effectRef>
-      <a:fontRef idx="minor"/>
-    </dgm:style>
-  </dgm:styleLbl>
-  <dgm:styleLbl name="fgAcc4">
-    <dgm:scene3d>
-      <a:camera prst="orthographicFront"/>
-      <a:lightRig rig="threePt" dir="t"/>
-    </dgm:scene3d>
-    <dgm:sp3d/>
-    <dgm:txPr/>
-    <dgm:style>
-      <a:lnRef idx="1">
-        <a:scrgbClr r="0" g="0" b="0"/>
-      </a:lnRef>
-      <a:fillRef idx="1">
-        <a:scrgbClr r="0" g="0" b="0"/>
-      </a:fillRef>
-      <a:effectRef idx="0">
-        <a:scrgbClr r="0" g="0" b="0"/>
-      </a:effectRef>
-      <a:fontRef idx="minor"/>
-    </dgm:style>
-  </dgm:styleLbl>
-  <dgm:styleLbl name="bgShp">
-    <dgm:scene3d>
-      <a:camera prst="orthographicFront"/>
-      <a:lightRig rig="threePt" dir="t"/>
-    </dgm:scene3d>
-    <dgm:sp3d/>
-    <dgm:txPr/>
-    <dgm:style>
-      <a:lnRef idx="0">
-        <a:scrgbClr r="0" g="0" b="0"/>
-      </a:lnRef>
-      <a:fillRef idx="1">
-        <a:scrgbClr r="0" g="0" b="0"/>
-      </a:fillRef>
-      <a:effectRef idx="1">
-        <a:scrgbClr r="0" g="0" b="0"/>
-      </a:effectRef>
-      <a:fontRef idx="minor"/>
-    </dgm:style>
-  </dgm:styleLbl>
-  <dgm:styleLbl name="dkBgShp">
-    <dgm:scene3d>
-      <a:camera prst="orthographicFront"/>
-      <a:lightRig rig="threePt" dir="t"/>
-    </dgm:scene3d>
-    <dgm:sp3d/>
-    <dgm:txPr/>
-    <dgm:style>
-      <a:lnRef idx="0">
-        <a:scrgbClr r="0" g="0" b="0"/>
-      </a:lnRef>
-      <a:fillRef idx="1">
-        <a:scrgbClr r="0" g="0" b="0"/>
-      </a:fillRef>
-      <a:effectRef idx="1">
-        <a:scrgbClr r="0" g="0" b="0"/>
-      </a:effectRef>
-      <a:fontRef idx="minor"/>
-    </dgm:style>
-  </dgm:styleLbl>
-  <dgm:styleLbl name="trBgShp">
-    <dgm:scene3d>
-      <a:camera prst="orthographicFront"/>
-      <a:lightRig rig="threePt" dir="t"/>
-    </dgm:scene3d>
-    <dgm:sp3d/>
-    <dgm:txPr/>
-    <dgm:style>
-      <a:lnRef idx="0">
-        <a:scrgbClr r="0" g="0" b="0"/>
-      </a:lnRef>
-      <a:fillRef idx="1">
-        <a:scrgbClr r="0" g="0" b="0"/>
-      </a:fillRef>
-      <a:effectRef idx="0">
-        <a:scrgbClr r="0" g="0" b="0"/>
-      </a:effectRef>
-      <a:fontRef idx="minor"/>
-    </dgm:style>
-  </dgm:styleLbl>
-  <dgm:styleLbl name="fgShp">
-    <dgm:scene3d>
-      <a:camera prst="orthographicFront"/>
-      <a:lightRig rig="flat" dir="t"/>
-    </dgm:scene3d>
-    <dgm:sp3d prstMaterial="dkEdge">
-      <a:bevelT w="8200" h="38100"/>
-    </dgm:sp3d>
-    <dgm:txPr/>
-    <dgm:style>
-      <a:lnRef idx="1">
-        <a:scrgbClr r="0" g="0" b="0"/>
-      </a:lnRef>
-      <a:fillRef idx="2">
-        <a:scrgbClr r="0" g="0" b="0"/>
-      </a:fillRef>
-      <a:effectRef idx="1">
-        <a:scrgbClr r="0" g="0" b="0"/>
-      </a:effectRef>
-      <a:fontRef idx="minor"/>
-    </dgm:style>
-  </dgm:styleLbl>
-  <dgm:styleLbl name="revTx">
-    <dgm:scene3d>
-      <a:camera prst="orthographicFront"/>
-      <a:lightRig rig="threePt" dir="t"/>
-    </dgm:scene3d>
-    <dgm:sp3d/>
-    <dgm:txPr/>
-    <dgm:style>
-      <a:lnRef idx="0">
-        <a:scrgbClr r="0" g="0" b="0"/>
-      </a:lnRef>
-      <a:fillRef idx="0">
-        <a:scrgbClr r="0" g="0" b="0"/>
-      </a:fillRef>
-      <a:effectRef idx="0">
-        <a:scrgbClr r="0" g="0" b="0"/>
-      </a:effectRef>
-      <a:fontRef idx="minor"/>
-    </dgm:style>
-  </dgm:styleLbl>
-</dgm:styleDef>
 </file>
 
 <file path=ppt/handoutMasters/handoutMaster1.xml><?xml version="1.0" encoding="utf-8"?>
@@ -5571,7 +1305,13 @@
   <p:cSld>
     <p:spTree>
       <p:nvGrpSpPr>
-        <p:cNvPr id="1" name=""/>
+        <p:cNvPr id="1" name="">
+          <a:extLst>
+            <a:ext uri="{FF2B5EF4-FFF2-40B4-BE49-F238E27FC236}">
+              <a16:creationId xmlns:a16="http://schemas.microsoft.com/office/drawing/2014/main" id="{07BF6739-8B30-2205-7CE9-BA20054FF0CE}"/>
+            </a:ext>
+          </a:extLst>
+        </p:cNvPr>
         <p:cNvGrpSpPr/>
         <p:nvPr/>
       </p:nvGrpSpPr>
@@ -5585,7 +1325,13 @@
       </p:grpSpPr>
       <p:sp>
         <p:nvSpPr>
-          <p:cNvPr id="2" name="Tijdelijke aanduiding voor dia-afbeelding 1"/>
+          <p:cNvPr id="2" name="Tijdelijke aanduiding voor dia-afbeelding 1">
+            <a:extLst>
+              <a:ext uri="{FF2B5EF4-FFF2-40B4-BE49-F238E27FC236}">
+                <a16:creationId xmlns:a16="http://schemas.microsoft.com/office/drawing/2014/main" id="{083A12F8-BD95-3E3D-4CCD-68FDFB7BA492}"/>
+              </a:ext>
+            </a:extLst>
+          </p:cNvPr>
           <p:cNvSpPr>
             <a:spLocks noGrp="1" noRot="1" noChangeAspect="1"/>
           </p:cNvSpPr>
@@ -5597,7 +1343,13 @@
       </p:sp>
       <p:sp>
         <p:nvSpPr>
-          <p:cNvPr id="3" name="Tijdelijke aanduiding voor notities 2"/>
+          <p:cNvPr id="3" name="Tijdelijke aanduiding voor notities 2">
+            <a:extLst>
+              <a:ext uri="{FF2B5EF4-FFF2-40B4-BE49-F238E27FC236}">
+                <a16:creationId xmlns:a16="http://schemas.microsoft.com/office/drawing/2014/main" id="{232B45C3-F7F8-82DB-B97A-60236D859639}"/>
+              </a:ext>
+            </a:extLst>
+          </p:cNvPr>
           <p:cNvSpPr>
             <a:spLocks noGrp="1"/>
           </p:cNvSpPr>
@@ -5616,7 +1368,13 @@
       </p:sp>
       <p:sp>
         <p:nvSpPr>
-          <p:cNvPr id="4" name="Tijdelijke aanduiding voor dianummer 3"/>
+          <p:cNvPr id="4" name="Tijdelijke aanduiding voor dianummer 3">
+            <a:extLst>
+              <a:ext uri="{FF2B5EF4-FFF2-40B4-BE49-F238E27FC236}">
+                <a16:creationId xmlns:a16="http://schemas.microsoft.com/office/drawing/2014/main" id="{1EF57E16-DE8C-F17A-5D98-26B82772E0E4}"/>
+              </a:ext>
+            </a:extLst>
+          </p:cNvPr>
           <p:cNvSpPr>
             <a:spLocks noGrp="1"/>
           </p:cNvSpPr>
@@ -5641,7 +1399,7 @@
     </p:spTree>
     <p:extLst>
       <p:ext uri="{BB962C8B-B14F-4D97-AF65-F5344CB8AC3E}">
-        <p14:creationId xmlns:p14="http://schemas.microsoft.com/office/powerpoint/2010/main" val="2107673006"/>
+        <p14:creationId xmlns:p14="http://schemas.microsoft.com/office/powerpoint/2010/main" val="3262391599"/>
       </p:ext>
     </p:extLst>
   </p:cSld>
@@ -5656,7 +1414,13 @@
   <p:cSld>
     <p:spTree>
       <p:nvGrpSpPr>
-        <p:cNvPr id="1" name=""/>
+        <p:cNvPr id="1" name="">
+          <a:extLst>
+            <a:ext uri="{FF2B5EF4-FFF2-40B4-BE49-F238E27FC236}">
+              <a16:creationId xmlns:a16="http://schemas.microsoft.com/office/drawing/2014/main" id="{060116AC-3197-297B-C0E4-883A078A6E10}"/>
+            </a:ext>
+          </a:extLst>
+        </p:cNvPr>
         <p:cNvGrpSpPr/>
         <p:nvPr/>
       </p:nvGrpSpPr>
@@ -5670,7 +1434,13 @@
       </p:grpSpPr>
       <p:sp>
         <p:nvSpPr>
-          <p:cNvPr id="2" name="Tijdelijke aanduiding voor dia-afbeelding 1"/>
+          <p:cNvPr id="2" name="Tijdelijke aanduiding voor dia-afbeelding 1">
+            <a:extLst>
+              <a:ext uri="{FF2B5EF4-FFF2-40B4-BE49-F238E27FC236}">
+                <a16:creationId xmlns:a16="http://schemas.microsoft.com/office/drawing/2014/main" id="{ABDE7862-F113-67DB-C666-F2CBEF206D76}"/>
+              </a:ext>
+            </a:extLst>
+          </p:cNvPr>
           <p:cNvSpPr>
             <a:spLocks noGrp="1" noRot="1" noChangeAspect="1"/>
           </p:cNvSpPr>
@@ -5682,7 +1452,13 @@
       </p:sp>
       <p:sp>
         <p:nvSpPr>
-          <p:cNvPr id="3" name="Tijdelijke aanduiding voor notities 2"/>
+          <p:cNvPr id="3" name="Tijdelijke aanduiding voor notities 2">
+            <a:extLst>
+              <a:ext uri="{FF2B5EF4-FFF2-40B4-BE49-F238E27FC236}">
+                <a16:creationId xmlns:a16="http://schemas.microsoft.com/office/drawing/2014/main" id="{693EE1A0-3756-FF6E-D623-F94496ADFFB9}"/>
+              </a:ext>
+            </a:extLst>
+          </p:cNvPr>
           <p:cNvSpPr>
             <a:spLocks noGrp="1"/>
           </p:cNvSpPr>
@@ -5695,13 +1471,19 @@
           <a:bodyPr/>
           <a:lstStyle/>
           <a:p>
-            <a:endParaRPr lang="nl-NL" noProof="0" dirty="0"/>
-          </a:p>
-        </p:txBody>
-      </p:sp>
-      <p:sp>
-        <p:nvSpPr>
-          <p:cNvPr id="4" name="Tijdelijke aanduiding voor dianummer 3"/>
+            <a:endParaRPr lang="nl-NL" dirty="0"/>
+          </a:p>
+        </p:txBody>
+      </p:sp>
+      <p:sp>
+        <p:nvSpPr>
+          <p:cNvPr id="4" name="Tijdelijke aanduiding voor dianummer 3">
+            <a:extLst>
+              <a:ext uri="{FF2B5EF4-FFF2-40B4-BE49-F238E27FC236}">
+                <a16:creationId xmlns:a16="http://schemas.microsoft.com/office/drawing/2014/main" id="{D24AC8E0-97FC-C1B1-917D-9376520900CA}"/>
+              </a:ext>
+            </a:extLst>
+          </p:cNvPr>
           <p:cNvSpPr>
             <a:spLocks noGrp="1"/>
           </p:cNvSpPr>
@@ -5726,7 +1508,7 @@
     </p:spTree>
     <p:extLst>
       <p:ext uri="{BB962C8B-B14F-4D97-AF65-F5344CB8AC3E}">
-        <p14:creationId xmlns:p14="http://schemas.microsoft.com/office/powerpoint/2010/main" val="3940174048"/>
+        <p14:creationId xmlns:p14="http://schemas.microsoft.com/office/powerpoint/2010/main" val="522278363"/>
       </p:ext>
     </p:extLst>
   </p:cSld>
@@ -5741,7 +1523,13 @@
   <p:cSld>
     <p:spTree>
       <p:nvGrpSpPr>
-        <p:cNvPr id="1" name=""/>
+        <p:cNvPr id="1" name="">
+          <a:extLst>
+            <a:ext uri="{FF2B5EF4-FFF2-40B4-BE49-F238E27FC236}">
+              <a16:creationId xmlns:a16="http://schemas.microsoft.com/office/drawing/2014/main" id="{70399931-84CD-EDEB-3B4A-EAE9D83DFA43}"/>
+            </a:ext>
+          </a:extLst>
+        </p:cNvPr>
         <p:cNvGrpSpPr/>
         <p:nvPr/>
       </p:nvGrpSpPr>
@@ -5755,7 +1543,13 @@
       </p:grpSpPr>
       <p:sp>
         <p:nvSpPr>
-          <p:cNvPr id="2" name="Tijdelijke aanduiding voor dia-afbeelding 1"/>
+          <p:cNvPr id="2" name="Tijdelijke aanduiding voor dia-afbeelding 1">
+            <a:extLst>
+              <a:ext uri="{FF2B5EF4-FFF2-40B4-BE49-F238E27FC236}">
+                <a16:creationId xmlns:a16="http://schemas.microsoft.com/office/drawing/2014/main" id="{E386D2AB-1AE1-7FCB-C800-B2F1C3947CD6}"/>
+              </a:ext>
+            </a:extLst>
+          </p:cNvPr>
           <p:cNvSpPr>
             <a:spLocks noGrp="1" noRot="1" noChangeAspect="1"/>
           </p:cNvSpPr>
@@ -5767,7 +1561,13 @@
       </p:sp>
       <p:sp>
         <p:nvSpPr>
-          <p:cNvPr id="3" name="Tijdelijke aanduiding voor notities 2"/>
+          <p:cNvPr id="3" name="Tijdelijke aanduiding voor notities 2">
+            <a:extLst>
+              <a:ext uri="{FF2B5EF4-FFF2-40B4-BE49-F238E27FC236}">
+                <a16:creationId xmlns:a16="http://schemas.microsoft.com/office/drawing/2014/main" id="{B2994AF8-FCA4-B8F4-0480-187451B74E5F}"/>
+              </a:ext>
+            </a:extLst>
+          </p:cNvPr>
           <p:cNvSpPr>
             <a:spLocks noGrp="1"/>
           </p:cNvSpPr>
@@ -5780,13 +1580,19 @@
           <a:bodyPr/>
           <a:lstStyle/>
           <a:p>
-            <a:endParaRPr lang="nl-NL"/>
-          </a:p>
-        </p:txBody>
-      </p:sp>
-      <p:sp>
-        <p:nvSpPr>
-          <p:cNvPr id="4" name="Tijdelijke aanduiding voor dianummer 3"/>
+            <a:endParaRPr lang="nl-NL" dirty="0"/>
+          </a:p>
+        </p:txBody>
+      </p:sp>
+      <p:sp>
+        <p:nvSpPr>
+          <p:cNvPr id="4" name="Tijdelijke aanduiding voor dianummer 3">
+            <a:extLst>
+              <a:ext uri="{FF2B5EF4-FFF2-40B4-BE49-F238E27FC236}">
+                <a16:creationId xmlns:a16="http://schemas.microsoft.com/office/drawing/2014/main" id="{775A527D-28D3-4A2F-CE09-07A04E164F83}"/>
+              </a:ext>
+            </a:extLst>
+          </p:cNvPr>
           <p:cNvSpPr>
             <a:spLocks noGrp="1"/>
           </p:cNvSpPr>
@@ -5811,7 +1617,7 @@
     </p:spTree>
     <p:extLst>
       <p:ext uri="{BB962C8B-B14F-4D97-AF65-F5344CB8AC3E}">
-        <p14:creationId xmlns:p14="http://schemas.microsoft.com/office/powerpoint/2010/main" val="941871181"/>
+        <p14:creationId xmlns:p14="http://schemas.microsoft.com/office/powerpoint/2010/main" val="2508006126"/>
       </p:ext>
     </p:extLst>
   </p:cSld>
@@ -5826,7 +1632,13 @@
   <p:cSld>
     <p:spTree>
       <p:nvGrpSpPr>
-        <p:cNvPr id="1" name=""/>
+        <p:cNvPr id="1" name="">
+          <a:extLst>
+            <a:ext uri="{FF2B5EF4-FFF2-40B4-BE49-F238E27FC236}">
+              <a16:creationId xmlns:a16="http://schemas.microsoft.com/office/drawing/2014/main" id="{5FA398FE-E122-3037-A42F-C7E0F7FBF413}"/>
+            </a:ext>
+          </a:extLst>
+        </p:cNvPr>
         <p:cNvGrpSpPr/>
         <p:nvPr/>
       </p:nvGrpSpPr>
@@ -5840,7 +1652,13 @@
       </p:grpSpPr>
       <p:sp>
         <p:nvSpPr>
-          <p:cNvPr id="2" name="Tijdelijke aanduiding voor dia-afbeelding 1"/>
+          <p:cNvPr id="2" name="Tijdelijke aanduiding voor dia-afbeelding 1">
+            <a:extLst>
+              <a:ext uri="{FF2B5EF4-FFF2-40B4-BE49-F238E27FC236}">
+                <a16:creationId xmlns:a16="http://schemas.microsoft.com/office/drawing/2014/main" id="{FF01DBB0-48FD-54E3-356D-01A5C167DC05}"/>
+              </a:ext>
+            </a:extLst>
+          </p:cNvPr>
           <p:cNvSpPr>
             <a:spLocks noGrp="1" noRot="1" noChangeAspect="1"/>
           </p:cNvSpPr>
@@ -5852,7 +1670,13 @@
       </p:sp>
       <p:sp>
         <p:nvSpPr>
-          <p:cNvPr id="3" name="Tijdelijke aanduiding voor notities 2"/>
+          <p:cNvPr id="3" name="Tijdelijke aanduiding voor notities 2">
+            <a:extLst>
+              <a:ext uri="{FF2B5EF4-FFF2-40B4-BE49-F238E27FC236}">
+                <a16:creationId xmlns:a16="http://schemas.microsoft.com/office/drawing/2014/main" id="{416EFFF8-3FC7-E93D-B333-6245971FBF59}"/>
+              </a:ext>
+            </a:extLst>
+          </p:cNvPr>
           <p:cNvSpPr>
             <a:spLocks noGrp="1"/>
           </p:cNvSpPr>
@@ -5865,13 +1689,19 @@
           <a:bodyPr/>
           <a:lstStyle/>
           <a:p>
-            <a:endParaRPr lang="nl-NL"/>
-          </a:p>
-        </p:txBody>
-      </p:sp>
-      <p:sp>
-        <p:nvSpPr>
-          <p:cNvPr id="4" name="Tijdelijke aanduiding voor dianummer 3"/>
+            <a:endParaRPr lang="nl-NL" dirty="0"/>
+          </a:p>
+        </p:txBody>
+      </p:sp>
+      <p:sp>
+        <p:nvSpPr>
+          <p:cNvPr id="4" name="Tijdelijke aanduiding voor dianummer 3">
+            <a:extLst>
+              <a:ext uri="{FF2B5EF4-FFF2-40B4-BE49-F238E27FC236}">
+                <a16:creationId xmlns:a16="http://schemas.microsoft.com/office/drawing/2014/main" id="{9B7DD424-6BF4-3761-9001-6F74766A9D0A}"/>
+              </a:ext>
+            </a:extLst>
+          </p:cNvPr>
           <p:cNvSpPr>
             <a:spLocks noGrp="1"/>
           </p:cNvSpPr>
@@ -5896,7 +1726,7 @@
     </p:spTree>
     <p:extLst>
       <p:ext uri="{BB962C8B-B14F-4D97-AF65-F5344CB8AC3E}">
-        <p14:creationId xmlns:p14="http://schemas.microsoft.com/office/powerpoint/2010/main" val="2142605603"/>
+        <p14:creationId xmlns:p14="http://schemas.microsoft.com/office/powerpoint/2010/main" val="2565087818"/>
       </p:ext>
     </p:extLst>
   </p:cSld>
@@ -5911,7 +1741,13 @@
   <p:cSld>
     <p:spTree>
       <p:nvGrpSpPr>
-        <p:cNvPr id="1" name=""/>
+        <p:cNvPr id="1" name="">
+          <a:extLst>
+            <a:ext uri="{FF2B5EF4-FFF2-40B4-BE49-F238E27FC236}">
+              <a16:creationId xmlns:a16="http://schemas.microsoft.com/office/drawing/2014/main" id="{539D8544-8C2F-A3D2-EEE1-5EE15D0F3E40}"/>
+            </a:ext>
+          </a:extLst>
+        </p:cNvPr>
         <p:cNvGrpSpPr/>
         <p:nvPr/>
       </p:nvGrpSpPr>
@@ -5925,7 +1761,13 @@
       </p:grpSpPr>
       <p:sp>
         <p:nvSpPr>
-          <p:cNvPr id="2" name="Tijdelijke aanduiding voor dia-afbeelding 1"/>
+          <p:cNvPr id="2" name="Tijdelijke aanduiding voor dia-afbeelding 1">
+            <a:extLst>
+              <a:ext uri="{FF2B5EF4-FFF2-40B4-BE49-F238E27FC236}">
+                <a16:creationId xmlns:a16="http://schemas.microsoft.com/office/drawing/2014/main" id="{3E54ED99-4BAB-2601-D578-DC327B12E989}"/>
+              </a:ext>
+            </a:extLst>
+          </p:cNvPr>
           <p:cNvSpPr>
             <a:spLocks noGrp="1" noRot="1" noChangeAspect="1"/>
           </p:cNvSpPr>
@@ -5937,7 +1779,13 @@
       </p:sp>
       <p:sp>
         <p:nvSpPr>
-          <p:cNvPr id="3" name="Tijdelijke aanduiding voor notities 2"/>
+          <p:cNvPr id="3" name="Tijdelijke aanduiding voor notities 2">
+            <a:extLst>
+              <a:ext uri="{FF2B5EF4-FFF2-40B4-BE49-F238E27FC236}">
+                <a16:creationId xmlns:a16="http://schemas.microsoft.com/office/drawing/2014/main" id="{CC7324C9-51D7-D358-238D-09EF50FCE588}"/>
+              </a:ext>
+            </a:extLst>
+          </p:cNvPr>
           <p:cNvSpPr>
             <a:spLocks noGrp="1"/>
           </p:cNvSpPr>
@@ -5956,7 +1804,13 @@
       </p:sp>
       <p:sp>
         <p:nvSpPr>
-          <p:cNvPr id="4" name="Tijdelijke aanduiding voor dianummer 3"/>
+          <p:cNvPr id="4" name="Tijdelijke aanduiding voor dianummer 3">
+            <a:extLst>
+              <a:ext uri="{FF2B5EF4-FFF2-40B4-BE49-F238E27FC236}">
+                <a16:creationId xmlns:a16="http://schemas.microsoft.com/office/drawing/2014/main" id="{87A55D74-8CCC-FE82-1A97-ECEEEBFB2B24}"/>
+              </a:ext>
+            </a:extLst>
+          </p:cNvPr>
           <p:cNvSpPr>
             <a:spLocks noGrp="1"/>
           </p:cNvSpPr>
@@ -5981,7 +1835,7 @@
     </p:spTree>
     <p:extLst>
       <p:ext uri="{BB962C8B-B14F-4D97-AF65-F5344CB8AC3E}">
-        <p14:creationId xmlns:p14="http://schemas.microsoft.com/office/powerpoint/2010/main" val="1594330796"/>
+        <p14:creationId xmlns:p14="http://schemas.microsoft.com/office/powerpoint/2010/main" val="2547831040"/>
       </p:ext>
     </p:extLst>
   </p:cSld>
@@ -6081,7 +1935,13 @@
   <p:cSld>
     <p:spTree>
       <p:nvGrpSpPr>
-        <p:cNvPr id="1" name=""/>
+        <p:cNvPr id="1" name="">
+          <a:extLst>
+            <a:ext uri="{FF2B5EF4-FFF2-40B4-BE49-F238E27FC236}">
+              <a16:creationId xmlns:a16="http://schemas.microsoft.com/office/drawing/2014/main" id="{39C85A50-91DA-EF31-1844-10492273C397}"/>
+            </a:ext>
+          </a:extLst>
+        </p:cNvPr>
         <p:cNvGrpSpPr/>
         <p:nvPr/>
       </p:nvGrpSpPr>
@@ -6095,7 +1955,13 @@
       </p:grpSpPr>
       <p:sp>
         <p:nvSpPr>
-          <p:cNvPr id="2" name="Tijdelijke aanduiding voor dia-afbeelding 1"/>
+          <p:cNvPr id="2" name="Tijdelijke aanduiding voor dia-afbeelding 1">
+            <a:extLst>
+              <a:ext uri="{FF2B5EF4-FFF2-40B4-BE49-F238E27FC236}">
+                <a16:creationId xmlns:a16="http://schemas.microsoft.com/office/drawing/2014/main" id="{6F12B875-8591-E2C8-D5FF-4F08C0F48BFB}"/>
+              </a:ext>
+            </a:extLst>
+          </p:cNvPr>
           <p:cNvSpPr>
             <a:spLocks noGrp="1" noRot="1" noChangeAspect="1"/>
           </p:cNvSpPr>
@@ -6107,7 +1973,13 @@
       </p:sp>
       <p:sp>
         <p:nvSpPr>
-          <p:cNvPr id="3" name="Tijdelijke aanduiding voor notities 2"/>
+          <p:cNvPr id="3" name="Tijdelijke aanduiding voor notities 2">
+            <a:extLst>
+              <a:ext uri="{FF2B5EF4-FFF2-40B4-BE49-F238E27FC236}">
+                <a16:creationId xmlns:a16="http://schemas.microsoft.com/office/drawing/2014/main" id="{786D8C00-EC26-544D-56D1-6A03511EBCB8}"/>
+              </a:ext>
+            </a:extLst>
+          </p:cNvPr>
           <p:cNvSpPr>
             <a:spLocks noGrp="1"/>
           </p:cNvSpPr>
@@ -6126,7 +1998,13 @@
       </p:sp>
       <p:sp>
         <p:nvSpPr>
-          <p:cNvPr id="4" name="Tijdelijke aanduiding voor dianummer 3"/>
+          <p:cNvPr id="4" name="Tijdelijke aanduiding voor dianummer 3">
+            <a:extLst>
+              <a:ext uri="{FF2B5EF4-FFF2-40B4-BE49-F238E27FC236}">
+                <a16:creationId xmlns:a16="http://schemas.microsoft.com/office/drawing/2014/main" id="{FDA2C566-0651-06EC-FDC9-B9143597B066}"/>
+              </a:ext>
+            </a:extLst>
+          </p:cNvPr>
           <p:cNvSpPr>
             <a:spLocks noGrp="1"/>
           </p:cNvSpPr>
@@ -6151,7 +2029,7 @@
     </p:spTree>
     <p:extLst>
       <p:ext uri="{BB962C8B-B14F-4D97-AF65-F5344CB8AC3E}">
-        <p14:creationId xmlns:p14="http://schemas.microsoft.com/office/powerpoint/2010/main" val="3966372192"/>
+        <p14:creationId xmlns:p14="http://schemas.microsoft.com/office/powerpoint/2010/main" val="617732691"/>
       </p:ext>
     </p:extLst>
   </p:cSld>
@@ -6166,7 +2044,13 @@
   <p:cSld>
     <p:spTree>
       <p:nvGrpSpPr>
-        <p:cNvPr id="1" name=""/>
+        <p:cNvPr id="1" name="">
+          <a:extLst>
+            <a:ext uri="{FF2B5EF4-FFF2-40B4-BE49-F238E27FC236}">
+              <a16:creationId xmlns:a16="http://schemas.microsoft.com/office/drawing/2014/main" id="{14D08B14-BE38-584C-E18F-434D94DFF374}"/>
+            </a:ext>
+          </a:extLst>
+        </p:cNvPr>
         <p:cNvGrpSpPr/>
         <p:nvPr/>
       </p:nvGrpSpPr>
@@ -6180,7 +2064,13 @@
       </p:grpSpPr>
       <p:sp>
         <p:nvSpPr>
-          <p:cNvPr id="2" name="Tijdelijke aanduiding voor dia-afbeelding 1"/>
+          <p:cNvPr id="2" name="Tijdelijke aanduiding voor dia-afbeelding 1">
+            <a:extLst>
+              <a:ext uri="{FF2B5EF4-FFF2-40B4-BE49-F238E27FC236}">
+                <a16:creationId xmlns:a16="http://schemas.microsoft.com/office/drawing/2014/main" id="{DCE302C9-51BD-31E7-2C71-A0B9634D7CF2}"/>
+              </a:ext>
+            </a:extLst>
+          </p:cNvPr>
           <p:cNvSpPr>
             <a:spLocks noGrp="1" noRot="1" noChangeAspect="1"/>
           </p:cNvSpPr>
@@ -6192,7 +2082,13 @@
       </p:sp>
       <p:sp>
         <p:nvSpPr>
-          <p:cNvPr id="3" name="Tijdelijke aanduiding voor notities 2"/>
+          <p:cNvPr id="3" name="Tijdelijke aanduiding voor notities 2">
+            <a:extLst>
+              <a:ext uri="{FF2B5EF4-FFF2-40B4-BE49-F238E27FC236}">
+                <a16:creationId xmlns:a16="http://schemas.microsoft.com/office/drawing/2014/main" id="{C693779A-861A-9772-28BD-D4B71A3C0128}"/>
+              </a:ext>
+            </a:extLst>
+          </p:cNvPr>
           <p:cNvSpPr>
             <a:spLocks noGrp="1"/>
           </p:cNvSpPr>
@@ -6211,7 +2107,13 @@
       </p:sp>
       <p:sp>
         <p:nvSpPr>
-          <p:cNvPr id="4" name="Tijdelijke aanduiding voor dianummer 3"/>
+          <p:cNvPr id="4" name="Tijdelijke aanduiding voor dianummer 3">
+            <a:extLst>
+              <a:ext uri="{FF2B5EF4-FFF2-40B4-BE49-F238E27FC236}">
+                <a16:creationId xmlns:a16="http://schemas.microsoft.com/office/drawing/2014/main" id="{C3FC21AF-B212-9036-ABCB-243517618CB7}"/>
+              </a:ext>
+            </a:extLst>
+          </p:cNvPr>
           <p:cNvSpPr>
             <a:spLocks noGrp="1"/>
           </p:cNvSpPr>
@@ -6236,7 +2138,7 @@
     </p:spTree>
     <p:extLst>
       <p:ext uri="{BB962C8B-B14F-4D97-AF65-F5344CB8AC3E}">
-        <p14:creationId xmlns:p14="http://schemas.microsoft.com/office/powerpoint/2010/main" val="3635822807"/>
+        <p14:creationId xmlns:p14="http://schemas.microsoft.com/office/powerpoint/2010/main" val="4130834716"/>
       </p:ext>
     </p:extLst>
   </p:cSld>
@@ -6251,7 +2153,13 @@
   <p:cSld>
     <p:spTree>
       <p:nvGrpSpPr>
-        <p:cNvPr id="1" name=""/>
+        <p:cNvPr id="1" name="">
+          <a:extLst>
+            <a:ext uri="{FF2B5EF4-FFF2-40B4-BE49-F238E27FC236}">
+              <a16:creationId xmlns:a16="http://schemas.microsoft.com/office/drawing/2014/main" id="{DF5032D2-0680-B1FF-642B-A32F583177E1}"/>
+            </a:ext>
+          </a:extLst>
+        </p:cNvPr>
         <p:cNvGrpSpPr/>
         <p:nvPr/>
       </p:nvGrpSpPr>
@@ -6265,7 +2173,13 @@
       </p:grpSpPr>
       <p:sp>
         <p:nvSpPr>
-          <p:cNvPr id="2" name="Tijdelijke aanduiding voor dia-afbeelding 1"/>
+          <p:cNvPr id="2" name="Tijdelijke aanduiding voor dia-afbeelding 1">
+            <a:extLst>
+              <a:ext uri="{FF2B5EF4-FFF2-40B4-BE49-F238E27FC236}">
+                <a16:creationId xmlns:a16="http://schemas.microsoft.com/office/drawing/2014/main" id="{75D406ED-225F-1364-A8AB-C1FE5CEB7AC0}"/>
+              </a:ext>
+            </a:extLst>
+          </p:cNvPr>
           <p:cNvSpPr>
             <a:spLocks noGrp="1" noRot="1" noChangeAspect="1"/>
           </p:cNvSpPr>
@@ -6277,7 +2191,13 @@
       </p:sp>
       <p:sp>
         <p:nvSpPr>
-          <p:cNvPr id="3" name="Tijdelijke aanduiding voor notities 2"/>
+          <p:cNvPr id="3" name="Tijdelijke aanduiding voor notities 2">
+            <a:extLst>
+              <a:ext uri="{FF2B5EF4-FFF2-40B4-BE49-F238E27FC236}">
+                <a16:creationId xmlns:a16="http://schemas.microsoft.com/office/drawing/2014/main" id="{FBAEF469-8487-29BD-0CFB-FB1692DD69D5}"/>
+              </a:ext>
+            </a:extLst>
+          </p:cNvPr>
           <p:cNvSpPr>
             <a:spLocks noGrp="1"/>
           </p:cNvSpPr>
@@ -6296,7 +2216,13 @@
       </p:sp>
       <p:sp>
         <p:nvSpPr>
-          <p:cNvPr id="4" name="Tijdelijke aanduiding voor dianummer 3"/>
+          <p:cNvPr id="4" name="Tijdelijke aanduiding voor dianummer 3">
+            <a:extLst>
+              <a:ext uri="{FF2B5EF4-FFF2-40B4-BE49-F238E27FC236}">
+                <a16:creationId xmlns:a16="http://schemas.microsoft.com/office/drawing/2014/main" id="{AF7CC680-D160-966C-FAD0-CE83E7E8F52A}"/>
+              </a:ext>
+            </a:extLst>
+          </p:cNvPr>
           <p:cNvSpPr>
             <a:spLocks noGrp="1"/>
           </p:cNvSpPr>
@@ -6321,7 +2247,7 @@
     </p:spTree>
     <p:extLst>
       <p:ext uri="{BB962C8B-B14F-4D97-AF65-F5344CB8AC3E}">
-        <p14:creationId xmlns:p14="http://schemas.microsoft.com/office/powerpoint/2010/main" val="3492536891"/>
+        <p14:creationId xmlns:p14="http://schemas.microsoft.com/office/powerpoint/2010/main" val="2968965366"/>
       </p:ext>
     </p:extLst>
   </p:cSld>
@@ -6336,7 +2262,13 @@
   <p:cSld>
     <p:spTree>
       <p:nvGrpSpPr>
-        <p:cNvPr id="1" name=""/>
+        <p:cNvPr id="1" name="">
+          <a:extLst>
+            <a:ext uri="{FF2B5EF4-FFF2-40B4-BE49-F238E27FC236}">
+              <a16:creationId xmlns:a16="http://schemas.microsoft.com/office/drawing/2014/main" id="{9FF8E639-863E-163C-F1A3-1D4E1ABBC300}"/>
+            </a:ext>
+          </a:extLst>
+        </p:cNvPr>
         <p:cNvGrpSpPr/>
         <p:nvPr/>
       </p:nvGrpSpPr>
@@ -6350,7 +2282,13 @@
       </p:grpSpPr>
       <p:sp>
         <p:nvSpPr>
-          <p:cNvPr id="2" name="Tijdelijke aanduiding voor dia-afbeelding 1"/>
+          <p:cNvPr id="2" name="Tijdelijke aanduiding voor dia-afbeelding 1">
+            <a:extLst>
+              <a:ext uri="{FF2B5EF4-FFF2-40B4-BE49-F238E27FC236}">
+                <a16:creationId xmlns:a16="http://schemas.microsoft.com/office/drawing/2014/main" id="{6F2F0CC9-9D82-F6C2-98CE-C963802B5505}"/>
+              </a:ext>
+            </a:extLst>
+          </p:cNvPr>
           <p:cNvSpPr>
             <a:spLocks noGrp="1" noRot="1" noChangeAspect="1"/>
           </p:cNvSpPr>
@@ -6362,7 +2300,13 @@
       </p:sp>
       <p:sp>
         <p:nvSpPr>
-          <p:cNvPr id="3" name="Tijdelijke aanduiding voor notities 2"/>
+          <p:cNvPr id="3" name="Tijdelijke aanduiding voor notities 2">
+            <a:extLst>
+              <a:ext uri="{FF2B5EF4-FFF2-40B4-BE49-F238E27FC236}">
+                <a16:creationId xmlns:a16="http://schemas.microsoft.com/office/drawing/2014/main" id="{0C501196-C71B-05DF-E88B-601AE9243AB9}"/>
+              </a:ext>
+            </a:extLst>
+          </p:cNvPr>
           <p:cNvSpPr>
             <a:spLocks noGrp="1"/>
           </p:cNvSpPr>
@@ -6381,7 +2325,13 @@
       </p:sp>
       <p:sp>
         <p:nvSpPr>
-          <p:cNvPr id="4" name="Tijdelijke aanduiding voor dianummer 3"/>
+          <p:cNvPr id="4" name="Tijdelijke aanduiding voor dianummer 3">
+            <a:extLst>
+              <a:ext uri="{FF2B5EF4-FFF2-40B4-BE49-F238E27FC236}">
+                <a16:creationId xmlns:a16="http://schemas.microsoft.com/office/drawing/2014/main" id="{36269628-7BE6-7E2D-1ADB-7FC27C06DEBD}"/>
+              </a:ext>
+            </a:extLst>
+          </p:cNvPr>
           <p:cNvSpPr>
             <a:spLocks noGrp="1"/>
           </p:cNvSpPr>
@@ -6406,7 +2356,225 @@
     </p:spTree>
     <p:extLst>
       <p:ext uri="{BB962C8B-B14F-4D97-AF65-F5344CB8AC3E}">
-        <p14:creationId xmlns:p14="http://schemas.microsoft.com/office/powerpoint/2010/main" val="3271143853"/>
+        <p14:creationId xmlns:p14="http://schemas.microsoft.com/office/powerpoint/2010/main" val="559259429"/>
+      </p:ext>
+    </p:extLst>
+  </p:cSld>
+  <p:clrMapOvr>
+    <a:masterClrMapping/>
+  </p:clrMapOvr>
+</p:notes>
+</file>
+
+<file path=ppt/notesSlides/notesSlide24.xml><?xml version="1.0" encoding="utf-8"?>
+<p:notes xmlns:a="http://schemas.openxmlformats.org/drawingml/2006/main" xmlns:r="http://schemas.openxmlformats.org/officeDocument/2006/relationships" xmlns:p="http://schemas.openxmlformats.org/presentationml/2006/main">
+  <p:cSld>
+    <p:spTree>
+      <p:nvGrpSpPr>
+        <p:cNvPr id="1" name="">
+          <a:extLst>
+            <a:ext uri="{FF2B5EF4-FFF2-40B4-BE49-F238E27FC236}">
+              <a16:creationId xmlns:a16="http://schemas.microsoft.com/office/drawing/2014/main" id="{7E826BD7-1B98-0D23-AAC3-D39C085AB68D}"/>
+            </a:ext>
+          </a:extLst>
+        </p:cNvPr>
+        <p:cNvGrpSpPr/>
+        <p:nvPr/>
+      </p:nvGrpSpPr>
+      <p:grpSpPr>
+        <a:xfrm>
+          <a:off x="0" y="0"/>
+          <a:ext cx="0" cy="0"/>
+          <a:chOff x="0" y="0"/>
+          <a:chExt cx="0" cy="0"/>
+        </a:xfrm>
+      </p:grpSpPr>
+      <p:sp>
+        <p:nvSpPr>
+          <p:cNvPr id="2" name="Tijdelijke aanduiding voor dia-afbeelding 1">
+            <a:extLst>
+              <a:ext uri="{FF2B5EF4-FFF2-40B4-BE49-F238E27FC236}">
+                <a16:creationId xmlns:a16="http://schemas.microsoft.com/office/drawing/2014/main" id="{8D20129F-ACEB-DD00-495A-12BC8516E018}"/>
+              </a:ext>
+            </a:extLst>
+          </p:cNvPr>
+          <p:cNvSpPr>
+            <a:spLocks noGrp="1" noRot="1" noChangeAspect="1"/>
+          </p:cNvSpPr>
+          <p:nvPr>
+            <p:ph type="sldImg"/>
+          </p:nvPr>
+        </p:nvSpPr>
+        <p:spPr/>
+      </p:sp>
+      <p:sp>
+        <p:nvSpPr>
+          <p:cNvPr id="3" name="Tijdelijke aanduiding voor notities 2">
+            <a:extLst>
+              <a:ext uri="{FF2B5EF4-FFF2-40B4-BE49-F238E27FC236}">
+                <a16:creationId xmlns:a16="http://schemas.microsoft.com/office/drawing/2014/main" id="{2CA899E9-30EB-2519-BBE5-2692A1E7D47A}"/>
+              </a:ext>
+            </a:extLst>
+          </p:cNvPr>
+          <p:cNvSpPr>
+            <a:spLocks noGrp="1"/>
+          </p:cNvSpPr>
+          <p:nvPr>
+            <p:ph type="body" idx="1"/>
+          </p:nvPr>
+        </p:nvSpPr>
+        <p:spPr/>
+        <p:txBody>
+          <a:bodyPr/>
+          <a:lstStyle/>
+          <a:p>
+            <a:endParaRPr lang="nl-NL" dirty="0"/>
+          </a:p>
+        </p:txBody>
+      </p:sp>
+      <p:sp>
+        <p:nvSpPr>
+          <p:cNvPr id="4" name="Tijdelijke aanduiding voor dianummer 3">
+            <a:extLst>
+              <a:ext uri="{FF2B5EF4-FFF2-40B4-BE49-F238E27FC236}">
+                <a16:creationId xmlns:a16="http://schemas.microsoft.com/office/drawing/2014/main" id="{B2BAB305-786E-6E85-6320-301F80FA5FB1}"/>
+              </a:ext>
+            </a:extLst>
+          </p:cNvPr>
+          <p:cNvSpPr>
+            <a:spLocks noGrp="1"/>
+          </p:cNvSpPr>
+          <p:nvPr>
+            <p:ph type="sldNum" sz="quarter" idx="10"/>
+          </p:nvPr>
+        </p:nvSpPr>
+        <p:spPr/>
+        <p:txBody>
+          <a:bodyPr/>
+          <a:lstStyle/>
+          <a:p>
+            <a:pPr rtl="0"/>
+            <a:fld id="{DED491D0-8E1B-49C7-849B-A28568D94497}" type="slidenum">
+              <a:rPr lang="nl-NL" noProof="0" smtClean="0"/>
+              <a:t>24</a:t>
+            </a:fld>
+            <a:endParaRPr lang="nl-NL" noProof="0" dirty="0"/>
+          </a:p>
+        </p:txBody>
+      </p:sp>
+    </p:spTree>
+    <p:extLst>
+      <p:ext uri="{BB962C8B-B14F-4D97-AF65-F5344CB8AC3E}">
+        <p14:creationId xmlns:p14="http://schemas.microsoft.com/office/powerpoint/2010/main" val="3044162170"/>
+      </p:ext>
+    </p:extLst>
+  </p:cSld>
+  <p:clrMapOvr>
+    <a:masterClrMapping/>
+  </p:clrMapOvr>
+</p:notes>
+</file>
+
+<file path=ppt/notesSlides/notesSlide25.xml><?xml version="1.0" encoding="utf-8"?>
+<p:notes xmlns:a="http://schemas.openxmlformats.org/drawingml/2006/main" xmlns:r="http://schemas.openxmlformats.org/officeDocument/2006/relationships" xmlns:p="http://schemas.openxmlformats.org/presentationml/2006/main">
+  <p:cSld>
+    <p:spTree>
+      <p:nvGrpSpPr>
+        <p:cNvPr id="1" name="">
+          <a:extLst>
+            <a:ext uri="{FF2B5EF4-FFF2-40B4-BE49-F238E27FC236}">
+              <a16:creationId xmlns:a16="http://schemas.microsoft.com/office/drawing/2014/main" id="{C1BFE7B8-5123-F8DA-BEFC-9392C534EC42}"/>
+            </a:ext>
+          </a:extLst>
+        </p:cNvPr>
+        <p:cNvGrpSpPr/>
+        <p:nvPr/>
+      </p:nvGrpSpPr>
+      <p:grpSpPr>
+        <a:xfrm>
+          <a:off x="0" y="0"/>
+          <a:ext cx="0" cy="0"/>
+          <a:chOff x="0" y="0"/>
+          <a:chExt cx="0" cy="0"/>
+        </a:xfrm>
+      </p:grpSpPr>
+      <p:sp>
+        <p:nvSpPr>
+          <p:cNvPr id="2" name="Tijdelijke aanduiding voor dia-afbeelding 1">
+            <a:extLst>
+              <a:ext uri="{FF2B5EF4-FFF2-40B4-BE49-F238E27FC236}">
+                <a16:creationId xmlns:a16="http://schemas.microsoft.com/office/drawing/2014/main" id="{31DF9584-4CB3-11E3-A50A-70AAB377A068}"/>
+              </a:ext>
+            </a:extLst>
+          </p:cNvPr>
+          <p:cNvSpPr>
+            <a:spLocks noGrp="1" noRot="1" noChangeAspect="1"/>
+          </p:cNvSpPr>
+          <p:nvPr>
+            <p:ph type="sldImg"/>
+          </p:nvPr>
+        </p:nvSpPr>
+        <p:spPr/>
+      </p:sp>
+      <p:sp>
+        <p:nvSpPr>
+          <p:cNvPr id="3" name="Tijdelijke aanduiding voor notities 2">
+            <a:extLst>
+              <a:ext uri="{FF2B5EF4-FFF2-40B4-BE49-F238E27FC236}">
+                <a16:creationId xmlns:a16="http://schemas.microsoft.com/office/drawing/2014/main" id="{8CD8F52E-2A66-60BE-EE8E-A48F2AD11872}"/>
+              </a:ext>
+            </a:extLst>
+          </p:cNvPr>
+          <p:cNvSpPr>
+            <a:spLocks noGrp="1"/>
+          </p:cNvSpPr>
+          <p:nvPr>
+            <p:ph type="body" idx="1"/>
+          </p:nvPr>
+        </p:nvSpPr>
+        <p:spPr/>
+        <p:txBody>
+          <a:bodyPr/>
+          <a:lstStyle/>
+          <a:p>
+            <a:endParaRPr lang="nl-NL" dirty="0"/>
+          </a:p>
+        </p:txBody>
+      </p:sp>
+      <p:sp>
+        <p:nvSpPr>
+          <p:cNvPr id="4" name="Tijdelijke aanduiding voor dianummer 3">
+            <a:extLst>
+              <a:ext uri="{FF2B5EF4-FFF2-40B4-BE49-F238E27FC236}">
+                <a16:creationId xmlns:a16="http://schemas.microsoft.com/office/drawing/2014/main" id="{21F128E4-FAF6-4FD8-58B7-742A6F327E21}"/>
+              </a:ext>
+            </a:extLst>
+          </p:cNvPr>
+          <p:cNvSpPr>
+            <a:spLocks noGrp="1"/>
+          </p:cNvSpPr>
+          <p:nvPr>
+            <p:ph type="sldNum" sz="quarter" idx="10"/>
+          </p:nvPr>
+        </p:nvSpPr>
+        <p:spPr/>
+        <p:txBody>
+          <a:bodyPr/>
+          <a:lstStyle/>
+          <a:p>
+            <a:pPr rtl="0"/>
+            <a:fld id="{DED491D0-8E1B-49C7-849B-A28568D94497}" type="slidenum">
+              <a:rPr lang="nl-NL" noProof="0" smtClean="0"/>
+              <a:t>25</a:t>
+            </a:fld>
+            <a:endParaRPr lang="nl-NL" noProof="0" dirty="0"/>
+          </a:p>
+        </p:txBody>
+      </p:sp>
+    </p:spTree>
+    <p:extLst>
+      <p:ext uri="{BB962C8B-B14F-4D97-AF65-F5344CB8AC3E}">
+        <p14:creationId xmlns:p14="http://schemas.microsoft.com/office/powerpoint/2010/main" val="394494155"/>
       </p:ext>
     </p:extLst>
   </p:cSld>
@@ -7272,6 +3440,13 @@
               <a:schemeClr val="lt1"/>
             </a:fontRef>
           </p:style>
+          <p:txBody>
+            <a:bodyPr/>
+            <a:lstStyle/>
+            <a:p>
+              <a:endParaRPr lang="nl-NL"/>
+            </a:p>
+          </p:txBody>
         </p:sp>
         <p:cxnSp>
           <p:nvCxnSpPr>
@@ -7409,6 +3584,13 @@
               <a:schemeClr val="lt1"/>
             </a:fontRef>
           </p:style>
+          <p:txBody>
+            <a:bodyPr/>
+            <a:lstStyle/>
+            <a:p>
+              <a:endParaRPr lang="nl-NL"/>
+            </a:p>
+          </p:txBody>
         </p:sp>
         <p:sp>
           <p:nvSpPr>
@@ -7472,6 +3654,13 @@
               <a:schemeClr val="lt1"/>
             </a:fontRef>
           </p:style>
+          <p:txBody>
+            <a:bodyPr/>
+            <a:lstStyle/>
+            <a:p>
+              <a:endParaRPr lang="nl-NL"/>
+            </a:p>
+          </p:txBody>
         </p:sp>
         <p:sp>
           <p:nvSpPr>
@@ -7514,6 +3703,13 @@
               <a:schemeClr val="lt1"/>
             </a:fontRef>
           </p:style>
+          <p:txBody>
+            <a:bodyPr/>
+            <a:lstStyle/>
+            <a:p>
+              <a:endParaRPr lang="nl-NL"/>
+            </a:p>
+          </p:txBody>
         </p:sp>
         <p:sp>
           <p:nvSpPr>
@@ -7578,6 +3774,13 @@
               <a:schemeClr val="lt1"/>
             </a:fontRef>
           </p:style>
+          <p:txBody>
+            <a:bodyPr/>
+            <a:lstStyle/>
+            <a:p>
+              <a:endParaRPr lang="nl-NL"/>
+            </a:p>
+          </p:txBody>
         </p:sp>
         <p:sp>
           <p:nvSpPr>
@@ -7641,6 +3844,13 @@
               <a:schemeClr val="lt1"/>
             </a:fontRef>
           </p:style>
+          <p:txBody>
+            <a:bodyPr/>
+            <a:lstStyle/>
+            <a:p>
+              <a:endParaRPr lang="nl-NL"/>
+            </a:p>
+          </p:txBody>
         </p:sp>
         <p:sp>
           <p:nvSpPr>
@@ -7705,6 +3915,13 @@
               <a:schemeClr val="lt1"/>
             </a:fontRef>
           </p:style>
+          <p:txBody>
+            <a:bodyPr/>
+            <a:lstStyle/>
+            <a:p>
+              <a:endParaRPr lang="nl-NL"/>
+            </a:p>
+          </p:txBody>
         </p:sp>
         <p:sp>
           <p:nvSpPr>
@@ -7747,6 +3964,13 @@
               <a:schemeClr val="lt1"/>
             </a:fontRef>
           </p:style>
+          <p:txBody>
+            <a:bodyPr/>
+            <a:lstStyle/>
+            <a:p>
+              <a:endParaRPr lang="nl-NL"/>
+            </a:p>
+          </p:txBody>
         </p:sp>
       </p:grpSp>
       <p:sp>
@@ -11993,6 +8217,13 @@
               <a:schemeClr val="lt1"/>
             </a:fontRef>
           </p:style>
+          <p:txBody>
+            <a:bodyPr/>
+            <a:lstStyle/>
+            <a:p>
+              <a:endParaRPr lang="nl-NL"/>
+            </a:p>
+          </p:txBody>
         </p:sp>
         <p:sp>
           <p:nvSpPr>
@@ -12056,6 +8287,13 @@
               <a:schemeClr val="lt1"/>
             </a:fontRef>
           </p:style>
+          <p:txBody>
+            <a:bodyPr/>
+            <a:lstStyle/>
+            <a:p>
+              <a:endParaRPr lang="nl-NL"/>
+            </a:p>
+          </p:txBody>
         </p:sp>
         <p:sp>
           <p:nvSpPr>
@@ -12098,6 +8336,13 @@
               <a:schemeClr val="lt1"/>
             </a:fontRef>
           </p:style>
+          <p:txBody>
+            <a:bodyPr/>
+            <a:lstStyle/>
+            <a:p>
+              <a:endParaRPr lang="nl-NL"/>
+            </a:p>
+          </p:txBody>
         </p:sp>
         <p:sp>
           <p:nvSpPr>
@@ -12162,6 +8407,13 @@
               <a:schemeClr val="lt1"/>
             </a:fontRef>
           </p:style>
+          <p:txBody>
+            <a:bodyPr/>
+            <a:lstStyle/>
+            <a:p>
+              <a:endParaRPr lang="nl-NL"/>
+            </a:p>
+          </p:txBody>
         </p:sp>
         <p:sp>
           <p:nvSpPr>
@@ -12225,6 +8477,13 @@
               <a:schemeClr val="lt1"/>
             </a:fontRef>
           </p:style>
+          <p:txBody>
+            <a:bodyPr/>
+            <a:lstStyle/>
+            <a:p>
+              <a:endParaRPr lang="nl-NL"/>
+            </a:p>
+          </p:txBody>
         </p:sp>
         <p:sp>
           <p:nvSpPr>
@@ -12289,6 +8548,13 @@
               <a:schemeClr val="lt1"/>
             </a:fontRef>
           </p:style>
+          <p:txBody>
+            <a:bodyPr/>
+            <a:lstStyle/>
+            <a:p>
+              <a:endParaRPr lang="nl-NL"/>
+            </a:p>
+          </p:txBody>
         </p:sp>
         <p:sp>
           <p:nvSpPr>
@@ -12331,6 +8597,13 @@
               <a:schemeClr val="lt1"/>
             </a:fontRef>
           </p:style>
+          <p:txBody>
+            <a:bodyPr/>
+            <a:lstStyle/>
+            <a:p>
+              <a:endParaRPr lang="nl-NL"/>
+            </a:p>
+          </p:txBody>
         </p:sp>
         <p:sp>
           <p:nvSpPr>
@@ -12372,6 +8645,13 @@
               <a:schemeClr val="lt1"/>
             </a:fontRef>
           </p:style>
+          <p:txBody>
+            <a:bodyPr/>
+            <a:lstStyle/>
+            <a:p>
+              <a:endParaRPr lang="nl-NL"/>
+            </a:p>
+          </p:txBody>
         </p:sp>
       </p:grpSp>
       <p:sp>
@@ -14360,7 +10640,13 @@
   <p:cSld>
     <p:spTree>
       <p:nvGrpSpPr>
-        <p:cNvPr id="1" name=""/>
+        <p:cNvPr id="1" name="">
+          <a:extLst>
+            <a:ext uri="{FF2B5EF4-FFF2-40B4-BE49-F238E27FC236}">
+              <a16:creationId xmlns:a16="http://schemas.microsoft.com/office/drawing/2014/main" id="{853EC45E-0F7E-918A-0209-776D5BE50EC8}"/>
+            </a:ext>
+          </a:extLst>
+        </p:cNvPr>
         <p:cNvGrpSpPr/>
         <p:nvPr/>
       </p:nvGrpSpPr>
@@ -14374,7 +10660,13 @@
       </p:grpSpPr>
       <p:sp>
         <p:nvSpPr>
-          <p:cNvPr id="2" name="Titel 1"/>
+          <p:cNvPr id="13" name="Titel 1">
+            <a:extLst>
+              <a:ext uri="{FF2B5EF4-FFF2-40B4-BE49-F238E27FC236}">
+                <a16:creationId xmlns:a16="http://schemas.microsoft.com/office/drawing/2014/main" id="{35F34A00-E755-4B7E-8D3B-15281C2CB39D}"/>
+              </a:ext>
+            </a:extLst>
+          </p:cNvPr>
           <p:cNvSpPr>
             <a:spLocks noGrp="1"/>
           </p:cNvSpPr>
@@ -14389,56 +10681,362 @@
           </a:bodyPr>
           <a:lstStyle/>
           <a:p>
-            <a:pPr rtl="0"/>
-            <a:r>
-              <a:rPr lang="nl-NL" dirty="0"/>
-              <a:t>Indeling van titel en inhoud met grafiek</a:t>
-            </a:r>
-          </a:p>
-        </p:txBody>
-      </p:sp>
-      <p:graphicFrame>
-        <p:nvGraphicFramePr>
-          <p:cNvPr id="9" name="Tijdelijke aanduiding voor inhoud 2" descr="Gegroepeerd kolomdiagram met de waarden van 3 reeksen voor 4 categorieën"/>
-          <p:cNvGraphicFramePr>
-            <a:graphicFrameLocks noGrp="1"/>
-          </p:cNvGraphicFramePr>
+            <a:r>
+              <a:rPr lang="nl-NL" dirty="0" err="1"/>
+              <a:t>Newton’s</a:t>
+            </a:r>
+            <a:r>
+              <a:rPr lang="nl-NL" dirty="0"/>
+              <a:t> </a:t>
+            </a:r>
+            <a:r>
+              <a:rPr lang="nl-NL" dirty="0" err="1"/>
+              <a:t>method</a:t>
+            </a:r>
+            <a:r>
+              <a:rPr lang="nl-NL" dirty="0"/>
+              <a:t> </a:t>
+            </a:r>
+            <a:r>
+              <a:rPr lang="nl-NL" dirty="0" err="1"/>
+              <a:t>with</a:t>
+            </a:r>
+            <a:r>
+              <a:rPr lang="nl-NL" dirty="0"/>
+              <a:t> </a:t>
+            </a:r>
+            <a:r>
+              <a:rPr lang="nl-NL" dirty="0" err="1"/>
+              <a:t>two</a:t>
+            </a:r>
+            <a:r>
+              <a:rPr lang="nl-NL" dirty="0"/>
+              <a:t> or more variables</a:t>
+            </a:r>
+          </a:p>
+        </p:txBody>
+      </p:sp>
+      <p:sp>
+        <p:nvSpPr>
+          <p:cNvPr id="14" name="Tijdelijke aanduiding voor inhoud 2">
+            <a:extLst>
+              <a:ext uri="{FF2B5EF4-FFF2-40B4-BE49-F238E27FC236}">
+                <a16:creationId xmlns:a16="http://schemas.microsoft.com/office/drawing/2014/main" id="{9CCA0A14-407D-546E-C978-FD64DB503043}"/>
+              </a:ext>
+            </a:extLst>
+          </p:cNvPr>
+          <p:cNvSpPr>
+            <a:spLocks noGrp="1"/>
+          </p:cNvSpPr>
           <p:nvPr>
             <p:ph idx="1"/>
-            <p:extLst>
-              <p:ext uri="{D42A27DB-BD31-4B8C-83A1-F6EECF244321}">
-                <p14:modId xmlns:p14="http://schemas.microsoft.com/office/powerpoint/2010/main" val="2862276880"/>
-              </p:ext>
-            </p:extLst>
-          </p:nvPr>
-        </p:nvGraphicFramePr>
-        <p:xfrm>
-          <a:off x="677863" y="2160588"/>
-          <a:ext cx="8596312" cy="3881437"/>
-        </p:xfrm>
-        <a:graphic>
-          <a:graphicData uri="http://schemas.openxmlformats.org/drawingml/2006/chart">
-            <c:chart xmlns:c="http://schemas.openxmlformats.org/drawingml/2006/chart" xmlns:r="http://schemas.openxmlformats.org/officeDocument/2006/relationships" r:id="rId3"/>
-          </a:graphicData>
-        </a:graphic>
-      </p:graphicFrame>
+          </p:nvPr>
+        </p:nvSpPr>
+        <p:spPr/>
+        <p:txBody>
+          <a:bodyPr rtlCol="0">
+            <a:normAutofit/>
+          </a:bodyPr>
+          <a:lstStyle/>
+          <a:p>
+            <a:pPr rtl="0"/>
+            <a:r>
+              <a:rPr lang="nl-NL" dirty="0" err="1"/>
+              <a:t>Principles</a:t>
+            </a:r>
+            <a:r>
+              <a:rPr lang="nl-NL" dirty="0"/>
+              <a:t> </a:t>
+            </a:r>
+            <a:r>
+              <a:rPr lang="nl-NL" dirty="0" err="1"/>
+              <a:t>identical</a:t>
+            </a:r>
+            <a:endParaRPr lang="nl-NL" dirty="0"/>
+          </a:p>
+          <a:p>
+            <a:pPr rtl="0"/>
+            <a:r>
+              <a:rPr lang="nl-NL" dirty="0"/>
+              <a:t>Minima, maxima </a:t>
+            </a:r>
+            <a:r>
+              <a:rPr lang="nl-NL" dirty="0" err="1"/>
+              <a:t>and</a:t>
+            </a:r>
+            <a:r>
+              <a:rPr lang="nl-NL" dirty="0"/>
+              <a:t> </a:t>
+            </a:r>
+            <a:r>
+              <a:rPr lang="nl-NL" dirty="0" err="1"/>
+              <a:t>inconclusive</a:t>
+            </a:r>
+            <a:endParaRPr lang="nl-NL" dirty="0"/>
+          </a:p>
+          <a:p>
+            <a:pPr lvl="1"/>
+            <a:r>
+              <a:rPr lang="nl-NL" dirty="0" err="1"/>
+              <a:t>If</a:t>
+            </a:r>
+            <a:r>
+              <a:rPr lang="nl-NL" dirty="0"/>
+              <a:t> </a:t>
+            </a:r>
+            <a:r>
+              <a:rPr lang="nl-NL" dirty="0" err="1"/>
+              <a:t>all</a:t>
+            </a:r>
+            <a:r>
+              <a:rPr lang="nl-NL" dirty="0"/>
+              <a:t> </a:t>
+            </a:r>
+            <a:r>
+              <a:rPr lang="nl-NL" dirty="0" err="1"/>
+              <a:t>the</a:t>
+            </a:r>
+            <a:r>
+              <a:rPr lang="nl-NL" dirty="0"/>
+              <a:t> </a:t>
+            </a:r>
+            <a:r>
+              <a:rPr lang="nl-NL" dirty="0" err="1"/>
+              <a:t>eigenvalues</a:t>
+            </a:r>
+            <a:r>
+              <a:rPr lang="nl-NL" dirty="0"/>
+              <a:t> of Hf at (</a:t>
+            </a:r>
+            <a:r>
+              <a:rPr lang="nl-NL" dirty="0" err="1"/>
+              <a:t>x,y</a:t>
+            </a:r>
+            <a:r>
+              <a:rPr lang="nl-NL" dirty="0"/>
+              <a:t>) are </a:t>
+            </a:r>
+            <a:r>
+              <a:rPr lang="nl-NL" dirty="0" err="1"/>
+              <a:t>positive</a:t>
+            </a:r>
+            <a:r>
+              <a:rPr lang="nl-NL" dirty="0"/>
+              <a:t>, </a:t>
+            </a:r>
+            <a:r>
+              <a:rPr lang="nl-NL" dirty="0" err="1"/>
+              <a:t>it’s</a:t>
+            </a:r>
+            <a:r>
+              <a:rPr lang="nl-NL" dirty="0"/>
+              <a:t> a minimum</a:t>
+            </a:r>
+          </a:p>
+          <a:p>
+            <a:pPr lvl="1"/>
+            <a:r>
+              <a:rPr lang="nl-NL" dirty="0" err="1"/>
+              <a:t>If</a:t>
+            </a:r>
+            <a:r>
+              <a:rPr lang="nl-NL" dirty="0"/>
+              <a:t> </a:t>
+            </a:r>
+            <a:r>
+              <a:rPr lang="nl-NL" dirty="0" err="1"/>
+              <a:t>all</a:t>
+            </a:r>
+            <a:r>
+              <a:rPr lang="nl-NL" dirty="0"/>
+              <a:t> </a:t>
+            </a:r>
+            <a:r>
+              <a:rPr lang="nl-NL" dirty="0" err="1"/>
+              <a:t>the</a:t>
+            </a:r>
+            <a:r>
+              <a:rPr lang="nl-NL" dirty="0"/>
+              <a:t> </a:t>
+            </a:r>
+            <a:r>
+              <a:rPr lang="nl-NL" dirty="0" err="1"/>
+              <a:t>eigenvalues</a:t>
+            </a:r>
+            <a:r>
+              <a:rPr lang="nl-NL" dirty="0"/>
+              <a:t> of Hf at (</a:t>
+            </a:r>
+            <a:r>
+              <a:rPr lang="nl-NL" dirty="0" err="1"/>
+              <a:t>x,y</a:t>
+            </a:r>
+            <a:r>
+              <a:rPr lang="nl-NL" dirty="0"/>
+              <a:t>) are </a:t>
+            </a:r>
+            <a:r>
+              <a:rPr lang="nl-NL" dirty="0" err="1"/>
+              <a:t>negative</a:t>
+            </a:r>
+            <a:r>
+              <a:rPr lang="nl-NL" dirty="0"/>
+              <a:t>, </a:t>
+            </a:r>
+            <a:r>
+              <a:rPr lang="nl-NL" dirty="0" err="1"/>
+              <a:t>it’s</a:t>
+            </a:r>
+            <a:r>
+              <a:rPr lang="nl-NL" dirty="0"/>
+              <a:t> a maximum</a:t>
+            </a:r>
+          </a:p>
+          <a:p>
+            <a:pPr lvl="1"/>
+            <a:r>
+              <a:rPr lang="nl-NL" dirty="0" err="1"/>
+              <a:t>If</a:t>
+            </a:r>
+            <a:r>
+              <a:rPr lang="nl-NL" dirty="0"/>
+              <a:t> </a:t>
+            </a:r>
+            <a:r>
+              <a:rPr lang="nl-NL" dirty="0" err="1"/>
+              <a:t>one</a:t>
+            </a:r>
+            <a:r>
+              <a:rPr lang="nl-NL" dirty="0"/>
+              <a:t> of </a:t>
+            </a:r>
+            <a:r>
+              <a:rPr lang="nl-NL" dirty="0" err="1"/>
+              <a:t>the</a:t>
+            </a:r>
+            <a:r>
+              <a:rPr lang="nl-NL" dirty="0"/>
+              <a:t> </a:t>
+            </a:r>
+            <a:r>
+              <a:rPr lang="nl-NL" dirty="0" err="1"/>
+              <a:t>eigenvalues</a:t>
+            </a:r>
+            <a:r>
+              <a:rPr lang="nl-NL" dirty="0"/>
+              <a:t> of Hf at (</a:t>
+            </a:r>
+            <a:r>
+              <a:rPr lang="nl-NL" dirty="0" err="1"/>
+              <a:t>x,y</a:t>
+            </a:r>
+            <a:r>
+              <a:rPr lang="nl-NL" dirty="0"/>
+              <a:t>) are zero, or we have mixed </a:t>
+            </a:r>
+            <a:r>
+              <a:rPr lang="nl-NL" dirty="0" err="1"/>
+              <a:t>signs</a:t>
+            </a:r>
+            <a:r>
+              <a:rPr lang="nl-NL" dirty="0"/>
+              <a:t>, </a:t>
+            </a:r>
+            <a:r>
+              <a:rPr lang="nl-NL" dirty="0" err="1"/>
+              <a:t>it’s</a:t>
+            </a:r>
+            <a:r>
+              <a:rPr lang="nl-NL" dirty="0"/>
+              <a:t> </a:t>
+            </a:r>
+            <a:r>
+              <a:rPr lang="nl-NL" dirty="0" err="1"/>
+              <a:t>inconclusive</a:t>
+            </a:r>
+            <a:endParaRPr lang="nl-NL" dirty="0"/>
+          </a:p>
+          <a:p>
+            <a:pPr marL="0" indent="0" rtl="0">
+              <a:buNone/>
+            </a:pPr>
+            <a:endParaRPr lang="nl-NL" dirty="0"/>
+          </a:p>
+          <a:p>
+            <a:pPr lvl="1"/>
+            <a:endParaRPr lang="nl-NL" dirty="0"/>
+          </a:p>
+          <a:p>
+            <a:pPr lvl="1"/>
+            <a:endParaRPr lang="nl-NL" dirty="0"/>
+          </a:p>
+          <a:p>
+            <a:pPr lvl="1"/>
+            <a:endParaRPr lang="nl-NL" dirty="0"/>
+          </a:p>
+          <a:p>
+            <a:pPr rtl="0"/>
+            <a:endParaRPr lang="nl-NL" dirty="0"/>
+          </a:p>
+          <a:p>
+            <a:pPr rtl="0"/>
+            <a:endParaRPr lang="nl-NL" dirty="0"/>
+          </a:p>
+        </p:txBody>
+      </p:sp>
+      <p:pic>
+        <p:nvPicPr>
+          <p:cNvPr id="6" name="Afbeelding 5">
+            <a:extLst>
+              <a:ext uri="{FF2B5EF4-FFF2-40B4-BE49-F238E27FC236}">
+                <a16:creationId xmlns:a16="http://schemas.microsoft.com/office/drawing/2014/main" id="{6EF8026F-D017-209F-EB23-08B9C701AB18}"/>
+              </a:ext>
+            </a:extLst>
+          </p:cNvPr>
+          <p:cNvPicPr>
+            <a:picLocks noChangeAspect="1"/>
+          </p:cNvPicPr>
+          <p:nvPr/>
+        </p:nvPicPr>
+        <p:blipFill>
+          <a:blip r:embed="rId3">
+            <a:extLst>
+              <a:ext uri="{28A0092B-C50C-407E-A947-70E740481C1C}">
+                <a14:useLocalDpi xmlns:a14="http://schemas.microsoft.com/office/drawing/2010/main" val="0"/>
+              </a:ext>
+            </a:extLst>
+          </a:blip>
+          <a:stretch>
+            <a:fillRect/>
+          </a:stretch>
+        </p:blipFill>
+        <p:spPr>
+          <a:xfrm>
+            <a:off x="677334" y="4796653"/>
+            <a:ext cx="7772400" cy="737253"/>
+          </a:xfrm>
+          <a:prstGeom prst="rect">
+            <a:avLst/>
+          </a:prstGeom>
+        </p:spPr>
+      </p:pic>
     </p:spTree>
     <p:extLst>
       <p:ext uri="{BB962C8B-B14F-4D97-AF65-F5344CB8AC3E}">
-        <p14:creationId xmlns:p14="http://schemas.microsoft.com/office/powerpoint/2010/main" val="1848256825"/>
+        <p14:creationId xmlns:p14="http://schemas.microsoft.com/office/powerpoint/2010/main" val="2872059284"/>
       </p:ext>
     </p:extLst>
   </p:cSld>
   <p:clrMapOvr>
     <a:masterClrMapping/>
   </p:clrMapOvr>
-  <mc:AlternateContent xmlns:mc="http://schemas.openxmlformats.org/markup-compatibility/2006" xmlns:p14="http://schemas.microsoft.com/office/powerpoint/2010/main">
-    <mc:Choice Requires="p14">
+  <mc:AlternateContent xmlns:mc="http://schemas.openxmlformats.org/markup-compatibility/2006">
+    <mc:Choice xmlns:p14="http://schemas.microsoft.com/office/powerpoint/2010/main" Requires="p14">
       <p:transition spd="med" p14:dur="700">
         <p:fade/>
       </p:transition>
     </mc:Choice>
-    <mc:Fallback xmlns="">
+    <mc:Fallback>
       <p:transition spd="med">
         <p:fade/>
       </p:transition>
@@ -14452,7 +11050,13 @@
   <p:cSld>
     <p:spTree>
       <p:nvGrpSpPr>
-        <p:cNvPr id="1" name=""/>
+        <p:cNvPr id="1" name="">
+          <a:extLst>
+            <a:ext uri="{FF2B5EF4-FFF2-40B4-BE49-F238E27FC236}">
+              <a16:creationId xmlns:a16="http://schemas.microsoft.com/office/drawing/2014/main" id="{47E48DB7-7A7C-F7E5-0B5B-A954461A390C}"/>
+            </a:ext>
+          </a:extLst>
+        </p:cNvPr>
         <p:cNvGrpSpPr/>
         <p:nvPr/>
       </p:nvGrpSpPr>
@@ -14466,7 +11070,13 @@
       </p:grpSpPr>
       <p:sp>
         <p:nvSpPr>
-          <p:cNvPr id="2" name="Titel 1"/>
+          <p:cNvPr id="13" name="Titel 1">
+            <a:extLst>
+              <a:ext uri="{FF2B5EF4-FFF2-40B4-BE49-F238E27FC236}">
+                <a16:creationId xmlns:a16="http://schemas.microsoft.com/office/drawing/2014/main" id="{CE11753A-C062-D20C-C560-F26CB8DD0B92}"/>
+              </a:ext>
+            </a:extLst>
+          </p:cNvPr>
           <p:cNvSpPr>
             <a:spLocks noGrp="1"/>
           </p:cNvSpPr>
@@ -14481,316 +11091,191 @@
           </a:bodyPr>
           <a:lstStyle/>
           <a:p>
-            <a:pPr rtl="0"/>
-            <a:r>
-              <a:rPr lang="nl-NL" dirty="0"/>
-              <a:t>Indeling van inhoud van twee met tabel</a:t>
-            </a:r>
-          </a:p>
-        </p:txBody>
-      </p:sp>
-      <p:sp>
-        <p:nvSpPr>
-          <p:cNvPr id="3" name="Tijdelijke aanduiding voor inhoud 2"/>
-          <p:cNvSpPr>
-            <a:spLocks noGrp="1"/>
-          </p:cNvSpPr>
-          <p:nvPr>
-            <p:ph sz="half" idx="1"/>
-          </p:nvPr>
-        </p:nvSpPr>
-        <p:spPr/>
-        <p:txBody>
-          <a:bodyPr rtlCol="0"/>
-          <a:lstStyle/>
-          <a:p>
-            <a:pPr rtl="0"/>
-            <a:r>
-              <a:rPr lang="nl-NL" dirty="0"/>
-              <a:t>Eerste opsommingsteken hier</a:t>
-            </a:r>
-          </a:p>
-          <a:p>
-            <a:pPr rtl="0"/>
-            <a:r>
-              <a:rPr lang="nl-NL" dirty="0"/>
-              <a:t>Tweede opsommingsteken hier</a:t>
-            </a:r>
-          </a:p>
-          <a:p>
-            <a:pPr rtl="0"/>
-            <a:r>
-              <a:rPr lang="nl-NL" dirty="0"/>
-              <a:t>Derde opsommingsteken hier</a:t>
-            </a:r>
-          </a:p>
-        </p:txBody>
-      </p:sp>
-      <p:graphicFrame>
-        <p:nvGraphicFramePr>
-          <p:cNvPr id="12" name="Tijdelijke aanduiding voor inhoud 3"/>
-          <p:cNvGraphicFramePr>
-            <a:graphicFrameLocks noGrp="1"/>
-          </p:cNvGraphicFramePr>
-          <p:nvPr>
-            <p:ph sz="half" idx="2"/>
-            <p:extLst>
-              <p:ext uri="{D42A27DB-BD31-4B8C-83A1-F6EECF244321}">
-                <p14:modId xmlns:p14="http://schemas.microsoft.com/office/powerpoint/2010/main" val="3548714968"/>
-              </p:ext>
-            </p:extLst>
-          </p:nvPr>
-        </p:nvGraphicFramePr>
-        <p:xfrm>
-          <a:off x="5089525" y="2160588"/>
-          <a:ext cx="4184650" cy="3881437"/>
-        </p:xfrm>
-        <a:graphic>
-          <a:graphicData uri="http://schemas.openxmlformats.org/drawingml/2006/table">
-            <a:tbl>
-              <a:tblPr firstRow="1" bandRow="1">
-                <a:tableStyleId>{3B4B98B0-60AC-42C2-AFA5-B58CD77FA1E5}</a:tableStyleId>
-              </a:tblPr>
-              <a:tblGrid>
-                <a:gridCol w="1394886">
-                  <a:extLst>
-                    <a:ext uri="{9D8B030D-6E8A-4147-A177-3AD203B41FA5}">
-                      <a16:colId xmlns:a16="http://schemas.microsoft.com/office/drawing/2014/main" val="20000"/>
-                    </a:ext>
-                  </a:extLst>
-                </a:gridCol>
-                <a:gridCol w="1394886">
-                  <a:extLst>
-                    <a:ext uri="{9D8B030D-6E8A-4147-A177-3AD203B41FA5}">
-                      <a16:colId xmlns:a16="http://schemas.microsoft.com/office/drawing/2014/main" val="20001"/>
-                    </a:ext>
-                  </a:extLst>
-                </a:gridCol>
-                <a:gridCol w="1394886">
-                  <a:extLst>
-                    <a:ext uri="{9D8B030D-6E8A-4147-A177-3AD203B41FA5}">
-                      <a16:colId xmlns:a16="http://schemas.microsoft.com/office/drawing/2014/main" val="20002"/>
-                    </a:ext>
-                  </a:extLst>
-                </a:gridCol>
-              </a:tblGrid>
-              <a:tr h="474056">
-                <a:tc>
-                  <a:txBody>
-                    <a:bodyPr/>
-                    <a:lstStyle/>
-                    <a:p>
-                      <a:pPr rtl="0"/>
-                      <a:r>
-                        <a:rPr lang="nl-NL" noProof="0" dirty="0"/>
-                        <a:t>Klasse</a:t>
-                      </a:r>
-                    </a:p>
-                  </a:txBody>
-                  <a:tcPr marL="85141" marR="85141" anchor="ctr"/>
-                </a:tc>
-                <a:tc>
-                  <a:txBody>
-                    <a:bodyPr/>
-                    <a:lstStyle/>
-                    <a:p>
-                      <a:pPr algn="ctr" rtl="0"/>
-                      <a:r>
-                        <a:rPr lang="nl-NL" noProof="0" dirty="0"/>
-                        <a:t>Groep 1</a:t>
-                      </a:r>
-                    </a:p>
-                  </a:txBody>
-                  <a:tcPr marL="85141" marR="85141" anchor="ctr"/>
-                </a:tc>
-                <a:tc>
-                  <a:txBody>
-                    <a:bodyPr/>
-                    <a:lstStyle/>
-                    <a:p>
-                      <a:pPr algn="ctr" rtl="0"/>
-                      <a:r>
-                        <a:rPr lang="nl-NL" noProof="0" dirty="0"/>
-                        <a:t>Groep 2</a:t>
-                      </a:r>
-                    </a:p>
-                  </a:txBody>
-                  <a:tcPr marL="85141" marR="85141" anchor="ctr"/>
-                </a:tc>
-                <a:extLst>
-                  <a:ext uri="{0D108BD9-81ED-4DB2-BD59-A6C34878D82A}">
-                    <a16:rowId xmlns:a16="http://schemas.microsoft.com/office/drawing/2014/main" val="10000"/>
-                  </a:ext>
-                </a:extLst>
-              </a:tr>
-              <a:tr h="474056">
-                <a:tc>
-                  <a:txBody>
-                    <a:bodyPr/>
-                    <a:lstStyle/>
-                    <a:p>
-                      <a:pPr rtl="0"/>
-                      <a:r>
-                        <a:rPr lang="nl-NL" noProof="0" dirty="0"/>
-                        <a:t>Klasse 1</a:t>
-                      </a:r>
-                    </a:p>
-                  </a:txBody>
-                  <a:tcPr marL="85141" marR="85141" anchor="ctr"/>
-                </a:tc>
-                <a:tc>
-                  <a:txBody>
-                    <a:bodyPr/>
-                    <a:lstStyle/>
-                    <a:p>
-                      <a:pPr algn="ctr" rtl="0"/>
-                      <a:r>
-                        <a:rPr lang="nl-NL" noProof="0" dirty="0"/>
-                        <a:t>82</a:t>
-                      </a:r>
-                    </a:p>
-                  </a:txBody>
-                  <a:tcPr marL="85141" marR="85141" anchor="ctr"/>
-                </a:tc>
-                <a:tc>
-                  <a:txBody>
-                    <a:bodyPr/>
-                    <a:lstStyle/>
-                    <a:p>
-                      <a:pPr algn="ctr" rtl="0"/>
-                      <a:r>
-                        <a:rPr lang="nl-NL" noProof="0" dirty="0"/>
-                        <a:t>95</a:t>
-                      </a:r>
-                    </a:p>
-                  </a:txBody>
-                  <a:tcPr marL="85141" marR="85141" anchor="ctr"/>
-                </a:tc>
-                <a:extLst>
-                  <a:ext uri="{0D108BD9-81ED-4DB2-BD59-A6C34878D82A}">
-                    <a16:rowId xmlns:a16="http://schemas.microsoft.com/office/drawing/2014/main" val="10001"/>
-                  </a:ext>
-                </a:extLst>
-              </a:tr>
-              <a:tr h="474056">
-                <a:tc>
-                  <a:txBody>
-                    <a:bodyPr/>
-                    <a:lstStyle/>
-                    <a:p>
-                      <a:pPr rtl="0"/>
-                      <a:r>
-                        <a:rPr lang="nl-NL" noProof="0" dirty="0"/>
-                        <a:t>Klasse 2</a:t>
-                      </a:r>
-                    </a:p>
-                  </a:txBody>
-                  <a:tcPr marL="85141" marR="85141" anchor="ctr"/>
-                </a:tc>
-                <a:tc>
-                  <a:txBody>
-                    <a:bodyPr/>
-                    <a:lstStyle/>
-                    <a:p>
-                      <a:pPr algn="ctr" rtl="0"/>
-                      <a:r>
-                        <a:rPr lang="nl-NL" noProof="0" dirty="0"/>
-                        <a:t>76</a:t>
-                      </a:r>
-                    </a:p>
-                  </a:txBody>
-                  <a:tcPr marL="85141" marR="85141" anchor="ctr"/>
-                </a:tc>
-                <a:tc>
-                  <a:txBody>
-                    <a:bodyPr/>
-                    <a:lstStyle/>
-                    <a:p>
-                      <a:pPr algn="ctr" rtl="0"/>
-                      <a:r>
-                        <a:rPr lang="nl-NL" noProof="0" dirty="0"/>
-                        <a:t>88</a:t>
-                      </a:r>
-                    </a:p>
-                  </a:txBody>
-                  <a:tcPr marL="85141" marR="85141" anchor="ctr"/>
-                </a:tc>
-                <a:extLst>
-                  <a:ext uri="{0D108BD9-81ED-4DB2-BD59-A6C34878D82A}">
-                    <a16:rowId xmlns:a16="http://schemas.microsoft.com/office/drawing/2014/main" val="10002"/>
-                  </a:ext>
-                </a:extLst>
-              </a:tr>
-              <a:tr h="474056">
-                <a:tc>
-                  <a:txBody>
-                    <a:bodyPr/>
-                    <a:lstStyle/>
-                    <a:p>
-                      <a:pPr rtl="0"/>
-                      <a:r>
-                        <a:rPr lang="nl-NL" noProof="0" dirty="0"/>
-                        <a:t>Klasse 3</a:t>
-                      </a:r>
-                    </a:p>
-                  </a:txBody>
-                  <a:tcPr marL="85141" marR="85141" anchor="ctr"/>
-                </a:tc>
-                <a:tc>
-                  <a:txBody>
-                    <a:bodyPr/>
-                    <a:lstStyle/>
-                    <a:p>
-                      <a:pPr algn="ctr" rtl="0"/>
-                      <a:r>
-                        <a:rPr lang="nl-NL" noProof="0" dirty="0"/>
-                        <a:t>84</a:t>
-                      </a:r>
-                    </a:p>
-                  </a:txBody>
-                  <a:tcPr marL="85141" marR="85141" anchor="ctr"/>
-                </a:tc>
-                <a:tc>
-                  <a:txBody>
-                    <a:bodyPr/>
-                    <a:lstStyle/>
-                    <a:p>
-                      <a:pPr algn="ctr" rtl="0"/>
-                      <a:r>
-                        <a:rPr lang="nl-NL" noProof="0" dirty="0"/>
-                        <a:t>90</a:t>
-                      </a:r>
-                    </a:p>
-                  </a:txBody>
-                  <a:tcPr marL="85141" marR="85141" anchor="ctr"/>
-                </a:tc>
-                <a:extLst>
-                  <a:ext uri="{0D108BD9-81ED-4DB2-BD59-A6C34878D82A}">
-                    <a16:rowId xmlns:a16="http://schemas.microsoft.com/office/drawing/2014/main" val="10003"/>
-                  </a:ext>
-                </a:extLst>
-              </a:tr>
-            </a:tbl>
-          </a:graphicData>
-        </a:graphic>
-      </p:graphicFrame>
+            <a:r>
+              <a:rPr lang="nl-NL" dirty="0"/>
+              <a:t>SVD in PCA</a:t>
+            </a:r>
+          </a:p>
+        </p:txBody>
+      </p:sp>
+      <p:sp>
+        <p:nvSpPr>
+          <p:cNvPr id="14" name="Tijdelijke aanduiding voor inhoud 2">
+            <a:extLst>
+              <a:ext uri="{FF2B5EF4-FFF2-40B4-BE49-F238E27FC236}">
+                <a16:creationId xmlns:a16="http://schemas.microsoft.com/office/drawing/2014/main" id="{7D362275-9212-C889-46BB-31EA1FE68314}"/>
+              </a:ext>
+            </a:extLst>
+          </p:cNvPr>
+          <p:cNvSpPr>
+            <a:spLocks noGrp="1"/>
+          </p:cNvSpPr>
+          <p:nvPr>
+            <p:ph idx="1"/>
+          </p:nvPr>
+        </p:nvSpPr>
+        <p:spPr/>
+        <p:txBody>
+          <a:bodyPr rtlCol="0">
+            <a:normAutofit/>
+          </a:bodyPr>
+          <a:lstStyle/>
+          <a:p>
+            <a:pPr rtl="0"/>
+            <a:r>
+              <a:rPr lang="nl-NL" dirty="0"/>
+              <a:t>Application of PCA in SVD </a:t>
+            </a:r>
+            <a:r>
+              <a:rPr lang="nl-NL" dirty="0" err="1"/>
+              <a:t>instead</a:t>
+            </a:r>
+            <a:r>
+              <a:rPr lang="nl-NL" dirty="0"/>
+              <a:t> of EVD</a:t>
+            </a:r>
+          </a:p>
+          <a:p>
+            <a:pPr rtl="0"/>
+            <a:r>
+              <a:rPr lang="nl-NL" dirty="0"/>
+              <a:t>AMC – </a:t>
+            </a:r>
+            <a:r>
+              <a:rPr lang="nl-NL" dirty="0" err="1"/>
+              <a:t>Mean</a:t>
+            </a:r>
+            <a:r>
+              <a:rPr lang="nl-NL" dirty="0"/>
+              <a:t> </a:t>
+            </a:r>
+            <a:r>
+              <a:rPr lang="nl-NL" dirty="0" err="1"/>
+              <a:t>centered</a:t>
+            </a:r>
+            <a:endParaRPr lang="nl-NL" dirty="0"/>
+          </a:p>
+          <a:p>
+            <a:pPr rtl="0"/>
+            <a:endParaRPr lang="nl-NL" dirty="0"/>
+          </a:p>
+          <a:p>
+            <a:pPr rtl="0"/>
+            <a:endParaRPr lang="nl-NL" dirty="0"/>
+          </a:p>
+          <a:p>
+            <a:pPr rtl="0"/>
+            <a:endParaRPr lang="nl-NL" dirty="0"/>
+          </a:p>
+          <a:p>
+            <a:r>
+              <a:rPr lang="nl-NL" dirty="0"/>
+              <a:t>EVD on AMC -&gt; </a:t>
+            </a:r>
+          </a:p>
+          <a:p>
+            <a:pPr rtl="0"/>
+            <a:endParaRPr lang="nl-NL" dirty="0"/>
+          </a:p>
+          <a:p>
+            <a:pPr rtl="0"/>
+            <a:endParaRPr lang="nl-NL" dirty="0"/>
+          </a:p>
+          <a:p>
+            <a:pPr lvl="1"/>
+            <a:endParaRPr lang="nl-NL" dirty="0"/>
+          </a:p>
+          <a:p>
+            <a:pPr lvl="1"/>
+            <a:endParaRPr lang="nl-NL" dirty="0"/>
+          </a:p>
+          <a:p>
+            <a:pPr rtl="0"/>
+            <a:endParaRPr lang="nl-NL" dirty="0"/>
+          </a:p>
+          <a:p>
+            <a:pPr rtl="0"/>
+            <a:endParaRPr lang="nl-NL" dirty="0"/>
+          </a:p>
+        </p:txBody>
+      </p:sp>
+      <p:pic>
+        <p:nvPicPr>
+          <p:cNvPr id="2" name="Afbeelding 1">
+            <a:extLst>
+              <a:ext uri="{FF2B5EF4-FFF2-40B4-BE49-F238E27FC236}">
+                <a16:creationId xmlns:a16="http://schemas.microsoft.com/office/drawing/2014/main" id="{406E7115-C345-BFAB-B4B0-A847C512EDC3}"/>
+              </a:ext>
+            </a:extLst>
+          </p:cNvPr>
+          <p:cNvPicPr>
+            <a:picLocks noChangeAspect="1"/>
+          </p:cNvPicPr>
+          <p:nvPr/>
+        </p:nvPicPr>
+        <p:blipFill>
+          <a:blip r:embed="rId3"/>
+          <a:stretch>
+            <a:fillRect/>
+          </a:stretch>
+        </p:blipFill>
+        <p:spPr>
+          <a:xfrm>
+            <a:off x="2682162" y="2995611"/>
+            <a:ext cx="4064000" cy="1168400"/>
+          </a:xfrm>
+          <a:prstGeom prst="rect">
+            <a:avLst/>
+          </a:prstGeom>
+        </p:spPr>
+      </p:pic>
+      <p:pic>
+        <p:nvPicPr>
+          <p:cNvPr id="3" name="Afbeelding 2">
+            <a:extLst>
+              <a:ext uri="{FF2B5EF4-FFF2-40B4-BE49-F238E27FC236}">
+                <a16:creationId xmlns:a16="http://schemas.microsoft.com/office/drawing/2014/main" id="{8333F5CF-BBC9-1215-CD68-2DD632ACDEDA}"/>
+              </a:ext>
+            </a:extLst>
+          </p:cNvPr>
+          <p:cNvPicPr>
+            <a:picLocks noChangeAspect="1"/>
+          </p:cNvPicPr>
+          <p:nvPr/>
+        </p:nvPicPr>
+        <p:blipFill>
+          <a:blip r:embed="rId4"/>
+          <a:stretch>
+            <a:fillRect/>
+          </a:stretch>
+        </p:blipFill>
+        <p:spPr>
+          <a:xfrm>
+            <a:off x="2609996" y="4100975"/>
+            <a:ext cx="444500" cy="533400"/>
+          </a:xfrm>
+          <a:prstGeom prst="rect">
+            <a:avLst/>
+          </a:prstGeom>
+        </p:spPr>
+      </p:pic>
     </p:spTree>
     <p:extLst>
       <p:ext uri="{BB962C8B-B14F-4D97-AF65-F5344CB8AC3E}">
-        <p14:creationId xmlns:p14="http://schemas.microsoft.com/office/powerpoint/2010/main" val="880705590"/>
+        <p14:creationId xmlns:p14="http://schemas.microsoft.com/office/powerpoint/2010/main" val="981916261"/>
       </p:ext>
     </p:extLst>
   </p:cSld>
   <p:clrMapOvr>
     <a:masterClrMapping/>
   </p:clrMapOvr>
-  <mc:AlternateContent xmlns:mc="http://schemas.openxmlformats.org/markup-compatibility/2006" xmlns:p14="http://schemas.microsoft.com/office/powerpoint/2010/main">
-    <mc:Choice Requires="p14">
+  <mc:AlternateContent xmlns:mc="http://schemas.openxmlformats.org/markup-compatibility/2006">
+    <mc:Choice xmlns:p14="http://schemas.microsoft.com/office/powerpoint/2010/main" Requires="p14">
       <p:transition spd="med" p14:dur="700">
         <p:fade/>
       </p:transition>
     </mc:Choice>
-    <mc:Fallback xmlns="">
+    <mc:Fallback>
       <p:transition spd="med">
         <p:fade/>
       </p:transition>
@@ -14804,7 +11289,13 @@
   <p:cSld>
     <p:spTree>
       <p:nvGrpSpPr>
-        <p:cNvPr id="1" name=""/>
+        <p:cNvPr id="1" name="">
+          <a:extLst>
+            <a:ext uri="{FF2B5EF4-FFF2-40B4-BE49-F238E27FC236}">
+              <a16:creationId xmlns:a16="http://schemas.microsoft.com/office/drawing/2014/main" id="{2786C670-491A-5AB0-3CA6-2E60556E2D60}"/>
+            </a:ext>
+          </a:extLst>
+        </p:cNvPr>
         <p:cNvGrpSpPr/>
         <p:nvPr/>
       </p:nvGrpSpPr>
@@ -14818,7 +11309,13 @@
       </p:grpSpPr>
       <p:sp>
         <p:nvSpPr>
-          <p:cNvPr id="2" name="Titel 1"/>
+          <p:cNvPr id="13" name="Titel 1">
+            <a:extLst>
+              <a:ext uri="{FF2B5EF4-FFF2-40B4-BE49-F238E27FC236}">
+                <a16:creationId xmlns:a16="http://schemas.microsoft.com/office/drawing/2014/main" id="{771601DB-47BC-9BC8-0B5C-1E4871096AAC}"/>
+              </a:ext>
+            </a:extLst>
+          </p:cNvPr>
           <p:cNvSpPr>
             <a:spLocks noGrp="1"/>
           </p:cNvSpPr>
@@ -14833,61 +11330,108 @@
           </a:bodyPr>
           <a:lstStyle/>
           <a:p>
-            <a:pPr rtl="0"/>
-            <a:r>
-              <a:rPr lang="nl-NL" dirty="0"/>
-              <a:t>Indeling van titel en inhoud met </a:t>
-            </a:r>
-            <a:r>
-              <a:rPr lang="nl-NL" dirty="0" err="1"/>
-              <a:t>SmartArt</a:t>
-            </a:r>
-            <a:endParaRPr lang="nl-NL" dirty="0"/>
-          </a:p>
-        </p:txBody>
-      </p:sp>
-      <p:graphicFrame>
-        <p:nvGraphicFramePr>
-          <p:cNvPr id="8" name="Tijdelijke aanduiding voor inhoud 2" descr="Trapeziumlijst met 4 groepen die van links naar rechts zijn gerangschikt met taakbeschrijvingen onder elke groep"/>
-          <p:cNvGraphicFramePr>
-            <a:graphicFrameLocks noGrp="1"/>
-          </p:cNvGraphicFramePr>
+            <a:r>
+              <a:rPr lang="nl-NL" dirty="0"/>
+              <a:t>SVD in PCA</a:t>
+            </a:r>
+          </a:p>
+        </p:txBody>
+      </p:sp>
+      <p:sp>
+        <p:nvSpPr>
+          <p:cNvPr id="14" name="Tijdelijke aanduiding voor inhoud 2">
+            <a:extLst>
+              <a:ext uri="{FF2B5EF4-FFF2-40B4-BE49-F238E27FC236}">
+                <a16:creationId xmlns:a16="http://schemas.microsoft.com/office/drawing/2014/main" id="{79D6E767-B95A-C5FE-9E61-EC80345F3880}"/>
+              </a:ext>
+            </a:extLst>
+          </p:cNvPr>
+          <p:cNvSpPr>
+            <a:spLocks noGrp="1"/>
+          </p:cNvSpPr>
           <p:nvPr>
             <p:ph idx="1"/>
-            <p:extLst>
-              <p:ext uri="{D42A27DB-BD31-4B8C-83A1-F6EECF244321}">
-                <p14:modId xmlns:p14="http://schemas.microsoft.com/office/powerpoint/2010/main" val="720096164"/>
-              </p:ext>
-            </p:extLst>
-          </p:nvPr>
-        </p:nvGraphicFramePr>
-        <p:xfrm>
-          <a:off x="677863" y="2160588"/>
-          <a:ext cx="8596312" cy="3881437"/>
-        </p:xfrm>
-        <a:graphic>
-          <a:graphicData uri="http://schemas.openxmlformats.org/drawingml/2006/diagram">
-            <dgm:relIds xmlns:dgm="http://schemas.openxmlformats.org/drawingml/2006/diagram" xmlns:r="http://schemas.openxmlformats.org/officeDocument/2006/relationships" r:dm="rId3" r:lo="rId4" r:qs="rId5" r:cs="rId6"/>
-          </a:graphicData>
-        </a:graphic>
-      </p:graphicFrame>
+          </p:nvPr>
+        </p:nvSpPr>
+        <p:spPr/>
+        <p:txBody>
+          <a:bodyPr rtlCol="0">
+            <a:normAutofit/>
+          </a:bodyPr>
+          <a:lstStyle/>
+          <a:p>
+            <a:pPr marL="457200" lvl="1" indent="0">
+              <a:buNone/>
+            </a:pPr>
+            <a:endParaRPr lang="nl-NL" dirty="0"/>
+          </a:p>
+          <a:p>
+            <a:pPr lvl="1"/>
+            <a:endParaRPr lang="nl-NL" dirty="0"/>
+          </a:p>
+          <a:p>
+            <a:pPr rtl="0"/>
+            <a:endParaRPr lang="nl-NL" dirty="0"/>
+          </a:p>
+          <a:p>
+            <a:pPr rtl="0"/>
+            <a:endParaRPr lang="nl-NL" dirty="0"/>
+          </a:p>
+        </p:txBody>
+      </p:sp>
+      <p:pic>
+        <p:nvPicPr>
+          <p:cNvPr id="4" name="Afbeelding 3" descr="Afbeelding met tekst, diagram, schermopname, Plan&#10;&#10;Door AI gegenereerde inhoud is mogelijk onjuist.">
+            <a:extLst>
+              <a:ext uri="{FF2B5EF4-FFF2-40B4-BE49-F238E27FC236}">
+                <a16:creationId xmlns:a16="http://schemas.microsoft.com/office/drawing/2014/main" id="{A23C3AF3-91E2-470E-A953-80F8E90257DE}"/>
+              </a:ext>
+            </a:extLst>
+          </p:cNvPr>
+          <p:cNvPicPr>
+            <a:picLocks noChangeAspect="1"/>
+          </p:cNvPicPr>
+          <p:nvPr/>
+        </p:nvPicPr>
+        <p:blipFill>
+          <a:blip r:embed="rId3">
+            <a:extLst>
+              <a:ext uri="{28A0092B-C50C-407E-A947-70E740481C1C}">
+                <a14:useLocalDpi xmlns:a14="http://schemas.microsoft.com/office/drawing/2010/main" val="0"/>
+              </a:ext>
+            </a:extLst>
+          </a:blip>
+          <a:stretch>
+            <a:fillRect/>
+          </a:stretch>
+        </p:blipFill>
+        <p:spPr>
+          <a:xfrm>
+            <a:off x="2312515" y="1225864"/>
+            <a:ext cx="5917083" cy="4815498"/>
+          </a:xfrm>
+          <a:prstGeom prst="rect">
+            <a:avLst/>
+          </a:prstGeom>
+        </p:spPr>
+      </p:pic>
     </p:spTree>
     <p:extLst>
       <p:ext uri="{BB962C8B-B14F-4D97-AF65-F5344CB8AC3E}">
-        <p14:creationId xmlns:p14="http://schemas.microsoft.com/office/powerpoint/2010/main" val="2249699226"/>
+        <p14:creationId xmlns:p14="http://schemas.microsoft.com/office/powerpoint/2010/main" val="37277467"/>
       </p:ext>
     </p:extLst>
   </p:cSld>
   <p:clrMapOvr>
     <a:masterClrMapping/>
   </p:clrMapOvr>
-  <mc:AlternateContent xmlns:mc="http://schemas.openxmlformats.org/markup-compatibility/2006" xmlns:p14="http://schemas.microsoft.com/office/powerpoint/2010/main">
-    <mc:Choice Requires="p14">
+  <mc:AlternateContent xmlns:mc="http://schemas.openxmlformats.org/markup-compatibility/2006">
+    <mc:Choice xmlns:p14="http://schemas.microsoft.com/office/powerpoint/2010/main" Requires="p14">
       <p:transition spd="med" p14:dur="700">
         <p:fade/>
       </p:transition>
     </mc:Choice>
-    <mc:Fallback xmlns="">
+    <mc:Fallback>
       <p:transition spd="med">
         <p:fade/>
       </p:transition>
@@ -14901,7 +11445,13 @@
   <p:cSld>
     <p:spTree>
       <p:nvGrpSpPr>
-        <p:cNvPr id="1" name=""/>
+        <p:cNvPr id="1" name="">
+          <a:extLst>
+            <a:ext uri="{FF2B5EF4-FFF2-40B4-BE49-F238E27FC236}">
+              <a16:creationId xmlns:a16="http://schemas.microsoft.com/office/drawing/2014/main" id="{8C402E0F-293A-62DB-F308-D5FADC36D68D}"/>
+            </a:ext>
+          </a:extLst>
+        </p:cNvPr>
         <p:cNvGrpSpPr/>
         <p:nvPr/>
       </p:nvGrpSpPr>
@@ -14915,7 +11465,13 @@
       </p:grpSpPr>
       <p:sp>
         <p:nvSpPr>
-          <p:cNvPr id="13" name="Titel 1"/>
+          <p:cNvPr id="13" name="Titel 1">
+            <a:extLst>
+              <a:ext uri="{FF2B5EF4-FFF2-40B4-BE49-F238E27FC236}">
+                <a16:creationId xmlns:a16="http://schemas.microsoft.com/office/drawing/2014/main" id="{21EE9209-6049-4565-D45D-FCAF98AC374F}"/>
+              </a:ext>
+            </a:extLst>
+          </p:cNvPr>
           <p:cNvSpPr>
             <a:spLocks noGrp="1"/>
           </p:cNvSpPr>
@@ -14925,62 +11481,214 @@
         </p:nvSpPr>
         <p:spPr/>
         <p:txBody>
-          <a:bodyPr rtlCol="0"/>
-          <a:lstStyle/>
-          <a:p>
-            <a:pPr rtl="0"/>
-            <a:r>
-              <a:rPr lang="nl-NL" dirty="0"/>
-              <a:t>Voeg een </a:t>
-            </a:r>
-            <a:r>
-              <a:rPr lang="nl-NL" dirty="0" err="1"/>
-              <a:t>diatitel</a:t>
-            </a:r>
-            <a:r>
-              <a:rPr lang="nl-NL" dirty="0"/>
-              <a:t> toe - 1</a:t>
-            </a:r>
-          </a:p>
-        </p:txBody>
-      </p:sp>
-      <p:sp>
-        <p:nvSpPr>
-          <p:cNvPr id="14" name="Tijdelijke aanduiding voor tekst 2"/>
-          <p:cNvSpPr>
-            <a:spLocks noGrp="1"/>
-          </p:cNvSpPr>
-          <p:nvPr>
-            <p:ph type="body" idx="1"/>
-          </p:nvPr>
-        </p:nvSpPr>
-        <p:spPr/>
-        <p:txBody>
-          <a:bodyPr rtlCol="0"/>
-          <a:lstStyle/>
-          <a:p>
-            <a:pPr rtl="0"/>
-            <a:endParaRPr lang="nl-NL" dirty="0"/>
-          </a:p>
-        </p:txBody>
-      </p:sp>
+          <a:bodyPr rtlCol="0">
+            <a:normAutofit/>
+          </a:bodyPr>
+          <a:lstStyle/>
+          <a:p>
+            <a:r>
+              <a:rPr lang="nl-NL" dirty="0"/>
+              <a:t>SVD in PCA</a:t>
+            </a:r>
+          </a:p>
+        </p:txBody>
+      </p:sp>
+      <p:sp>
+        <p:nvSpPr>
+          <p:cNvPr id="14" name="Tijdelijke aanduiding voor inhoud 2">
+            <a:extLst>
+              <a:ext uri="{FF2B5EF4-FFF2-40B4-BE49-F238E27FC236}">
+                <a16:creationId xmlns:a16="http://schemas.microsoft.com/office/drawing/2014/main" id="{A0B047B3-1656-E746-13E5-EDBCDE980E6B}"/>
+              </a:ext>
+            </a:extLst>
+          </p:cNvPr>
+          <p:cNvSpPr>
+            <a:spLocks noGrp="1"/>
+          </p:cNvSpPr>
+          <p:nvPr>
+            <p:ph idx="1"/>
+          </p:nvPr>
+        </p:nvSpPr>
+        <p:spPr/>
+        <p:txBody>
+          <a:bodyPr rtlCol="0">
+            <a:normAutofit/>
+          </a:bodyPr>
+          <a:lstStyle/>
+          <a:p>
+            <a:pPr rtl="0"/>
+            <a:r>
+              <a:rPr lang="nl-NL" dirty="0"/>
+              <a:t>SVD: </a:t>
+            </a:r>
+            <a:r>
+              <a:rPr lang="nl-NL" dirty="0" err="1"/>
+              <a:t>calculate</a:t>
+            </a:r>
+            <a:r>
+              <a:rPr lang="nl-NL" dirty="0"/>
+              <a:t>:</a:t>
+            </a:r>
+          </a:p>
+          <a:p>
+            <a:pPr rtl="0"/>
+            <a:endParaRPr lang="nl-NL" dirty="0"/>
+          </a:p>
+          <a:p>
+            <a:pPr rtl="0"/>
+            <a:endParaRPr lang="nl-NL" dirty="0"/>
+          </a:p>
+          <a:p>
+            <a:pPr rtl="0"/>
+            <a:endParaRPr lang="nl-NL" dirty="0"/>
+          </a:p>
+          <a:p>
+            <a:r>
+              <a:rPr lang="nl-NL" dirty="0"/>
+              <a:t>We get λ</a:t>
+            </a:r>
+            <a:r>
+              <a:rPr lang="nl-NL" baseline="-25000" dirty="0"/>
+              <a:t>1</a:t>
+            </a:r>
+            <a:r>
+              <a:rPr lang="nl-NL" dirty="0"/>
+              <a:t> </a:t>
+            </a:r>
+            <a:r>
+              <a:rPr lang="nl-NL" dirty="0" err="1"/>
+              <a:t>and</a:t>
+            </a:r>
+            <a:r>
+              <a:rPr lang="nl-NL" dirty="0"/>
+              <a:t> λ</a:t>
+            </a:r>
+            <a:r>
+              <a:rPr lang="nl-NL" baseline="-25000" dirty="0"/>
+              <a:t>2</a:t>
+            </a:r>
+            <a:r>
+              <a:rPr lang="nl-NL" dirty="0"/>
+              <a:t>  </a:t>
+            </a:r>
+          </a:p>
+          <a:p>
+            <a:pPr rtl="0"/>
+            <a:endParaRPr lang="nl-NL" dirty="0"/>
+          </a:p>
+          <a:p>
+            <a:pPr rtl="0"/>
+            <a:endParaRPr lang="nl-NL" dirty="0"/>
+          </a:p>
+          <a:p>
+            <a:pPr rtl="0"/>
+            <a:endParaRPr lang="nl-NL" dirty="0"/>
+          </a:p>
+          <a:p>
+            <a:pPr marL="0" indent="0" rtl="0">
+              <a:buNone/>
+            </a:pPr>
+            <a:endParaRPr lang="nl-NL" dirty="0"/>
+          </a:p>
+          <a:p>
+            <a:pPr rtl="0"/>
+            <a:endParaRPr lang="nl-NL" dirty="0"/>
+          </a:p>
+          <a:p>
+            <a:pPr lvl="1"/>
+            <a:endParaRPr lang="nl-NL" dirty="0"/>
+          </a:p>
+          <a:p>
+            <a:pPr lvl="1"/>
+            <a:endParaRPr lang="nl-NL" dirty="0"/>
+          </a:p>
+          <a:p>
+            <a:pPr rtl="0"/>
+            <a:endParaRPr lang="nl-NL" dirty="0"/>
+          </a:p>
+          <a:p>
+            <a:pPr rtl="0"/>
+            <a:endParaRPr lang="nl-NL" dirty="0"/>
+          </a:p>
+        </p:txBody>
+      </p:sp>
+      <p:pic>
+        <p:nvPicPr>
+          <p:cNvPr id="5" name="Afbeelding 4">
+            <a:extLst>
+              <a:ext uri="{FF2B5EF4-FFF2-40B4-BE49-F238E27FC236}">
+                <a16:creationId xmlns:a16="http://schemas.microsoft.com/office/drawing/2014/main" id="{84B067EE-0062-10F3-5577-AD1B5DE3B967}"/>
+              </a:ext>
+            </a:extLst>
+          </p:cNvPr>
+          <p:cNvPicPr>
+            <a:picLocks noChangeAspect="1"/>
+          </p:cNvPicPr>
+          <p:nvPr/>
+        </p:nvPicPr>
+        <p:blipFill>
+          <a:blip r:embed="rId3"/>
+          <a:stretch>
+            <a:fillRect/>
+          </a:stretch>
+        </p:blipFill>
+        <p:spPr>
+          <a:xfrm>
+            <a:off x="2609996" y="2049379"/>
+            <a:ext cx="2169297" cy="980355"/>
+          </a:xfrm>
+          <a:prstGeom prst="rect">
+            <a:avLst/>
+          </a:prstGeom>
+        </p:spPr>
+      </p:pic>
+      <p:pic>
+        <p:nvPicPr>
+          <p:cNvPr id="6" name="Afbeelding 5">
+            <a:extLst>
+              <a:ext uri="{FF2B5EF4-FFF2-40B4-BE49-F238E27FC236}">
+                <a16:creationId xmlns:a16="http://schemas.microsoft.com/office/drawing/2014/main" id="{EED0913B-D7C9-7677-DD65-48CC25E79DE6}"/>
+              </a:ext>
+            </a:extLst>
+          </p:cNvPr>
+          <p:cNvPicPr>
+            <a:picLocks noChangeAspect="1"/>
+          </p:cNvPicPr>
+          <p:nvPr/>
+        </p:nvPicPr>
+        <p:blipFill>
+          <a:blip r:embed="rId4"/>
+          <a:stretch>
+            <a:fillRect/>
+          </a:stretch>
+        </p:blipFill>
+        <p:spPr>
+          <a:xfrm>
+            <a:off x="2917998" y="3828267"/>
+            <a:ext cx="1730929" cy="1108161"/>
+          </a:xfrm>
+          <a:prstGeom prst="rect">
+            <a:avLst/>
+          </a:prstGeom>
+        </p:spPr>
+      </p:pic>
     </p:spTree>
     <p:extLst>
       <p:ext uri="{BB962C8B-B14F-4D97-AF65-F5344CB8AC3E}">
-        <p14:creationId xmlns:p14="http://schemas.microsoft.com/office/powerpoint/2010/main" val="3240797513"/>
+        <p14:creationId xmlns:p14="http://schemas.microsoft.com/office/powerpoint/2010/main" val="2943724235"/>
       </p:ext>
     </p:extLst>
   </p:cSld>
   <p:clrMapOvr>
     <a:masterClrMapping/>
   </p:clrMapOvr>
-  <mc:AlternateContent xmlns:mc="http://schemas.openxmlformats.org/markup-compatibility/2006" xmlns:p14="http://schemas.microsoft.com/office/powerpoint/2010/main">
-    <mc:Choice Requires="p14">
+  <mc:AlternateContent xmlns:mc="http://schemas.openxmlformats.org/markup-compatibility/2006">
+    <mc:Choice xmlns:p14="http://schemas.microsoft.com/office/powerpoint/2010/main" Requires="p14">
       <p:transition spd="med" p14:dur="700">
         <p:fade/>
       </p:transition>
     </mc:Choice>
-    <mc:Fallback xmlns="">
+    <mc:Fallback>
       <p:transition spd="med">
         <p:fade/>
       </p:transition>
@@ -14994,7 +11702,13 @@
   <p:cSld>
     <p:spTree>
       <p:nvGrpSpPr>
-        <p:cNvPr id="1" name=""/>
+        <p:cNvPr id="1" name="">
+          <a:extLst>
+            <a:ext uri="{FF2B5EF4-FFF2-40B4-BE49-F238E27FC236}">
+              <a16:creationId xmlns:a16="http://schemas.microsoft.com/office/drawing/2014/main" id="{A5028989-A8BA-9B61-5434-BA363BBAE918}"/>
+            </a:ext>
+          </a:extLst>
+        </p:cNvPr>
         <p:cNvGrpSpPr/>
         <p:nvPr/>
       </p:nvGrpSpPr>
@@ -15008,7 +11722,13 @@
       </p:grpSpPr>
       <p:sp>
         <p:nvSpPr>
-          <p:cNvPr id="2" name="Titel 1"/>
+          <p:cNvPr id="13" name="Titel 1">
+            <a:extLst>
+              <a:ext uri="{FF2B5EF4-FFF2-40B4-BE49-F238E27FC236}">
+                <a16:creationId xmlns:a16="http://schemas.microsoft.com/office/drawing/2014/main" id="{82945171-6655-DA31-0E69-9A14018E62EC}"/>
+              </a:ext>
+            </a:extLst>
+          </p:cNvPr>
           <p:cNvSpPr>
             <a:spLocks noGrp="1"/>
           </p:cNvSpPr>
@@ -15018,99 +11738,282 @@
         </p:nvSpPr>
         <p:spPr/>
         <p:txBody>
-          <a:bodyPr rtlCol="0"/>
-          <a:lstStyle/>
-          <a:p>
-            <a:pPr rtl="0"/>
-            <a:r>
-              <a:rPr lang="nl-NL" dirty="0"/>
-              <a:t>Voeg een </a:t>
-            </a:r>
-            <a:r>
-              <a:rPr lang="nl-NL" dirty="0" err="1"/>
-              <a:t>diatitel</a:t>
-            </a:r>
-            <a:r>
-              <a:rPr lang="nl-NL" dirty="0"/>
-              <a:t> toe - 2</a:t>
-            </a:r>
-          </a:p>
-        </p:txBody>
-      </p:sp>
-      <p:sp>
-        <p:nvSpPr>
-          <p:cNvPr id="3" name="Tijdelijke aanduiding voor tekst 2"/>
-          <p:cNvSpPr>
-            <a:spLocks noGrp="1"/>
-          </p:cNvSpPr>
-          <p:nvPr>
-            <p:ph type="body" idx="1"/>
-          </p:nvPr>
-        </p:nvSpPr>
-        <p:spPr/>
-        <p:txBody>
-          <a:bodyPr rtlCol="0"/>
-          <a:lstStyle/>
-          <a:p>
-            <a:pPr rtl="0"/>
-            <a:endParaRPr lang="nl-NL" dirty="0"/>
-          </a:p>
-        </p:txBody>
-      </p:sp>
-      <p:sp>
-        <p:nvSpPr>
-          <p:cNvPr id="4" name="Tijdelijke aanduiding voor inhoud 3"/>
-          <p:cNvSpPr>
-            <a:spLocks noGrp="1"/>
-          </p:cNvSpPr>
-          <p:nvPr>
-            <p:ph sz="half" idx="2"/>
-          </p:nvPr>
-        </p:nvSpPr>
-        <p:spPr/>
-        <p:txBody>
-          <a:bodyPr rtlCol="0"/>
-          <a:lstStyle/>
-          <a:p>
-            <a:pPr rtl="0"/>
-            <a:endParaRPr lang="nl-NL" dirty="0"/>
-          </a:p>
-        </p:txBody>
-      </p:sp>
-      <p:sp>
-        <p:nvSpPr>
-          <p:cNvPr id="5" name="Tijdelijke aanduiding voor tekst 4"/>
-          <p:cNvSpPr>
-            <a:spLocks noGrp="1"/>
-          </p:cNvSpPr>
-          <p:nvPr>
-            <p:ph type="body" sz="quarter" idx="3"/>
-          </p:nvPr>
-        </p:nvSpPr>
-        <p:spPr/>
-        <p:txBody>
-          <a:bodyPr rtlCol="0"/>
-          <a:lstStyle/>
-          <a:p>
-            <a:pPr rtl="0"/>
-            <a:endParaRPr lang="nl-NL" dirty="0"/>
-          </a:p>
-        </p:txBody>
-      </p:sp>
-      <p:sp>
-        <p:nvSpPr>
-          <p:cNvPr id="6" name="Tijdelijke aanduiding voor inhoud 5"/>
-          <p:cNvSpPr>
-            <a:spLocks noGrp="1"/>
-          </p:cNvSpPr>
-          <p:nvPr>
-            <p:ph sz="quarter" idx="4"/>
-          </p:nvPr>
-        </p:nvSpPr>
-        <p:spPr/>
-        <p:txBody>
-          <a:bodyPr rtlCol="0"/>
-          <a:lstStyle/>
+          <a:bodyPr rtlCol="0">
+            <a:normAutofit/>
+          </a:bodyPr>
+          <a:lstStyle/>
+          <a:p>
+            <a:r>
+              <a:rPr lang="nl-NL" dirty="0"/>
+              <a:t>SVD in PCA</a:t>
+            </a:r>
+          </a:p>
+        </p:txBody>
+      </p:sp>
+      <p:sp>
+        <p:nvSpPr>
+          <p:cNvPr id="14" name="Tijdelijke aanduiding voor inhoud 2">
+            <a:extLst>
+              <a:ext uri="{FF2B5EF4-FFF2-40B4-BE49-F238E27FC236}">
+                <a16:creationId xmlns:a16="http://schemas.microsoft.com/office/drawing/2014/main" id="{EFD91542-0F90-7515-B2C9-43E0AA86A443}"/>
+              </a:ext>
+            </a:extLst>
+          </p:cNvPr>
+          <p:cNvSpPr>
+            <a:spLocks noGrp="1"/>
+          </p:cNvSpPr>
+          <p:nvPr>
+            <p:ph idx="1"/>
+          </p:nvPr>
+        </p:nvSpPr>
+        <p:spPr/>
+        <p:txBody>
+          <a:bodyPr rtlCol="0">
+            <a:normAutofit/>
+          </a:bodyPr>
+          <a:lstStyle/>
+          <a:p>
+            <a:pPr rtl="0"/>
+            <a:r>
+              <a:rPr lang="nl-NL" dirty="0"/>
+              <a:t>Python program </a:t>
+            </a:r>
+            <a:r>
+              <a:rPr lang="nl-NL" dirty="0" err="1"/>
+              <a:t>for</a:t>
+            </a:r>
+            <a:r>
+              <a:rPr lang="nl-NL" dirty="0"/>
+              <a:t> </a:t>
+            </a:r>
+            <a:r>
+              <a:rPr lang="nl-NL" dirty="0" err="1"/>
+              <a:t>validation</a:t>
+            </a:r>
+            <a:endParaRPr lang="nl-NL" dirty="0"/>
+          </a:p>
+          <a:p>
+            <a:pPr lvl="1"/>
+            <a:r>
+              <a:rPr lang="nl-NL" dirty="0" err="1"/>
+              <a:t>Define</a:t>
+            </a:r>
+            <a:r>
+              <a:rPr lang="nl-NL" dirty="0"/>
+              <a:t> test matrix A</a:t>
+            </a:r>
+          </a:p>
+          <a:p>
+            <a:pPr lvl="1"/>
+            <a:r>
+              <a:rPr lang="nl-NL" dirty="0" err="1"/>
+              <a:t>Calculate</a:t>
+            </a:r>
+            <a:r>
+              <a:rPr lang="nl-NL" dirty="0"/>
+              <a:t> PCA </a:t>
+            </a:r>
+            <a:r>
+              <a:rPr lang="nl-NL" dirty="0" err="1"/>
+              <a:t>values</a:t>
+            </a:r>
+            <a:endParaRPr lang="nl-NL" dirty="0"/>
+          </a:p>
+          <a:p>
+            <a:pPr lvl="1"/>
+            <a:r>
+              <a:rPr lang="nl-NL" dirty="0"/>
+              <a:t>Show </a:t>
+            </a:r>
+            <a:r>
+              <a:rPr lang="nl-NL" dirty="0" err="1"/>
+              <a:t>that</a:t>
+            </a:r>
+            <a:r>
+              <a:rPr lang="nl-NL" dirty="0"/>
+              <a:t> EVD on </a:t>
+            </a:r>
+            <a:r>
+              <a:rPr lang="nl-NL" dirty="0" err="1"/>
+              <a:t>the</a:t>
+            </a:r>
+            <a:r>
+              <a:rPr lang="nl-NL" dirty="0"/>
+              <a:t> </a:t>
+            </a:r>
+            <a:r>
+              <a:rPr lang="nl-NL" dirty="0" err="1"/>
+              <a:t>covariance</a:t>
+            </a:r>
+            <a:r>
+              <a:rPr lang="nl-NL" dirty="0"/>
+              <a:t> matrix </a:t>
+            </a:r>
+            <a:r>
+              <a:rPr lang="nl-NL" dirty="0" err="1"/>
+              <a:t>and</a:t>
+            </a:r>
+            <a:r>
+              <a:rPr lang="nl-NL" dirty="0"/>
+              <a:t> SVD on </a:t>
+            </a:r>
+            <a:r>
+              <a:rPr lang="nl-NL" dirty="0" err="1"/>
+              <a:t>the</a:t>
+            </a:r>
+            <a:r>
+              <a:rPr lang="nl-NL" dirty="0"/>
+              <a:t> </a:t>
+            </a:r>
+            <a:r>
+              <a:rPr lang="nl-NL" dirty="0" err="1"/>
+              <a:t>covariance</a:t>
+            </a:r>
+            <a:r>
+              <a:rPr lang="nl-NL" dirty="0"/>
+              <a:t> matrix </a:t>
+            </a:r>
+            <a:r>
+              <a:rPr lang="nl-NL" dirty="0" err="1"/>
+              <a:t>produces</a:t>
+            </a:r>
+            <a:r>
+              <a:rPr lang="nl-NL" dirty="0"/>
+              <a:t> </a:t>
+            </a:r>
+            <a:r>
+              <a:rPr lang="nl-NL" dirty="0" err="1"/>
+              <a:t>the</a:t>
+            </a:r>
+            <a:br>
+              <a:rPr lang="nl-NL" dirty="0"/>
+            </a:br>
+            <a:r>
+              <a:rPr lang="nl-NL" dirty="0" err="1"/>
+              <a:t>same</a:t>
+            </a:r>
+            <a:r>
+              <a:rPr lang="nl-NL" dirty="0"/>
+              <a:t> </a:t>
+            </a:r>
+            <a:r>
+              <a:rPr lang="nl-NL" dirty="0" err="1"/>
+              <a:t>values</a:t>
+            </a:r>
+            <a:endParaRPr lang="nl-NL" dirty="0"/>
+          </a:p>
+          <a:p>
+            <a:pPr lvl="1"/>
+            <a:r>
+              <a:rPr lang="nl-NL" dirty="0"/>
+              <a:t>Show </a:t>
+            </a:r>
+            <a:r>
+              <a:rPr lang="nl-NL" dirty="0" err="1"/>
+              <a:t>that</a:t>
+            </a:r>
+            <a:r>
+              <a:rPr lang="nl-NL" dirty="0"/>
+              <a:t> SVD on </a:t>
+            </a:r>
+            <a:r>
+              <a:rPr lang="nl-NL" dirty="0" err="1"/>
+              <a:t>the</a:t>
+            </a:r>
+            <a:r>
+              <a:rPr lang="nl-NL" dirty="0"/>
+              <a:t> </a:t>
+            </a:r>
+            <a:r>
+              <a:rPr lang="nl-NL" dirty="0" err="1"/>
+              <a:t>mean-centered</a:t>
+            </a:r>
+            <a:r>
+              <a:rPr lang="nl-NL" dirty="0"/>
+              <a:t> data </a:t>
+            </a:r>
+            <a:r>
+              <a:rPr lang="nl-NL" dirty="0" err="1"/>
+              <a:t>produces</a:t>
+            </a:r>
+            <a:r>
+              <a:rPr lang="nl-NL" dirty="0"/>
+              <a:t> </a:t>
+            </a:r>
+            <a:r>
+              <a:rPr lang="nl-NL" dirty="0" err="1"/>
+              <a:t>the</a:t>
+            </a:r>
+            <a:r>
+              <a:rPr lang="nl-NL" dirty="0"/>
+              <a:t> </a:t>
+            </a:r>
+            <a:r>
+              <a:rPr lang="nl-NL" dirty="0" err="1"/>
+              <a:t>same</a:t>
+            </a:r>
+            <a:r>
+              <a:rPr lang="nl-NL" dirty="0"/>
+              <a:t> </a:t>
+            </a:r>
+            <a:r>
+              <a:rPr lang="nl-NL" dirty="0" err="1"/>
+              <a:t>values</a:t>
+            </a:r>
+            <a:r>
+              <a:rPr lang="nl-NL" dirty="0"/>
+              <a:t> apart </a:t>
+            </a:r>
+            <a:r>
+              <a:rPr lang="nl-NL" dirty="0" err="1"/>
+              <a:t>from</a:t>
+            </a:r>
+            <a:r>
+              <a:rPr lang="nl-NL" dirty="0"/>
+              <a:t> </a:t>
+            </a:r>
+            <a:r>
+              <a:rPr lang="nl-NL" dirty="0" err="1"/>
+              <a:t>scaling</a:t>
+            </a:r>
+            <a:endParaRPr lang="nl-NL" dirty="0"/>
+          </a:p>
+          <a:p>
+            <a:pPr marL="0" indent="0" rtl="0">
+              <a:buNone/>
+            </a:pPr>
+            <a:endParaRPr lang="nl-NL" dirty="0"/>
+          </a:p>
+          <a:p>
+            <a:pPr rtl="0"/>
+            <a:endParaRPr lang="nl-NL" dirty="0"/>
+          </a:p>
+          <a:p>
+            <a:pPr rtl="0"/>
+            <a:endParaRPr lang="nl-NL" dirty="0"/>
+          </a:p>
+          <a:p>
+            <a:pPr marL="0" indent="0" rtl="0">
+              <a:buNone/>
+            </a:pPr>
+            <a:endParaRPr lang="nl-NL" dirty="0"/>
+          </a:p>
+          <a:p>
+            <a:pPr rtl="0"/>
+            <a:endParaRPr lang="nl-NL" dirty="0"/>
+          </a:p>
+          <a:p>
+            <a:pPr lvl="1"/>
+            <a:endParaRPr lang="nl-NL" dirty="0"/>
+          </a:p>
+          <a:p>
+            <a:pPr lvl="1"/>
+            <a:endParaRPr lang="nl-NL" dirty="0"/>
+          </a:p>
+          <a:p>
+            <a:pPr rtl="0"/>
+            <a:endParaRPr lang="nl-NL" dirty="0"/>
+          </a:p>
           <a:p>
             <a:pPr rtl="0"/>
             <a:endParaRPr lang="nl-NL" dirty="0"/>
@@ -15120,20 +12023,20 @@
     </p:spTree>
     <p:extLst>
       <p:ext uri="{BB962C8B-B14F-4D97-AF65-F5344CB8AC3E}">
-        <p14:creationId xmlns:p14="http://schemas.microsoft.com/office/powerpoint/2010/main" val="888304381"/>
+        <p14:creationId xmlns:p14="http://schemas.microsoft.com/office/powerpoint/2010/main" val="3034454917"/>
       </p:ext>
     </p:extLst>
   </p:cSld>
   <p:clrMapOvr>
     <a:masterClrMapping/>
   </p:clrMapOvr>
-  <mc:AlternateContent xmlns:mc="http://schemas.openxmlformats.org/markup-compatibility/2006" xmlns:p14="http://schemas.microsoft.com/office/powerpoint/2010/main">
-    <mc:Choice Requires="p14">
+  <mc:AlternateContent xmlns:mc="http://schemas.openxmlformats.org/markup-compatibility/2006">
+    <mc:Choice xmlns:p14="http://schemas.microsoft.com/office/powerpoint/2010/main" Requires="p14">
       <p:transition spd="med" p14:dur="700">
         <p:fade/>
       </p:transition>
     </mc:Choice>
-    <mc:Fallback xmlns="">
+    <mc:Fallback>
       <p:transition spd="med">
         <p:fade/>
       </p:transition>
@@ -15282,7 +12185,13 @@
   <p:cSld>
     <p:spTree>
       <p:nvGrpSpPr>
-        <p:cNvPr id="1" name=""/>
+        <p:cNvPr id="1" name="">
+          <a:extLst>
+            <a:ext uri="{FF2B5EF4-FFF2-40B4-BE49-F238E27FC236}">
+              <a16:creationId xmlns:a16="http://schemas.microsoft.com/office/drawing/2014/main" id="{2C8CC6CA-02E7-625B-E426-246D4B894168}"/>
+            </a:ext>
+          </a:extLst>
+        </p:cNvPr>
         <p:cNvGrpSpPr/>
         <p:nvPr/>
       </p:nvGrpSpPr>
@@ -15296,7 +12205,13 @@
       </p:grpSpPr>
       <p:sp>
         <p:nvSpPr>
-          <p:cNvPr id="2" name="Titel 1"/>
+          <p:cNvPr id="13" name="Titel 1">
+            <a:extLst>
+              <a:ext uri="{FF2B5EF4-FFF2-40B4-BE49-F238E27FC236}">
+                <a16:creationId xmlns:a16="http://schemas.microsoft.com/office/drawing/2014/main" id="{F334E2BA-8A9F-7BB4-FB0F-EFDF05872BFE}"/>
+              </a:ext>
+            </a:extLst>
+          </p:cNvPr>
           <p:cNvSpPr>
             <a:spLocks noGrp="1"/>
           </p:cNvSpPr>
@@ -15306,42 +12221,137 @@
         </p:nvSpPr>
         <p:spPr/>
         <p:txBody>
-          <a:bodyPr rtlCol="0"/>
-          <a:lstStyle/>
-          <a:p>
-            <a:pPr rtl="0"/>
-            <a:r>
-              <a:rPr lang="nl-NL" dirty="0"/>
-              <a:t>Voeg een </a:t>
-            </a:r>
-            <a:r>
-              <a:rPr lang="nl-NL" dirty="0" err="1"/>
-              <a:t>diatitel</a:t>
-            </a:r>
-            <a:r>
-              <a:rPr lang="nl-NL" dirty="0"/>
-              <a:t> toe - 3</a:t>
-            </a:r>
+          <a:bodyPr rtlCol="0">
+            <a:normAutofit/>
+          </a:bodyPr>
+          <a:lstStyle/>
+          <a:p>
+            <a:r>
+              <a:rPr lang="nl-NL" dirty="0"/>
+              <a:t>SVD in PCA</a:t>
+            </a:r>
+          </a:p>
+        </p:txBody>
+      </p:sp>
+      <p:sp>
+        <p:nvSpPr>
+          <p:cNvPr id="14" name="Tijdelijke aanduiding voor inhoud 2">
+            <a:extLst>
+              <a:ext uri="{FF2B5EF4-FFF2-40B4-BE49-F238E27FC236}">
+                <a16:creationId xmlns:a16="http://schemas.microsoft.com/office/drawing/2014/main" id="{BA517293-21AC-BAF2-DE17-089839160842}"/>
+              </a:ext>
+            </a:extLst>
+          </p:cNvPr>
+          <p:cNvSpPr>
+            <a:spLocks noGrp="1"/>
+          </p:cNvSpPr>
+          <p:nvPr>
+            <p:ph idx="1"/>
+          </p:nvPr>
+        </p:nvSpPr>
+        <p:spPr/>
+        <p:txBody>
+          <a:bodyPr rtlCol="0">
+            <a:normAutofit/>
+          </a:bodyPr>
+          <a:lstStyle/>
+          <a:p>
+            <a:pPr rtl="0"/>
+            <a:r>
+              <a:rPr lang="nl-NL" dirty="0" err="1"/>
+              <a:t>Advantages</a:t>
+            </a:r>
+            <a:r>
+              <a:rPr lang="nl-NL" dirty="0"/>
+              <a:t>:</a:t>
+            </a:r>
+          </a:p>
+          <a:p>
+            <a:pPr lvl="1"/>
+            <a:r>
+              <a:rPr lang="nl-NL" dirty="0"/>
+              <a:t>It is more memory intensive</a:t>
+            </a:r>
+          </a:p>
+          <a:p>
+            <a:pPr lvl="1"/>
+            <a:r>
+              <a:rPr lang="nl-NL" dirty="0"/>
+              <a:t>On </a:t>
+            </a:r>
+            <a:r>
+              <a:rPr lang="nl-NL" dirty="0" err="1"/>
+              <a:t>ill-condioned</a:t>
+            </a:r>
+            <a:r>
+              <a:rPr lang="nl-NL" dirty="0"/>
+              <a:t> dataset SVD is more </a:t>
+            </a:r>
+            <a:r>
+              <a:rPr lang="nl-NL" dirty="0" err="1"/>
+              <a:t>stable</a:t>
+            </a:r>
+            <a:endParaRPr lang="nl-NL" dirty="0"/>
+          </a:p>
+          <a:p>
+            <a:pPr marL="0" indent="0" rtl="0">
+              <a:buNone/>
+            </a:pPr>
+            <a:endParaRPr lang="nl-NL" dirty="0"/>
+          </a:p>
+          <a:p>
+            <a:pPr rtl="0"/>
+            <a:endParaRPr lang="nl-NL" dirty="0"/>
+          </a:p>
+          <a:p>
+            <a:pPr rtl="0"/>
+            <a:endParaRPr lang="nl-NL" dirty="0"/>
+          </a:p>
+          <a:p>
+            <a:pPr marL="0" indent="0" rtl="0">
+              <a:buNone/>
+            </a:pPr>
+            <a:endParaRPr lang="nl-NL" dirty="0"/>
+          </a:p>
+          <a:p>
+            <a:pPr rtl="0"/>
+            <a:endParaRPr lang="nl-NL" dirty="0"/>
+          </a:p>
+          <a:p>
+            <a:pPr lvl="1"/>
+            <a:endParaRPr lang="nl-NL" dirty="0"/>
+          </a:p>
+          <a:p>
+            <a:pPr lvl="1"/>
+            <a:endParaRPr lang="nl-NL" dirty="0"/>
+          </a:p>
+          <a:p>
+            <a:pPr rtl="0"/>
+            <a:endParaRPr lang="nl-NL" dirty="0"/>
+          </a:p>
+          <a:p>
+            <a:pPr rtl="0"/>
+            <a:endParaRPr lang="nl-NL" dirty="0"/>
           </a:p>
         </p:txBody>
       </p:sp>
     </p:spTree>
     <p:extLst>
       <p:ext uri="{BB962C8B-B14F-4D97-AF65-F5344CB8AC3E}">
-        <p14:creationId xmlns:p14="http://schemas.microsoft.com/office/powerpoint/2010/main" val="2902466307"/>
+        <p14:creationId xmlns:p14="http://schemas.microsoft.com/office/powerpoint/2010/main" val="3366928988"/>
       </p:ext>
     </p:extLst>
   </p:cSld>
   <p:clrMapOvr>
     <a:masterClrMapping/>
   </p:clrMapOvr>
-  <mc:AlternateContent xmlns:mc="http://schemas.openxmlformats.org/markup-compatibility/2006" xmlns:p14="http://schemas.microsoft.com/office/powerpoint/2010/main">
-    <mc:Choice Requires="p14">
+  <mc:AlternateContent xmlns:mc="http://schemas.openxmlformats.org/markup-compatibility/2006">
+    <mc:Choice xmlns:p14="http://schemas.microsoft.com/office/powerpoint/2010/main" Requires="p14">
       <p:transition spd="med" p14:dur="700">
         <p:fade/>
       </p:transition>
     </mc:Choice>
-    <mc:Fallback xmlns="">
+    <mc:Fallback>
       <p:transition spd="med">
         <p:fade/>
       </p:transition>
@@ -15355,7 +12365,13 @@
   <p:cSld>
     <p:spTree>
       <p:nvGrpSpPr>
-        <p:cNvPr id="1" name=""/>
+        <p:cNvPr id="1" name="">
+          <a:extLst>
+            <a:ext uri="{FF2B5EF4-FFF2-40B4-BE49-F238E27FC236}">
+              <a16:creationId xmlns:a16="http://schemas.microsoft.com/office/drawing/2014/main" id="{05941748-11EF-6A9F-84CF-5378BD8A62C5}"/>
+            </a:ext>
+          </a:extLst>
+        </p:cNvPr>
         <p:cNvGrpSpPr/>
         <p:nvPr/>
       </p:nvGrpSpPr>
@@ -15367,23 +12383,340 @@
           <a:chExt cx="0" cy="0"/>
         </a:xfrm>
       </p:grpSpPr>
+      <p:sp>
+        <p:nvSpPr>
+          <p:cNvPr id="13" name="Titel 1">
+            <a:extLst>
+              <a:ext uri="{FF2B5EF4-FFF2-40B4-BE49-F238E27FC236}">
+                <a16:creationId xmlns:a16="http://schemas.microsoft.com/office/drawing/2014/main" id="{C5DA583E-024D-3C5F-1B7F-8D4DCB734599}"/>
+              </a:ext>
+            </a:extLst>
+          </p:cNvPr>
+          <p:cNvSpPr>
+            <a:spLocks noGrp="1"/>
+          </p:cNvSpPr>
+          <p:nvPr>
+            <p:ph type="title"/>
+          </p:nvPr>
+        </p:nvSpPr>
+        <p:spPr/>
+        <p:txBody>
+          <a:bodyPr rtlCol="0">
+            <a:normAutofit/>
+          </a:bodyPr>
+          <a:lstStyle/>
+          <a:p>
+            <a:r>
+              <a:rPr lang="nl-NL" dirty="0"/>
+              <a:t>Connection EVD </a:t>
+            </a:r>
+            <a:r>
+              <a:rPr lang="nl-NL" dirty="0" err="1"/>
+              <a:t>and</a:t>
+            </a:r>
+            <a:r>
+              <a:rPr lang="nl-NL" dirty="0"/>
+              <a:t> SVD</a:t>
+            </a:r>
+          </a:p>
+        </p:txBody>
+      </p:sp>
+      <p:sp>
+        <p:nvSpPr>
+          <p:cNvPr id="14" name="Tijdelijke aanduiding voor inhoud 2">
+            <a:extLst>
+              <a:ext uri="{FF2B5EF4-FFF2-40B4-BE49-F238E27FC236}">
+                <a16:creationId xmlns:a16="http://schemas.microsoft.com/office/drawing/2014/main" id="{4171BCEF-49D0-5B72-8325-65216270F46C}"/>
+              </a:ext>
+            </a:extLst>
+          </p:cNvPr>
+          <p:cNvSpPr>
+            <a:spLocks noGrp="1"/>
+          </p:cNvSpPr>
+          <p:nvPr>
+            <p:ph idx="1"/>
+          </p:nvPr>
+        </p:nvSpPr>
+        <p:spPr/>
+        <p:txBody>
+          <a:bodyPr rtlCol="0">
+            <a:normAutofit/>
+          </a:bodyPr>
+          <a:lstStyle/>
+          <a:p>
+            <a:pPr rtl="0"/>
+            <a:r>
+              <a:rPr lang="nl-NL" dirty="0"/>
+              <a:t>EVD:</a:t>
+            </a:r>
+          </a:p>
+          <a:p>
+            <a:pPr rtl="0"/>
+            <a:endParaRPr lang="nl-NL" dirty="0"/>
+          </a:p>
+          <a:p>
+            <a:pPr rtl="0"/>
+            <a:r>
+              <a:rPr lang="nl-NL" dirty="0"/>
+              <a:t>SVD: </a:t>
+            </a:r>
+          </a:p>
+          <a:p>
+            <a:pPr marL="0" indent="0" rtl="0">
+              <a:buNone/>
+            </a:pPr>
+            <a:endParaRPr lang="nl-NL" dirty="0"/>
+          </a:p>
+          <a:p>
+            <a:pPr rtl="0"/>
+            <a:r>
+              <a:rPr lang="nl-NL" dirty="0" err="1"/>
+              <a:t>Calculate</a:t>
+            </a:r>
+            <a:r>
+              <a:rPr lang="nl-NL" dirty="0"/>
+              <a:t> U </a:t>
+            </a:r>
+            <a:r>
+              <a:rPr lang="nl-NL" dirty="0" err="1"/>
+              <a:t>and</a:t>
+            </a:r>
+            <a:r>
+              <a:rPr lang="nl-NL" dirty="0"/>
+              <a:t> V:</a:t>
+            </a:r>
+          </a:p>
+          <a:p>
+            <a:pPr lvl="1"/>
+            <a:endParaRPr lang="nl-NL" dirty="0"/>
+          </a:p>
+          <a:p>
+            <a:pPr rtl="0"/>
+            <a:endParaRPr lang="nl-NL" dirty="0"/>
+          </a:p>
+          <a:p>
+            <a:pPr marL="0" indent="0" rtl="0">
+              <a:buNone/>
+            </a:pPr>
+            <a:endParaRPr lang="nl-NL" dirty="0"/>
+          </a:p>
+          <a:p>
+            <a:pPr rtl="0"/>
+            <a:r>
+              <a:rPr lang="nl-NL" dirty="0" err="1"/>
+              <a:t>Also</a:t>
+            </a:r>
+            <a:r>
+              <a:rPr lang="nl-NL" dirty="0"/>
+              <a:t> </a:t>
+            </a:r>
+            <a:r>
+              <a:rPr lang="nl-NL" dirty="0" err="1"/>
+              <a:t>because</a:t>
+            </a:r>
+            <a:r>
+              <a:rPr lang="nl-NL" dirty="0"/>
+              <a:t> Σ</a:t>
+            </a:r>
+            <a:r>
+              <a:rPr lang="nl-NL" baseline="30000" dirty="0"/>
+              <a:t>2</a:t>
+            </a:r>
+            <a:r>
+              <a:rPr lang="nl-NL" dirty="0"/>
+              <a:t> = </a:t>
+            </a:r>
+            <a:r>
+              <a:rPr lang="nl-NL" dirty="0" err="1"/>
+              <a:t>Λ</a:t>
+            </a:r>
+            <a:endParaRPr lang="nl-NL" dirty="0"/>
+          </a:p>
+          <a:p>
+            <a:pPr lvl="1"/>
+            <a:endParaRPr lang="nl-NL" dirty="0"/>
+          </a:p>
+          <a:p>
+            <a:pPr lvl="1"/>
+            <a:endParaRPr lang="nl-NL" dirty="0"/>
+          </a:p>
+          <a:p>
+            <a:pPr rtl="0"/>
+            <a:endParaRPr lang="nl-NL" dirty="0"/>
+          </a:p>
+          <a:p>
+            <a:pPr rtl="0"/>
+            <a:endParaRPr lang="nl-NL" dirty="0"/>
+          </a:p>
+        </p:txBody>
+      </p:sp>
+      <p:pic>
+        <p:nvPicPr>
+          <p:cNvPr id="2" name="Afbeelding 1">
+            <a:extLst>
+              <a:ext uri="{FF2B5EF4-FFF2-40B4-BE49-F238E27FC236}">
+                <a16:creationId xmlns:a16="http://schemas.microsoft.com/office/drawing/2014/main" id="{88C9D4D0-129E-F798-F9FF-647D11866FB0}"/>
+              </a:ext>
+            </a:extLst>
+          </p:cNvPr>
+          <p:cNvPicPr>
+            <a:picLocks noChangeAspect="1"/>
+          </p:cNvPicPr>
+          <p:nvPr/>
+        </p:nvPicPr>
+        <p:blipFill>
+          <a:blip r:embed="rId3"/>
+          <a:stretch>
+            <a:fillRect/>
+          </a:stretch>
+        </p:blipFill>
+        <p:spPr>
+          <a:xfrm>
+            <a:off x="1665244" y="2409925"/>
+            <a:ext cx="1751055" cy="468862"/>
+          </a:xfrm>
+          <a:prstGeom prst="rect">
+            <a:avLst/>
+          </a:prstGeom>
+        </p:spPr>
+      </p:pic>
+      <p:pic>
+        <p:nvPicPr>
+          <p:cNvPr id="4" name="Afbeelding 3">
+            <a:extLst>
+              <a:ext uri="{FF2B5EF4-FFF2-40B4-BE49-F238E27FC236}">
+                <a16:creationId xmlns:a16="http://schemas.microsoft.com/office/drawing/2014/main" id="{D4701C22-B746-BD18-76A3-6FD92A222032}"/>
+              </a:ext>
+            </a:extLst>
+          </p:cNvPr>
+          <p:cNvPicPr>
+            <a:picLocks noChangeAspect="1"/>
+          </p:cNvPicPr>
+          <p:nvPr/>
+        </p:nvPicPr>
+        <p:blipFill>
+          <a:blip r:embed="rId4"/>
+          <a:stretch>
+            <a:fillRect/>
+          </a:stretch>
+        </p:blipFill>
+        <p:spPr>
+          <a:xfrm>
+            <a:off x="1665244" y="3348681"/>
+            <a:ext cx="1522799" cy="327044"/>
+          </a:xfrm>
+          <a:prstGeom prst="rect">
+            <a:avLst/>
+          </a:prstGeom>
+        </p:spPr>
+      </p:pic>
+      <p:pic>
+        <p:nvPicPr>
+          <p:cNvPr id="5" name="Afbeelding 4">
+            <a:extLst>
+              <a:ext uri="{FF2B5EF4-FFF2-40B4-BE49-F238E27FC236}">
+                <a16:creationId xmlns:a16="http://schemas.microsoft.com/office/drawing/2014/main" id="{5DF8A9A9-92A3-55E0-4FE0-EEF5FE888A8E}"/>
+              </a:ext>
+            </a:extLst>
+          </p:cNvPr>
+          <p:cNvPicPr>
+            <a:picLocks noChangeAspect="1"/>
+          </p:cNvPicPr>
+          <p:nvPr/>
+        </p:nvPicPr>
+        <p:blipFill>
+          <a:blip r:embed="rId5"/>
+          <a:stretch>
+            <a:fillRect/>
+          </a:stretch>
+        </p:blipFill>
+        <p:spPr>
+          <a:xfrm>
+            <a:off x="1208902" y="4145620"/>
+            <a:ext cx="6501714" cy="593594"/>
+          </a:xfrm>
+          <a:prstGeom prst="rect">
+            <a:avLst/>
+          </a:prstGeom>
+        </p:spPr>
+      </p:pic>
+      <p:pic>
+        <p:nvPicPr>
+          <p:cNvPr id="7" name="Afbeelding 6">
+            <a:extLst>
+              <a:ext uri="{FF2B5EF4-FFF2-40B4-BE49-F238E27FC236}">
+                <a16:creationId xmlns:a16="http://schemas.microsoft.com/office/drawing/2014/main" id="{44DCDE2D-74BC-1252-67FC-170458B1CB79}"/>
+              </a:ext>
+            </a:extLst>
+          </p:cNvPr>
+          <p:cNvPicPr>
+            <a:picLocks noChangeAspect="1"/>
+          </p:cNvPicPr>
+          <p:nvPr/>
+        </p:nvPicPr>
+        <p:blipFill>
+          <a:blip r:embed="rId6"/>
+          <a:stretch>
+            <a:fillRect/>
+          </a:stretch>
+        </p:blipFill>
+        <p:spPr>
+          <a:xfrm>
+            <a:off x="1089468" y="4673748"/>
+            <a:ext cx="6954781" cy="694552"/>
+          </a:xfrm>
+          <a:prstGeom prst="rect">
+            <a:avLst/>
+          </a:prstGeom>
+        </p:spPr>
+      </p:pic>
+      <p:pic>
+        <p:nvPicPr>
+          <p:cNvPr id="9" name="Afbeelding 8">
+            <a:extLst>
+              <a:ext uri="{FF2B5EF4-FFF2-40B4-BE49-F238E27FC236}">
+                <a16:creationId xmlns:a16="http://schemas.microsoft.com/office/drawing/2014/main" id="{61A2A381-2EA1-5602-C840-A85D1E0A26E9}"/>
+              </a:ext>
+            </a:extLst>
+          </p:cNvPr>
+          <p:cNvPicPr>
+            <a:picLocks noChangeAspect="1"/>
+          </p:cNvPicPr>
+          <p:nvPr/>
+        </p:nvPicPr>
+        <p:blipFill>
+          <a:blip r:embed="rId7"/>
+          <a:stretch>
+            <a:fillRect/>
+          </a:stretch>
+        </p:blipFill>
+        <p:spPr>
+          <a:xfrm>
+            <a:off x="1167369" y="5760378"/>
+            <a:ext cx="4430242" cy="508736"/>
+          </a:xfrm>
+          <a:prstGeom prst="rect">
+            <a:avLst/>
+          </a:prstGeom>
+        </p:spPr>
+      </p:pic>
     </p:spTree>
     <p:extLst>
       <p:ext uri="{BB962C8B-B14F-4D97-AF65-F5344CB8AC3E}">
-        <p14:creationId xmlns:p14="http://schemas.microsoft.com/office/powerpoint/2010/main" val="3350644395"/>
+        <p14:creationId xmlns:p14="http://schemas.microsoft.com/office/powerpoint/2010/main" val="2528378564"/>
       </p:ext>
     </p:extLst>
   </p:cSld>
   <p:clrMapOvr>
     <a:masterClrMapping/>
   </p:clrMapOvr>
-  <mc:AlternateContent xmlns:mc="http://schemas.openxmlformats.org/markup-compatibility/2006" xmlns:p14="http://schemas.microsoft.com/office/powerpoint/2010/main">
-    <mc:Choice Requires="p14">
+  <mc:AlternateContent xmlns:mc="http://schemas.openxmlformats.org/markup-compatibility/2006">
+    <mc:Choice xmlns:p14="http://schemas.microsoft.com/office/powerpoint/2010/main" Requires="p14">
       <p:transition spd="med" p14:dur="700">
         <p:fade/>
       </p:transition>
     </mc:Choice>
-    <mc:Fallback xmlns="">
+    <mc:Fallback>
       <p:transition spd="med">
         <p:fade/>
       </p:transition>
@@ -15397,7 +12730,13 @@
   <p:cSld>
     <p:spTree>
       <p:nvGrpSpPr>
-        <p:cNvPr id="1" name=""/>
+        <p:cNvPr id="1" name="">
+          <a:extLst>
+            <a:ext uri="{FF2B5EF4-FFF2-40B4-BE49-F238E27FC236}">
+              <a16:creationId xmlns:a16="http://schemas.microsoft.com/office/drawing/2014/main" id="{367BFA13-0F74-00D0-FA77-06F49756072F}"/>
+            </a:ext>
+          </a:extLst>
+        </p:cNvPr>
         <p:cNvGrpSpPr/>
         <p:nvPr/>
       </p:nvGrpSpPr>
@@ -15411,7 +12750,13 @@
       </p:grpSpPr>
       <p:sp>
         <p:nvSpPr>
-          <p:cNvPr id="2" name="Titel 1"/>
+          <p:cNvPr id="13" name="Titel 1">
+            <a:extLst>
+              <a:ext uri="{FF2B5EF4-FFF2-40B4-BE49-F238E27FC236}">
+                <a16:creationId xmlns:a16="http://schemas.microsoft.com/office/drawing/2014/main" id="{A8D07F6B-5AB4-8A08-1911-18657287FE44}"/>
+              </a:ext>
+            </a:extLst>
+          </p:cNvPr>
           <p:cNvSpPr>
             <a:spLocks noGrp="1"/>
           </p:cNvSpPr>
@@ -15421,28 +12766,35 @@
         </p:nvSpPr>
         <p:spPr/>
         <p:txBody>
-          <a:bodyPr rtlCol="0"/>
-          <a:lstStyle/>
-          <a:p>
-            <a:pPr rtl="0"/>
-            <a:r>
-              <a:rPr lang="nl-NL" dirty="0"/>
-              <a:t>Voeg een </a:t>
-            </a:r>
-            <a:r>
-              <a:rPr lang="nl-NL" dirty="0" err="1"/>
-              <a:t>diatitel</a:t>
-            </a:r>
-            <a:r>
-              <a:rPr lang="nl-NL" dirty="0"/>
-              <a:t> toe - 4</a:t>
-            </a:r>
-          </a:p>
-        </p:txBody>
-      </p:sp>
-      <p:sp>
-        <p:nvSpPr>
-          <p:cNvPr id="3" name="Tijdelijke aanduiding voor inhoud 2"/>
+          <a:bodyPr rtlCol="0">
+            <a:normAutofit/>
+          </a:bodyPr>
+          <a:lstStyle/>
+          <a:p>
+            <a:r>
+              <a:rPr lang="nl-NL" dirty="0"/>
+              <a:t>Connection EVD </a:t>
+            </a:r>
+            <a:r>
+              <a:rPr lang="nl-NL" dirty="0" err="1"/>
+              <a:t>and</a:t>
+            </a:r>
+            <a:r>
+              <a:rPr lang="nl-NL" dirty="0"/>
+              <a:t> SVD</a:t>
+            </a:r>
+          </a:p>
+        </p:txBody>
+      </p:sp>
+      <p:sp>
+        <p:nvSpPr>
+          <p:cNvPr id="14" name="Tijdelijke aanduiding voor inhoud 2">
+            <a:extLst>
+              <a:ext uri="{FF2B5EF4-FFF2-40B4-BE49-F238E27FC236}">
+                <a16:creationId xmlns:a16="http://schemas.microsoft.com/office/drawing/2014/main" id="{6897B6E7-5650-38DE-3219-6B42E1910B7F}"/>
+              </a:ext>
+            </a:extLst>
+          </p:cNvPr>
           <p:cNvSpPr>
             <a:spLocks noGrp="1"/>
           </p:cNvSpPr>
@@ -15452,51 +12804,236 @@
         </p:nvSpPr>
         <p:spPr/>
         <p:txBody>
-          <a:bodyPr rtlCol="0"/>
-          <a:lstStyle/>
-          <a:p>
-            <a:pPr rtl="0"/>
-            <a:endParaRPr lang="nl-NL" dirty="0"/>
-          </a:p>
-        </p:txBody>
-      </p:sp>
-      <p:sp>
-        <p:nvSpPr>
-          <p:cNvPr id="4" name="Tijdelijke aanduiding voor tekst 3"/>
-          <p:cNvSpPr>
-            <a:spLocks noGrp="1"/>
-          </p:cNvSpPr>
-          <p:nvPr>
-            <p:ph type="body" sz="half" idx="2"/>
-          </p:nvPr>
-        </p:nvSpPr>
-        <p:spPr/>
-        <p:txBody>
-          <a:bodyPr rtlCol="0"/>
-          <a:lstStyle/>
-          <a:p>
-            <a:pPr rtl="0"/>
-            <a:endParaRPr lang="nl-NL" dirty="0"/>
-          </a:p>
-        </p:txBody>
-      </p:sp>
+          <a:bodyPr rtlCol="0">
+            <a:normAutofit/>
+          </a:bodyPr>
+          <a:lstStyle/>
+          <a:p>
+            <a:r>
+              <a:rPr lang="nl-NL" dirty="0"/>
+              <a:t>S is square </a:t>
+            </a:r>
+            <a:r>
+              <a:rPr lang="nl-NL" dirty="0" err="1"/>
+              <a:t>symmetric</a:t>
+            </a:r>
+            <a:r>
+              <a:rPr lang="nl-NL" dirty="0"/>
+              <a:t>, </a:t>
+            </a:r>
+            <a:r>
+              <a:rPr lang="nl-NL" dirty="0" err="1"/>
+              <a:t>and</a:t>
+            </a:r>
+            <a:r>
+              <a:rPr lang="nl-NL" dirty="0"/>
+              <a:t> </a:t>
+            </a:r>
+            <a:r>
+              <a:rPr lang="nl-NL" dirty="0" err="1"/>
+              <a:t>positive</a:t>
+            </a:r>
+            <a:r>
+              <a:rPr lang="nl-NL" dirty="0"/>
+              <a:t> semi-</a:t>
+            </a:r>
+            <a:r>
+              <a:rPr lang="nl-NL" dirty="0" err="1"/>
+              <a:t>definite</a:t>
+            </a:r>
+            <a:r>
+              <a:rPr lang="nl-NL" dirty="0"/>
+              <a:t> (S = S</a:t>
+            </a:r>
+            <a:r>
+              <a:rPr lang="nl-NL" baseline="30000" dirty="0"/>
+              <a:t>T</a:t>
+            </a:r>
+            <a:r>
+              <a:rPr lang="nl-NL" dirty="0"/>
+              <a:t>)</a:t>
+            </a:r>
+          </a:p>
+          <a:p>
+            <a:r>
+              <a:rPr lang="nl-NL" dirty="0" err="1"/>
+              <a:t>Consider</a:t>
+            </a:r>
+            <a:r>
+              <a:rPr lang="nl-NL" dirty="0"/>
+              <a:t>: </a:t>
+            </a:r>
+          </a:p>
+          <a:p>
+            <a:pPr lvl="1"/>
+            <a:r>
+              <a:rPr lang="nl-NL" dirty="0"/>
+              <a:t>U = V </a:t>
+            </a:r>
+          </a:p>
+          <a:p>
+            <a:pPr lvl="1"/>
+            <a:r>
+              <a:rPr lang="nl-NL" dirty="0"/>
+              <a:t>The </a:t>
+            </a:r>
+            <a:r>
+              <a:rPr lang="nl-NL" dirty="0" err="1"/>
+              <a:t>singular</a:t>
+            </a:r>
+            <a:r>
+              <a:rPr lang="nl-NL" dirty="0"/>
+              <a:t> </a:t>
+            </a:r>
+            <a:r>
+              <a:rPr lang="nl-NL" dirty="0" err="1"/>
+              <a:t>values</a:t>
+            </a:r>
+            <a:r>
+              <a:rPr lang="nl-NL" dirty="0"/>
+              <a:t> of S are </a:t>
+            </a:r>
+            <a:r>
+              <a:rPr lang="nl-NL" dirty="0" err="1"/>
+              <a:t>equal</a:t>
+            </a:r>
+            <a:r>
+              <a:rPr lang="nl-NL" dirty="0"/>
+              <a:t> </a:t>
+            </a:r>
+            <a:r>
+              <a:rPr lang="nl-NL" dirty="0" err="1"/>
+              <a:t>to</a:t>
+            </a:r>
+            <a:r>
+              <a:rPr lang="nl-NL" dirty="0"/>
+              <a:t> </a:t>
+            </a:r>
+            <a:r>
+              <a:rPr lang="nl-NL" dirty="0" err="1"/>
+              <a:t>its</a:t>
+            </a:r>
+            <a:r>
+              <a:rPr lang="nl-NL" dirty="0"/>
+              <a:t> </a:t>
+            </a:r>
+            <a:r>
+              <a:rPr lang="nl-NL" dirty="0" err="1"/>
+              <a:t>eigenvalues</a:t>
+            </a:r>
+            <a:r>
+              <a:rPr lang="nl-NL" dirty="0"/>
+              <a:t> ,</a:t>
+            </a:r>
+          </a:p>
+          <a:p>
+            <a:pPr lvl="1"/>
+            <a:r>
+              <a:rPr lang="nl-NL" dirty="0"/>
+              <a:t>U is </a:t>
+            </a:r>
+            <a:r>
+              <a:rPr lang="nl-NL" dirty="0" err="1"/>
+              <a:t>orthogonal</a:t>
+            </a:r>
+            <a:r>
+              <a:rPr lang="nl-NL" dirty="0"/>
+              <a:t>, </a:t>
+            </a:r>
+            <a:r>
+              <a:rPr lang="nl-NL" dirty="0" err="1"/>
+              <a:t>so</a:t>
+            </a:r>
+            <a:r>
+              <a:rPr lang="nl-NL" dirty="0"/>
+              <a:t> U</a:t>
+            </a:r>
+            <a:r>
+              <a:rPr lang="nl-NL" baseline="30000" dirty="0"/>
+              <a:t>−1</a:t>
+            </a:r>
+            <a:r>
+              <a:rPr lang="nl-NL" dirty="0"/>
+              <a:t> = U</a:t>
+            </a:r>
+            <a:r>
+              <a:rPr lang="nl-NL" baseline="30000" dirty="0"/>
+              <a:t>T</a:t>
+            </a:r>
+          </a:p>
+          <a:p>
+            <a:endParaRPr lang="nl-NL" dirty="0"/>
+          </a:p>
+          <a:p>
+            <a:pPr marL="0" indent="0">
+              <a:buNone/>
+            </a:pPr>
+            <a:endParaRPr lang="nl-NL" dirty="0"/>
+          </a:p>
+          <a:p>
+            <a:endParaRPr lang="nl-NL" dirty="0"/>
+          </a:p>
+          <a:p>
+            <a:pPr lvl="1"/>
+            <a:endParaRPr lang="nl-NL" dirty="0"/>
+          </a:p>
+          <a:p>
+            <a:pPr rtl="0"/>
+            <a:endParaRPr lang="nl-NL" dirty="0"/>
+          </a:p>
+          <a:p>
+            <a:pPr rtl="0"/>
+            <a:endParaRPr lang="nl-NL" dirty="0"/>
+          </a:p>
+        </p:txBody>
+      </p:sp>
+      <p:pic>
+        <p:nvPicPr>
+          <p:cNvPr id="6" name="Afbeelding 5">
+            <a:extLst>
+              <a:ext uri="{FF2B5EF4-FFF2-40B4-BE49-F238E27FC236}">
+                <a16:creationId xmlns:a16="http://schemas.microsoft.com/office/drawing/2014/main" id="{C02177AB-95FB-302E-981A-7F1E59A95DBA}"/>
+              </a:ext>
+            </a:extLst>
+          </p:cNvPr>
+          <p:cNvPicPr>
+            <a:picLocks noChangeAspect="1"/>
+          </p:cNvPicPr>
+          <p:nvPr/>
+        </p:nvPicPr>
+        <p:blipFill>
+          <a:blip r:embed="rId3"/>
+          <a:stretch>
+            <a:fillRect/>
+          </a:stretch>
+        </p:blipFill>
+        <p:spPr>
+          <a:xfrm>
+            <a:off x="1058390" y="4206961"/>
+            <a:ext cx="1993900" cy="495300"/>
+          </a:xfrm>
+          <a:prstGeom prst="rect">
+            <a:avLst/>
+          </a:prstGeom>
+        </p:spPr>
+      </p:pic>
     </p:spTree>
     <p:extLst>
       <p:ext uri="{BB962C8B-B14F-4D97-AF65-F5344CB8AC3E}">
-        <p14:creationId xmlns:p14="http://schemas.microsoft.com/office/powerpoint/2010/main" val="1457430339"/>
+        <p14:creationId xmlns:p14="http://schemas.microsoft.com/office/powerpoint/2010/main" val="685248269"/>
       </p:ext>
     </p:extLst>
   </p:cSld>
   <p:clrMapOvr>
     <a:masterClrMapping/>
   </p:clrMapOvr>
-  <mc:AlternateContent xmlns:mc="http://schemas.openxmlformats.org/markup-compatibility/2006" xmlns:p14="http://schemas.microsoft.com/office/powerpoint/2010/main">
-    <mc:Choice Requires="p14">
+  <mc:AlternateContent xmlns:mc="http://schemas.openxmlformats.org/markup-compatibility/2006">
+    <mc:Choice xmlns:p14="http://schemas.microsoft.com/office/powerpoint/2010/main" Requires="p14">
       <p:transition spd="med" p14:dur="700">
         <p:fade/>
       </p:transition>
     </mc:Choice>
-    <mc:Fallback xmlns="">
+    <mc:Fallback>
       <p:transition spd="med">
         <p:fade/>
       </p:transition>
@@ -15510,7 +13047,13 @@
   <p:cSld>
     <p:spTree>
       <p:nvGrpSpPr>
-        <p:cNvPr id="1" name=""/>
+        <p:cNvPr id="1" name="">
+          <a:extLst>
+            <a:ext uri="{FF2B5EF4-FFF2-40B4-BE49-F238E27FC236}">
+              <a16:creationId xmlns:a16="http://schemas.microsoft.com/office/drawing/2014/main" id="{FABC4F6C-CD88-BBC4-7CDD-4B528B68C22F}"/>
+            </a:ext>
+          </a:extLst>
+        </p:cNvPr>
         <p:cNvGrpSpPr/>
         <p:nvPr/>
       </p:nvGrpSpPr>
@@ -15524,7 +13067,13 @@
       </p:grpSpPr>
       <p:sp>
         <p:nvSpPr>
-          <p:cNvPr id="2" name="Titel 1"/>
+          <p:cNvPr id="13" name="Titel 1">
+            <a:extLst>
+              <a:ext uri="{FF2B5EF4-FFF2-40B4-BE49-F238E27FC236}">
+                <a16:creationId xmlns:a16="http://schemas.microsoft.com/office/drawing/2014/main" id="{4BC36A6E-4347-649A-325C-B37D9E3B8419}"/>
+              </a:ext>
+            </a:extLst>
+          </p:cNvPr>
           <p:cNvSpPr>
             <a:spLocks noGrp="1"/>
           </p:cNvSpPr>
@@ -15534,81 +13083,608 @@
         </p:nvSpPr>
         <p:spPr/>
         <p:txBody>
-          <a:bodyPr rtlCol="0"/>
-          <a:lstStyle/>
-          <a:p>
-            <a:pPr rtl="0"/>
-            <a:r>
-              <a:rPr lang="nl-NL" dirty="0"/>
-              <a:t>Voeg een </a:t>
-            </a:r>
-            <a:r>
-              <a:rPr lang="nl-NL" dirty="0" err="1"/>
-              <a:t>diatitel</a:t>
-            </a:r>
-            <a:r>
-              <a:rPr lang="nl-NL" dirty="0"/>
-              <a:t> toe - 5</a:t>
-            </a:r>
-          </a:p>
-        </p:txBody>
-      </p:sp>
-      <p:sp>
-        <p:nvSpPr>
-          <p:cNvPr id="3" name="Tijdelijke aanduiding voor afbeelding 2" descr="Een lege tijdelijke aanduiding om een afbeelding toe te voegen. Klik op de tijdelijke aanduiding en selecteer de afbeelding die u wilt toevoegen"/>
-          <p:cNvSpPr>
-            <a:spLocks noGrp="1"/>
-          </p:cNvSpPr>
-          <p:nvPr>
-            <p:ph type="pic" idx="1"/>
-          </p:nvPr>
-        </p:nvSpPr>
-        <p:spPr/>
-        <p:txBody>
-          <a:bodyPr/>
-          <a:lstStyle/>
-          <a:p>
-            <a:endParaRPr lang="nl-NL"/>
-          </a:p>
-        </p:txBody>
-      </p:sp>
-      <p:sp>
-        <p:nvSpPr>
-          <p:cNvPr id="4" name="Tijdelijke aanduiding voor tekst 3"/>
-          <p:cNvSpPr>
-            <a:spLocks noGrp="1"/>
-          </p:cNvSpPr>
-          <p:nvPr>
-            <p:ph type="body" sz="half" idx="2"/>
-          </p:nvPr>
-        </p:nvSpPr>
-        <p:spPr/>
-        <p:txBody>
-          <a:bodyPr rtlCol="0"/>
-          <a:lstStyle/>
-          <a:p>
-            <a:pPr rtl="0"/>
-            <a:endParaRPr lang="nl-NL" dirty="0"/>
-          </a:p>
-        </p:txBody>
-      </p:sp>
+          <a:bodyPr rtlCol="0">
+            <a:normAutofit/>
+          </a:bodyPr>
+          <a:lstStyle/>
+          <a:p>
+            <a:r>
+              <a:rPr lang="nl-NL" dirty="0" err="1"/>
+              <a:t>Numerical</a:t>
+            </a:r>
+            <a:r>
+              <a:rPr lang="nl-NL" dirty="0"/>
+              <a:t> </a:t>
+            </a:r>
+            <a:r>
+              <a:rPr lang="nl-NL" dirty="0" err="1"/>
+              <a:t>examples</a:t>
+            </a:r>
+            <a:endParaRPr lang="nl-NL" dirty="0"/>
+          </a:p>
+        </p:txBody>
+      </p:sp>
+      <p:sp>
+        <p:nvSpPr>
+          <p:cNvPr id="14" name="Tijdelijke aanduiding voor inhoud 2">
+            <a:extLst>
+              <a:ext uri="{FF2B5EF4-FFF2-40B4-BE49-F238E27FC236}">
+                <a16:creationId xmlns:a16="http://schemas.microsoft.com/office/drawing/2014/main" id="{70765418-5DBA-1723-D003-2E9416B8AC7E}"/>
+              </a:ext>
+            </a:extLst>
+          </p:cNvPr>
+          <p:cNvSpPr>
+            <a:spLocks noGrp="1"/>
+          </p:cNvSpPr>
+          <p:nvPr>
+            <p:ph idx="1"/>
+          </p:nvPr>
+        </p:nvSpPr>
+        <p:spPr/>
+        <p:txBody>
+          <a:bodyPr rtlCol="0">
+            <a:normAutofit/>
+          </a:bodyPr>
+          <a:lstStyle/>
+          <a:p>
+            <a:r>
+              <a:rPr lang="nl-NL" dirty="0" err="1"/>
+              <a:t>Function</a:t>
+            </a:r>
+            <a:r>
+              <a:rPr lang="nl-NL" dirty="0"/>
+              <a:t>: </a:t>
+            </a:r>
+          </a:p>
+          <a:p>
+            <a:endParaRPr lang="nl-NL" dirty="0"/>
+          </a:p>
+          <a:p>
+            <a:pPr marL="457200" lvl="1" indent="0">
+              <a:buNone/>
+            </a:pPr>
+            <a:endParaRPr lang="nl-NL" dirty="0"/>
+          </a:p>
+          <a:p>
+            <a:endParaRPr lang="nl-NL" dirty="0"/>
+          </a:p>
+          <a:p>
+            <a:pPr marL="0" indent="0">
+              <a:buNone/>
+            </a:pPr>
+            <a:endParaRPr lang="nl-NL" dirty="0"/>
+          </a:p>
+          <a:p>
+            <a:endParaRPr lang="nl-NL" dirty="0"/>
+          </a:p>
+          <a:p>
+            <a:pPr lvl="1"/>
+            <a:endParaRPr lang="nl-NL" dirty="0"/>
+          </a:p>
+          <a:p>
+            <a:pPr rtl="0"/>
+            <a:endParaRPr lang="nl-NL" dirty="0"/>
+          </a:p>
+          <a:p>
+            <a:pPr rtl="0"/>
+            <a:endParaRPr lang="nl-NL" dirty="0"/>
+          </a:p>
+        </p:txBody>
+      </p:sp>
+      <p:pic>
+        <p:nvPicPr>
+          <p:cNvPr id="2" name="Afbeelding 1">
+            <a:extLst>
+              <a:ext uri="{FF2B5EF4-FFF2-40B4-BE49-F238E27FC236}">
+                <a16:creationId xmlns:a16="http://schemas.microsoft.com/office/drawing/2014/main" id="{048F9F01-F182-C13F-370A-3196CA342573}"/>
+              </a:ext>
+            </a:extLst>
+          </p:cNvPr>
+          <p:cNvPicPr>
+            <a:picLocks noChangeAspect="1"/>
+          </p:cNvPicPr>
+          <p:nvPr/>
+        </p:nvPicPr>
+        <p:blipFill>
+          <a:blip r:embed="rId3"/>
+          <a:stretch>
+            <a:fillRect/>
+          </a:stretch>
+        </p:blipFill>
+        <p:spPr>
+          <a:xfrm>
+            <a:off x="1312562" y="2491946"/>
+            <a:ext cx="3889632" cy="530404"/>
+          </a:xfrm>
+          <a:prstGeom prst="rect">
+            <a:avLst/>
+          </a:prstGeom>
+        </p:spPr>
+      </p:pic>
+      <p:pic>
+        <p:nvPicPr>
+          <p:cNvPr id="3" name="Afbeelding 2">
+            <a:extLst>
+              <a:ext uri="{FF2B5EF4-FFF2-40B4-BE49-F238E27FC236}">
+                <a16:creationId xmlns:a16="http://schemas.microsoft.com/office/drawing/2014/main" id="{5E7C8868-8AAA-A980-6C65-2FA40D33B0F3}"/>
+              </a:ext>
+            </a:extLst>
+          </p:cNvPr>
+          <p:cNvPicPr>
+            <a:picLocks noChangeAspect="1"/>
+          </p:cNvPicPr>
+          <p:nvPr/>
+        </p:nvPicPr>
+        <p:blipFill>
+          <a:blip r:embed="rId4"/>
+          <a:stretch>
+            <a:fillRect/>
+          </a:stretch>
+        </p:blipFill>
+        <p:spPr>
+          <a:xfrm>
+            <a:off x="1058390" y="3054803"/>
+            <a:ext cx="6897130" cy="748393"/>
+          </a:xfrm>
+          <a:prstGeom prst="rect">
+            <a:avLst/>
+          </a:prstGeom>
+        </p:spPr>
+      </p:pic>
+      <p:pic>
+        <p:nvPicPr>
+          <p:cNvPr id="4" name="Afbeelding 3">
+            <a:extLst>
+              <a:ext uri="{FF2B5EF4-FFF2-40B4-BE49-F238E27FC236}">
+                <a16:creationId xmlns:a16="http://schemas.microsoft.com/office/drawing/2014/main" id="{70C0E414-BD94-176E-1C15-B83156164711}"/>
+              </a:ext>
+            </a:extLst>
+          </p:cNvPr>
+          <p:cNvPicPr>
+            <a:picLocks noChangeAspect="1"/>
+          </p:cNvPicPr>
+          <p:nvPr/>
+        </p:nvPicPr>
+        <p:blipFill>
+          <a:blip r:embed="rId5"/>
+          <a:stretch>
+            <a:fillRect/>
+          </a:stretch>
+        </p:blipFill>
+        <p:spPr>
+          <a:xfrm>
+            <a:off x="1058390" y="3835649"/>
+            <a:ext cx="3987457" cy="2600515"/>
+          </a:xfrm>
+          <a:prstGeom prst="rect">
+            <a:avLst/>
+          </a:prstGeom>
+        </p:spPr>
+      </p:pic>
     </p:spTree>
     <p:extLst>
       <p:ext uri="{BB962C8B-B14F-4D97-AF65-F5344CB8AC3E}">
-        <p14:creationId xmlns:p14="http://schemas.microsoft.com/office/powerpoint/2010/main" val="3734198996"/>
+        <p14:creationId xmlns:p14="http://schemas.microsoft.com/office/powerpoint/2010/main" val="2467594157"/>
       </p:ext>
     </p:extLst>
   </p:cSld>
   <p:clrMapOvr>
     <a:masterClrMapping/>
   </p:clrMapOvr>
-  <mc:AlternateContent xmlns:mc="http://schemas.openxmlformats.org/markup-compatibility/2006" xmlns:p14="http://schemas.microsoft.com/office/powerpoint/2010/main">
-    <mc:Choice Requires="p14">
+  <mc:AlternateContent xmlns:mc="http://schemas.openxmlformats.org/markup-compatibility/2006">
+    <mc:Choice xmlns:p14="http://schemas.microsoft.com/office/powerpoint/2010/main" Requires="p14">
       <p:transition spd="med" p14:dur="700">
         <p:fade/>
       </p:transition>
     </mc:Choice>
-    <mc:Fallback xmlns="">
+    <mc:Fallback>
+      <p:transition spd="med">
+        <p:fade/>
+      </p:transition>
+    </mc:Fallback>
+  </mc:AlternateContent>
+</p:sld>
+</file>
+
+<file path=ppt/slides/slide24.xml><?xml version="1.0" encoding="utf-8"?>
+<p:sld xmlns:a="http://schemas.openxmlformats.org/drawingml/2006/main" xmlns:r="http://schemas.openxmlformats.org/officeDocument/2006/relationships" xmlns:p="http://schemas.openxmlformats.org/presentationml/2006/main">
+  <p:cSld>
+    <p:spTree>
+      <p:nvGrpSpPr>
+        <p:cNvPr id="1" name="">
+          <a:extLst>
+            <a:ext uri="{FF2B5EF4-FFF2-40B4-BE49-F238E27FC236}">
+              <a16:creationId xmlns:a16="http://schemas.microsoft.com/office/drawing/2014/main" id="{3CD66EAD-DD25-9BC6-8892-689A3F3CA29D}"/>
+            </a:ext>
+          </a:extLst>
+        </p:cNvPr>
+        <p:cNvGrpSpPr/>
+        <p:nvPr/>
+      </p:nvGrpSpPr>
+      <p:grpSpPr>
+        <a:xfrm>
+          <a:off x="0" y="0"/>
+          <a:ext cx="0" cy="0"/>
+          <a:chOff x="0" y="0"/>
+          <a:chExt cx="0" cy="0"/>
+        </a:xfrm>
+      </p:grpSpPr>
+      <p:sp>
+        <p:nvSpPr>
+          <p:cNvPr id="13" name="Titel 1">
+            <a:extLst>
+              <a:ext uri="{FF2B5EF4-FFF2-40B4-BE49-F238E27FC236}">
+                <a16:creationId xmlns:a16="http://schemas.microsoft.com/office/drawing/2014/main" id="{16E01589-0AF5-51AF-0BA7-28F7B3A1BDEE}"/>
+              </a:ext>
+            </a:extLst>
+          </p:cNvPr>
+          <p:cNvSpPr>
+            <a:spLocks noGrp="1"/>
+          </p:cNvSpPr>
+          <p:nvPr>
+            <p:ph type="title"/>
+          </p:nvPr>
+        </p:nvSpPr>
+        <p:spPr/>
+        <p:txBody>
+          <a:bodyPr rtlCol="0">
+            <a:normAutofit/>
+          </a:bodyPr>
+          <a:lstStyle/>
+          <a:p>
+            <a:r>
+              <a:rPr lang="nl-NL" dirty="0" err="1"/>
+              <a:t>Numerical</a:t>
+            </a:r>
+            <a:r>
+              <a:rPr lang="nl-NL" dirty="0"/>
+              <a:t> </a:t>
+            </a:r>
+            <a:r>
+              <a:rPr lang="nl-NL" dirty="0" err="1"/>
+              <a:t>examples</a:t>
+            </a:r>
+            <a:endParaRPr lang="nl-NL" dirty="0"/>
+          </a:p>
+        </p:txBody>
+      </p:sp>
+      <p:sp>
+        <p:nvSpPr>
+          <p:cNvPr id="14" name="Tijdelijke aanduiding voor inhoud 2">
+            <a:extLst>
+              <a:ext uri="{FF2B5EF4-FFF2-40B4-BE49-F238E27FC236}">
+                <a16:creationId xmlns:a16="http://schemas.microsoft.com/office/drawing/2014/main" id="{DA0C707D-0176-4605-47B0-07BEDB01A079}"/>
+              </a:ext>
+            </a:extLst>
+          </p:cNvPr>
+          <p:cNvSpPr>
+            <a:spLocks noGrp="1"/>
+          </p:cNvSpPr>
+          <p:nvPr>
+            <p:ph idx="1"/>
+          </p:nvPr>
+        </p:nvSpPr>
+        <p:spPr/>
+        <p:txBody>
+          <a:bodyPr rtlCol="0">
+            <a:normAutofit/>
+          </a:bodyPr>
+          <a:lstStyle/>
+          <a:p>
+            <a:r>
+              <a:rPr lang="nl-NL" dirty="0" err="1"/>
+              <a:t>Hessian</a:t>
+            </a:r>
+            <a:r>
+              <a:rPr lang="nl-NL" dirty="0"/>
+              <a:t> matrix: 5 </a:t>
+            </a:r>
+            <a:r>
+              <a:rPr lang="nl-NL" dirty="0" err="1"/>
+              <a:t>iterations</a:t>
+            </a:r>
+            <a:endParaRPr lang="nl-NL" dirty="0"/>
+          </a:p>
+          <a:p>
+            <a:r>
+              <a:rPr lang="nl-NL" dirty="0" err="1"/>
+              <a:t>Gradient</a:t>
+            </a:r>
+            <a:r>
+              <a:rPr lang="nl-NL" dirty="0"/>
+              <a:t> </a:t>
+            </a:r>
+            <a:r>
+              <a:rPr lang="nl-NL" dirty="0" err="1"/>
+              <a:t>descent</a:t>
+            </a:r>
+            <a:r>
+              <a:rPr lang="nl-NL" dirty="0"/>
+              <a:t> </a:t>
+            </a:r>
+            <a:r>
+              <a:rPr lang="nl-NL" dirty="0" err="1"/>
+              <a:t>when</a:t>
+            </a:r>
+            <a:r>
+              <a:rPr lang="nl-NL" dirty="0"/>
+              <a:t> ⍺ = 0.01: 109 </a:t>
+            </a:r>
+            <a:r>
+              <a:rPr lang="nl-NL" dirty="0" err="1"/>
+              <a:t>iterations</a:t>
+            </a:r>
+            <a:endParaRPr lang="nl-NL" dirty="0"/>
+          </a:p>
+          <a:p>
+            <a:r>
+              <a:rPr lang="nl-NL" dirty="0" err="1"/>
+              <a:t>Gradient</a:t>
+            </a:r>
+            <a:r>
+              <a:rPr lang="nl-NL" dirty="0"/>
+              <a:t> </a:t>
+            </a:r>
+            <a:r>
+              <a:rPr lang="nl-NL" dirty="0" err="1"/>
+              <a:t>descent</a:t>
+            </a:r>
+            <a:r>
+              <a:rPr lang="nl-NL" dirty="0"/>
+              <a:t> </a:t>
+            </a:r>
+            <a:r>
+              <a:rPr lang="nl-NL" dirty="0" err="1"/>
+              <a:t>when</a:t>
+            </a:r>
+            <a:r>
+              <a:rPr lang="nl-NL" dirty="0"/>
+              <a:t> ⍺ = 0.05: 27 </a:t>
+            </a:r>
+            <a:r>
+              <a:rPr lang="nl-NL" dirty="0" err="1"/>
+              <a:t>iterations</a:t>
+            </a:r>
+            <a:endParaRPr lang="nl-NL" dirty="0"/>
+          </a:p>
+          <a:p>
+            <a:pPr marL="0" indent="0">
+              <a:buNone/>
+            </a:pPr>
+            <a:endParaRPr lang="nl-NL" dirty="0"/>
+          </a:p>
+          <a:p>
+            <a:endParaRPr lang="nl-NL" dirty="0"/>
+          </a:p>
+          <a:p>
+            <a:pPr marL="457200" lvl="1" indent="0">
+              <a:buNone/>
+            </a:pPr>
+            <a:endParaRPr lang="nl-NL" dirty="0"/>
+          </a:p>
+          <a:p>
+            <a:endParaRPr lang="nl-NL" dirty="0"/>
+          </a:p>
+          <a:p>
+            <a:pPr marL="0" indent="0">
+              <a:buNone/>
+            </a:pPr>
+            <a:endParaRPr lang="nl-NL" dirty="0"/>
+          </a:p>
+          <a:p>
+            <a:endParaRPr lang="nl-NL" dirty="0"/>
+          </a:p>
+          <a:p>
+            <a:pPr lvl="1"/>
+            <a:endParaRPr lang="nl-NL" dirty="0"/>
+          </a:p>
+          <a:p>
+            <a:pPr rtl="0"/>
+            <a:endParaRPr lang="nl-NL" dirty="0"/>
+          </a:p>
+          <a:p>
+            <a:pPr rtl="0"/>
+            <a:endParaRPr lang="nl-NL" dirty="0"/>
+          </a:p>
+        </p:txBody>
+      </p:sp>
+      <p:pic>
+        <p:nvPicPr>
+          <p:cNvPr id="5" name="Tijdelijke aanduiding voor inhoud 11" descr="Afbeelding met diagram, lijn, ontwerp&#10;&#10;Door AI gegenereerde inhoud is mogelijk onjuist.">
+            <a:extLst>
+              <a:ext uri="{FF2B5EF4-FFF2-40B4-BE49-F238E27FC236}">
+                <a16:creationId xmlns:a16="http://schemas.microsoft.com/office/drawing/2014/main" id="{81FD343B-5B9C-1AE9-0CB5-E8D93A5051CE}"/>
+              </a:ext>
+            </a:extLst>
+          </p:cNvPr>
+          <p:cNvPicPr>
+            <a:picLocks noChangeAspect="1"/>
+          </p:cNvPicPr>
+          <p:nvPr/>
+        </p:nvPicPr>
+        <p:blipFill>
+          <a:blip r:embed="rId3">
+            <a:extLst>
+              <a:ext uri="{28A0092B-C50C-407E-A947-70E740481C1C}">
+                <a14:useLocalDpi xmlns:a14="http://schemas.microsoft.com/office/drawing/2010/main" val="0"/>
+              </a:ext>
+            </a:extLst>
+          </a:blip>
+          <a:stretch>
+            <a:fillRect/>
+          </a:stretch>
+        </p:blipFill>
+        <p:spPr>
+          <a:xfrm>
+            <a:off x="4092755" y="3398108"/>
+            <a:ext cx="3704489" cy="3158171"/>
+          </a:xfrm>
+          <a:prstGeom prst="rect">
+            <a:avLst/>
+          </a:prstGeom>
+        </p:spPr>
+      </p:pic>
+    </p:spTree>
+    <p:extLst>
+      <p:ext uri="{BB962C8B-B14F-4D97-AF65-F5344CB8AC3E}">
+        <p14:creationId xmlns:p14="http://schemas.microsoft.com/office/powerpoint/2010/main" val="3147614286"/>
+      </p:ext>
+    </p:extLst>
+  </p:cSld>
+  <p:clrMapOvr>
+    <a:masterClrMapping/>
+  </p:clrMapOvr>
+  <mc:AlternateContent xmlns:mc="http://schemas.openxmlformats.org/markup-compatibility/2006">
+    <mc:Choice xmlns:p14="http://schemas.microsoft.com/office/powerpoint/2010/main" Requires="p14">
+      <p:transition spd="med" p14:dur="700">
+        <p:fade/>
+      </p:transition>
+    </mc:Choice>
+    <mc:Fallback>
+      <p:transition spd="med">
+        <p:fade/>
+      </p:transition>
+    </mc:Fallback>
+  </mc:AlternateContent>
+</p:sld>
+</file>
+
+<file path=ppt/slides/slide25.xml><?xml version="1.0" encoding="utf-8"?>
+<p:sld xmlns:a="http://schemas.openxmlformats.org/drawingml/2006/main" xmlns:r="http://schemas.openxmlformats.org/officeDocument/2006/relationships" xmlns:p="http://schemas.openxmlformats.org/presentationml/2006/main">
+  <p:cSld>
+    <p:spTree>
+      <p:nvGrpSpPr>
+        <p:cNvPr id="1" name="">
+          <a:extLst>
+            <a:ext uri="{FF2B5EF4-FFF2-40B4-BE49-F238E27FC236}">
+              <a16:creationId xmlns:a16="http://schemas.microsoft.com/office/drawing/2014/main" id="{8409BE7D-25F6-1034-69D6-26B7423C7794}"/>
+            </a:ext>
+          </a:extLst>
+        </p:cNvPr>
+        <p:cNvGrpSpPr/>
+        <p:nvPr/>
+      </p:nvGrpSpPr>
+      <p:grpSpPr>
+        <a:xfrm>
+          <a:off x="0" y="0"/>
+          <a:ext cx="0" cy="0"/>
+          <a:chOff x="0" y="0"/>
+          <a:chExt cx="0" cy="0"/>
+        </a:xfrm>
+      </p:grpSpPr>
+      <p:sp>
+        <p:nvSpPr>
+          <p:cNvPr id="13" name="Titel 1">
+            <a:extLst>
+              <a:ext uri="{FF2B5EF4-FFF2-40B4-BE49-F238E27FC236}">
+                <a16:creationId xmlns:a16="http://schemas.microsoft.com/office/drawing/2014/main" id="{F252CACD-05B3-F85D-E6B5-8679478A2920}"/>
+              </a:ext>
+            </a:extLst>
+          </p:cNvPr>
+          <p:cNvSpPr>
+            <a:spLocks noGrp="1"/>
+          </p:cNvSpPr>
+          <p:nvPr>
+            <p:ph type="title"/>
+          </p:nvPr>
+        </p:nvSpPr>
+        <p:spPr/>
+        <p:txBody>
+          <a:bodyPr rtlCol="0">
+            <a:normAutofit/>
+          </a:bodyPr>
+          <a:lstStyle/>
+          <a:p>
+            <a:r>
+              <a:rPr lang="nl-NL" dirty="0" err="1"/>
+              <a:t>Colaboration</a:t>
+            </a:r>
+            <a:r>
+              <a:rPr lang="nl-NL" dirty="0"/>
+              <a:t> &amp; </a:t>
+            </a:r>
+            <a:r>
+              <a:rPr lang="nl-NL" dirty="0" err="1"/>
+              <a:t>Reflection</a:t>
+            </a:r>
+            <a:endParaRPr lang="nl-NL" dirty="0"/>
+          </a:p>
+        </p:txBody>
+      </p:sp>
+      <p:sp>
+        <p:nvSpPr>
+          <p:cNvPr id="14" name="Tijdelijke aanduiding voor inhoud 2">
+            <a:extLst>
+              <a:ext uri="{FF2B5EF4-FFF2-40B4-BE49-F238E27FC236}">
+                <a16:creationId xmlns:a16="http://schemas.microsoft.com/office/drawing/2014/main" id="{3708EE4A-BB6D-FB33-0B6E-0860CE48E2D7}"/>
+              </a:ext>
+            </a:extLst>
+          </p:cNvPr>
+          <p:cNvSpPr>
+            <a:spLocks noGrp="1"/>
+          </p:cNvSpPr>
+          <p:nvPr>
+            <p:ph idx="1"/>
+          </p:nvPr>
+        </p:nvSpPr>
+        <p:spPr/>
+        <p:txBody>
+          <a:bodyPr rtlCol="0">
+            <a:normAutofit/>
+          </a:bodyPr>
+          <a:lstStyle/>
+          <a:p>
+            <a:endParaRPr lang="nl-NL" dirty="0"/>
+          </a:p>
+          <a:p>
+            <a:pPr marL="457200" lvl="1" indent="0">
+              <a:buNone/>
+            </a:pPr>
+            <a:endParaRPr lang="nl-NL" dirty="0"/>
+          </a:p>
+          <a:p>
+            <a:endParaRPr lang="nl-NL" dirty="0"/>
+          </a:p>
+          <a:p>
+            <a:pPr marL="0" indent="0">
+              <a:buNone/>
+            </a:pPr>
+            <a:endParaRPr lang="nl-NL" dirty="0"/>
+          </a:p>
+          <a:p>
+            <a:endParaRPr lang="nl-NL" dirty="0"/>
+          </a:p>
+          <a:p>
+            <a:pPr lvl="1"/>
+            <a:endParaRPr lang="nl-NL" dirty="0"/>
+          </a:p>
+          <a:p>
+            <a:pPr rtl="0"/>
+            <a:endParaRPr lang="nl-NL" dirty="0"/>
+          </a:p>
+          <a:p>
+            <a:pPr rtl="0"/>
+            <a:endParaRPr lang="nl-NL" dirty="0"/>
+          </a:p>
+        </p:txBody>
+      </p:sp>
+    </p:spTree>
+    <p:extLst>
+      <p:ext uri="{BB962C8B-B14F-4D97-AF65-F5344CB8AC3E}">
+        <p14:creationId xmlns:p14="http://schemas.microsoft.com/office/powerpoint/2010/main" val="3045728767"/>
+      </p:ext>
+    </p:extLst>
+  </p:cSld>
+  <p:clrMapOvr>
+    <a:masterClrMapping/>
+  </p:clrMapOvr>
+  <mc:AlternateContent xmlns:mc="http://schemas.openxmlformats.org/markup-compatibility/2006">
+    <mc:Choice xmlns:p14="http://schemas.microsoft.com/office/powerpoint/2010/main" Requires="p14">
+      <p:transition spd="med" p14:dur="700">
+        <p:fade/>
+      </p:transition>
+    </mc:Choice>
+    <mc:Fallback>
       <p:transition spd="med">
         <p:fade/>
       </p:transition>
